--- a/선린 수면 도우미 발표자료.pptx
+++ b/선린 수면 도우미 발표자료.pptx
@@ -9,7 +9,11 @@
     <p:sldId id="257" r:id="rId3"/>
     <p:sldId id="258" r:id="rId4"/>
     <p:sldId id="259" r:id="rId5"/>
-    <p:sldId id="260" r:id="rId6"/>
+    <p:sldId id="261" r:id="rId6"/>
+    <p:sldId id="262" r:id="rId7"/>
+    <p:sldId id="263" r:id="rId8"/>
+    <p:sldId id="265" r:id="rId9"/>
+    <p:sldId id="260" r:id="rId10"/>
   </p:sldIdLst>
   <p:sldSz cx="12192000" cy="6858000"/>
   <p:notesSz cx="6858000" cy="9144000"/>
@@ -117,10 +121,17 @@
             <p14:sldId id="257"/>
             <p14:sldId id="258"/>
             <p14:sldId id="259"/>
+            <p14:sldId id="261"/>
+            <p14:sldId id="262"/>
+            <p14:sldId id="263"/>
+            <p14:sldId id="265"/>
             <p14:sldId id="260"/>
           </p14:sldIdLst>
         </p14:section>
       </p14:sectionLst>
+    </p:ext>
+    <p:ext uri="{EFAFB233-063F-42B5-8137-9DF3F51BA10A}">
+      <p15:sldGuideLst xmlns:p15="http://schemas.microsoft.com/office/powerpoint/2012/main"/>
     </p:ext>
   </p:extLst>
 </p:presentation>
@@ -3947,10 +3958,10 @@
       </p:sp>
       <p:grpSp>
         <p:nvGrpSpPr>
-          <p:cNvPr id="33" name="그룹 32">
-            <a:extLst>
-              <a:ext uri="{FF2B5EF4-FFF2-40B4-BE49-F238E27FC236}">
-                <a16:creationId xmlns:a16="http://schemas.microsoft.com/office/drawing/2014/main" id="{930F7FE1-67EE-4D2E-B6CB-D54C82653823}"/>
+          <p:cNvPr id="2" name="그룹 1">
+            <a:extLst>
+              <a:ext uri="{FF2B5EF4-FFF2-40B4-BE49-F238E27FC236}">
+                <a16:creationId xmlns:a16="http://schemas.microsoft.com/office/drawing/2014/main" id="{310C2CAB-E29E-414F-969E-482A0D916145}"/>
               </a:ext>
             </a:extLst>
           </p:cNvPr>
@@ -3959,203 +3970,12 @@
         </p:nvGrpSpPr>
         <p:grpSpPr>
           <a:xfrm>
-            <a:off x="200418" y="2064657"/>
-            <a:ext cx="13928250" cy="2728686"/>
-            <a:chOff x="156875" y="1996007"/>
-            <a:chExt cx="13928250" cy="2728686"/>
+            <a:off x="1781944" y="2071185"/>
+            <a:ext cx="10563230" cy="2728686"/>
+            <a:chOff x="3203920" y="2064657"/>
+            <a:chExt cx="10563230" cy="2728686"/>
           </a:xfrm>
         </p:grpSpPr>
-        <p:grpSp>
-          <p:nvGrpSpPr>
-            <p:cNvPr id="17" name="그룹 16">
-              <a:extLst>
-                <a:ext uri="{FF2B5EF4-FFF2-40B4-BE49-F238E27FC236}">
-                  <a16:creationId xmlns:a16="http://schemas.microsoft.com/office/drawing/2014/main" id="{56D3DF49-B081-4D32-A2A1-8AC88DD8926B}"/>
-                </a:ext>
-              </a:extLst>
-            </p:cNvPr>
-            <p:cNvGrpSpPr/>
-            <p:nvPr/>
-          </p:nvGrpSpPr>
-          <p:grpSpPr>
-            <a:xfrm>
-              <a:off x="156875" y="1996007"/>
-              <a:ext cx="4917745" cy="2728686"/>
-              <a:chOff x="319314" y="1640114"/>
-              <a:chExt cx="4917745" cy="2728686"/>
-            </a:xfrm>
-          </p:grpSpPr>
-          <p:grpSp>
-            <p:nvGrpSpPr>
-              <p:cNvPr id="8" name="그룹 7">
-                <a:extLst>
-                  <a:ext uri="{FF2B5EF4-FFF2-40B4-BE49-F238E27FC236}">
-                    <a16:creationId xmlns:a16="http://schemas.microsoft.com/office/drawing/2014/main" id="{1235886B-41C8-4CB7-AE0D-E0EBF1059EBB}"/>
-                  </a:ext>
-                </a:extLst>
-              </p:cNvPr>
-              <p:cNvGrpSpPr/>
-              <p:nvPr/>
-            </p:nvGrpSpPr>
-            <p:grpSpPr>
-              <a:xfrm>
-                <a:off x="319314" y="1640114"/>
-                <a:ext cx="4917745" cy="2728686"/>
-                <a:chOff x="319314" y="1640114"/>
-                <a:chExt cx="4917745" cy="2728686"/>
-              </a:xfrm>
-            </p:grpSpPr>
-            <p:sp>
-              <p:nvSpPr>
-                <p:cNvPr id="7" name="타원 6">
-                  <a:extLst>
-                    <a:ext uri="{FF2B5EF4-FFF2-40B4-BE49-F238E27FC236}">
-                      <a16:creationId xmlns:a16="http://schemas.microsoft.com/office/drawing/2014/main" id="{6B69C8E1-7EA0-4584-9E1D-E0A6FC267A90}"/>
-                    </a:ext>
-                  </a:extLst>
-                </p:cNvPr>
-                <p:cNvSpPr/>
-                <p:nvPr/>
-              </p:nvSpPr>
-              <p:spPr>
-                <a:xfrm>
-                  <a:off x="319314" y="1640114"/>
-                  <a:ext cx="2728686" cy="2728686"/>
-                </a:xfrm>
-                <a:prstGeom prst="ellipse">
-                  <a:avLst/>
-                </a:prstGeom>
-                <a:solidFill>
-                  <a:srgbClr val="6666FF"/>
-                </a:solidFill>
-                <a:ln>
-                  <a:noFill/>
-                </a:ln>
-              </p:spPr>
-              <p:style>
-                <a:lnRef idx="2">
-                  <a:schemeClr val="accent1">
-                    <a:shade val="50000"/>
-                  </a:schemeClr>
-                </a:lnRef>
-                <a:fillRef idx="1">
-                  <a:schemeClr val="accent1"/>
-                </a:fillRef>
-                <a:effectRef idx="0">
-                  <a:schemeClr val="accent1"/>
-                </a:effectRef>
-                <a:fontRef idx="minor">
-                  <a:schemeClr val="lt1"/>
-                </a:fontRef>
-              </p:style>
-              <p:txBody>
-                <a:bodyPr rtlCol="0" anchor="ctr"/>
-                <a:lstStyle/>
-                <a:p>
-                  <a:pPr algn="ctr"/>
-                  <a:endParaRPr lang="ko-KR" altLang="en-US" dirty="0"/>
-                </a:p>
-              </p:txBody>
-            </p:sp>
-            <p:sp>
-              <p:nvSpPr>
-                <p:cNvPr id="6" name="TextBox 5">
-                  <a:extLst>
-                    <a:ext uri="{FF2B5EF4-FFF2-40B4-BE49-F238E27FC236}">
-                      <a16:creationId xmlns:a16="http://schemas.microsoft.com/office/drawing/2014/main" id="{D33045A3-8DA4-4482-9AB5-EBBE742C451B}"/>
-                    </a:ext>
-                  </a:extLst>
-                </p:cNvPr>
-                <p:cNvSpPr txBox="1"/>
-                <p:nvPr/>
-              </p:nvSpPr>
-              <p:spPr>
-                <a:xfrm>
-                  <a:off x="1117600" y="3429000"/>
-                  <a:ext cx="4119459" cy="707886"/>
-                </a:xfrm>
-                <a:prstGeom prst="rect">
-                  <a:avLst/>
-                </a:prstGeom>
-                <a:noFill/>
-              </p:spPr>
-              <p:txBody>
-                <a:bodyPr wrap="square" rtlCol="0">
-                  <a:spAutoFit/>
-                </a:bodyPr>
-                <a:lstStyle/>
-                <a:p>
-                  <a:r>
-                    <a:rPr lang="ko-KR" altLang="en-US" sz="4000" dirty="0">
-                      <a:solidFill>
-                        <a:schemeClr val="bg1"/>
-                      </a:solidFill>
-                      <a:latin typeface="DX하얀토끼B" panose="02020600000000000000" pitchFamily="18" charset="-127"/>
-                      <a:ea typeface="DX하얀토끼B" panose="02020600000000000000" pitchFamily="18" charset="-127"/>
-                    </a:rPr>
-                    <a:t>차례</a:t>
-                  </a:r>
-                  <a:r>
-                    <a:rPr lang="en-US" altLang="ko-KR" sz="4000" dirty="0">
-                      <a:solidFill>
-                        <a:schemeClr val="bg1"/>
-                      </a:solidFill>
-                      <a:latin typeface="DX하얀토끼B" panose="02020600000000000000" pitchFamily="18" charset="-127"/>
-                      <a:ea typeface="DX하얀토끼B" panose="02020600000000000000" pitchFamily="18" charset="-127"/>
-                    </a:rPr>
-                    <a:t>1</a:t>
-                  </a:r>
-                  <a:endParaRPr lang="ko-KR" altLang="en-US" sz="4000" dirty="0">
-                    <a:solidFill>
-                      <a:schemeClr val="bg1"/>
-                    </a:solidFill>
-                    <a:latin typeface="DX하얀토끼B" panose="02020600000000000000" pitchFamily="18" charset="-127"/>
-                    <a:ea typeface="DX하얀토끼B" panose="02020600000000000000" pitchFamily="18" charset="-127"/>
-                  </a:endParaRPr>
-                </a:p>
-              </p:txBody>
-            </p:sp>
-          </p:grpSp>
-          <p:pic>
-            <p:nvPicPr>
-              <p:cNvPr id="12" name="그래픽 11" descr="지우개">
-                <a:extLst>
-                  <a:ext uri="{FF2B5EF4-FFF2-40B4-BE49-F238E27FC236}">
-                    <a16:creationId xmlns:a16="http://schemas.microsoft.com/office/drawing/2014/main" id="{A6C9B307-2EA5-4B5D-A41E-7FC8BBE67B03}"/>
-                  </a:ext>
-                </a:extLst>
-              </p:cNvPr>
-              <p:cNvPicPr>
-                <a:picLocks noChangeAspect="1"/>
-              </p:cNvPicPr>
-              <p:nvPr/>
-            </p:nvPicPr>
-            <p:blipFill>
-              <a:blip r:embed="rId2">
-                <a:extLst>
-                  <a:ext uri="{28A0092B-C50C-407E-A947-70E740481C1C}">
-                    <a14:useLocalDpi xmlns:a14="http://schemas.microsoft.com/office/drawing/2010/main" val="0"/>
-                  </a:ext>
-                  <a:ext uri="{96DAC541-7B7A-43D3-8B79-37D633B846F1}">
-                    <asvg:svgBlip xmlns:asvg="http://schemas.microsoft.com/office/drawing/2016/SVG/main" r:embed="rId3"/>
-                  </a:ext>
-                </a:extLst>
-              </a:blip>
-              <a:stretch>
-                <a:fillRect/>
-              </a:stretch>
-            </p:blipFill>
-            <p:spPr>
-              <a:xfrm>
-                <a:off x="1106714" y="2118543"/>
-                <a:ext cx="1153886" cy="1153886"/>
-              </a:xfrm>
-              <a:prstGeom prst="rect">
-                <a:avLst/>
-              </a:prstGeom>
-            </p:spPr>
-          </p:pic>
-        </p:grpSp>
         <p:grpSp>
           <p:nvGrpSpPr>
             <p:cNvPr id="18" name="그룹 17">
@@ -4170,10 +3990,10 @@
           </p:nvGrpSpPr>
           <p:grpSpPr>
             <a:xfrm>
-              <a:off x="6163879" y="1996007"/>
-              <a:ext cx="4917745" cy="2728686"/>
+              <a:off x="6207422" y="2064657"/>
+              <a:ext cx="4715723" cy="2728686"/>
               <a:chOff x="319314" y="1640114"/>
-              <a:chExt cx="4917745" cy="2728686"/>
+              <a:chExt cx="4715723" cy="2728686"/>
             </a:xfrm>
           </p:grpSpPr>
           <p:grpSp>
@@ -4191,9 +4011,9 @@
             <p:grpSpPr>
               <a:xfrm>
                 <a:off x="319314" y="1640114"/>
-                <a:ext cx="4917745" cy="2728686"/>
+                <a:ext cx="4715723" cy="2728686"/>
                 <a:chOff x="319314" y="1640114"/>
-                <a:chExt cx="4917745" cy="2728686"/>
+                <a:chExt cx="4715723" cy="2728686"/>
               </a:xfrm>
             </p:grpSpPr>
             <p:sp>
@@ -4262,7 +4082,7 @@
               </p:nvSpPr>
               <p:spPr>
                 <a:xfrm>
-                  <a:off x="1117600" y="3429000"/>
+                  <a:off x="915578" y="3429000"/>
                   <a:ext cx="4119459" cy="707886"/>
                 </a:xfrm>
                 <a:prstGeom prst="rect">
@@ -4284,25 +4104,8 @@
                       <a:latin typeface="DX하얀토끼B" panose="02020600000000000000" pitchFamily="18" charset="-127"/>
                       <a:ea typeface="DX하얀토끼B" panose="02020600000000000000" pitchFamily="18" charset="-127"/>
                     </a:rPr>
-                    <a:t>차례</a:t>
+                    <a:t>작품소개</a:t>
                   </a:r>
-                  <a:r>
-                    <a:rPr lang="en-US" altLang="ko-KR" sz="4000" dirty="0">
-                      <a:solidFill>
-                        <a:schemeClr val="bg1"/>
-                      </a:solidFill>
-                      <a:latin typeface="DX하얀토끼B" panose="02020600000000000000" pitchFamily="18" charset="-127"/>
-                      <a:ea typeface="DX하얀토끼B" panose="02020600000000000000" pitchFamily="18" charset="-127"/>
-                    </a:rPr>
-                    <a:t>1</a:t>
-                  </a:r>
-                  <a:endParaRPr lang="ko-KR" altLang="en-US" sz="4000" dirty="0">
-                    <a:solidFill>
-                      <a:schemeClr val="bg1"/>
-                    </a:solidFill>
-                    <a:latin typeface="DX하얀토끼B" panose="02020600000000000000" pitchFamily="18" charset="-127"/>
-                    <a:ea typeface="DX하얀토끼B" panose="02020600000000000000" pitchFamily="18" charset="-127"/>
-                  </a:endParaRPr>
                 </a:p>
               </p:txBody>
             </p:sp>
@@ -4322,13 +4125,13 @@
               <p:nvPr/>
             </p:nvPicPr>
             <p:blipFill>
-              <a:blip r:embed="rId4">
+              <a:blip r:embed="rId2">
                 <a:extLst>
                   <a:ext uri="{28A0092B-C50C-407E-A947-70E740481C1C}">
                     <a14:useLocalDpi xmlns:a14="http://schemas.microsoft.com/office/drawing/2010/main" val="0"/>
                   </a:ext>
                   <a:ext uri="{96DAC541-7B7A-43D3-8B79-37D633B846F1}">
-                    <asvg:svgBlip xmlns:asvg="http://schemas.microsoft.com/office/drawing/2016/SVG/main" r:embed="rId5"/>
+                    <asvg:svgBlip xmlns:asvg="http://schemas.microsoft.com/office/drawing/2016/SVG/main" r:embed="rId3"/>
                   </a:ext>
                 </a:extLst>
               </a:blip>
@@ -4361,10 +4164,10 @@
           </p:nvGrpSpPr>
           <p:grpSpPr>
             <a:xfrm>
-              <a:off x="3160377" y="1996007"/>
-              <a:ext cx="4917745" cy="2728686"/>
+              <a:off x="3203920" y="2064657"/>
+              <a:ext cx="4695988" cy="2728686"/>
               <a:chOff x="319314" y="1640114"/>
-              <a:chExt cx="4917745" cy="2728686"/>
+              <a:chExt cx="4695988" cy="2728686"/>
             </a:xfrm>
           </p:grpSpPr>
           <p:grpSp>
@@ -4382,9 +4185,9 @@
             <p:grpSpPr>
               <a:xfrm>
                 <a:off x="319314" y="1640114"/>
-                <a:ext cx="4917745" cy="2728686"/>
+                <a:ext cx="4695988" cy="2728686"/>
                 <a:chOff x="319314" y="1640114"/>
-                <a:chExt cx="4917745" cy="2728686"/>
+                <a:chExt cx="4695988" cy="2728686"/>
               </a:xfrm>
             </p:grpSpPr>
             <p:sp>
@@ -4453,7 +4256,7 @@
               </p:nvSpPr>
               <p:spPr>
                 <a:xfrm>
-                  <a:off x="1117600" y="3429000"/>
+                  <a:off x="895843" y="3429000"/>
                   <a:ext cx="4119459" cy="707886"/>
                 </a:xfrm>
                 <a:prstGeom prst="rect">
@@ -4475,25 +4278,8 @@
                       <a:latin typeface="DX하얀토끼B" panose="02020600000000000000" pitchFamily="18" charset="-127"/>
                       <a:ea typeface="DX하얀토끼B" panose="02020600000000000000" pitchFamily="18" charset="-127"/>
                     </a:rPr>
-                    <a:t>차례</a:t>
+                    <a:t>개발동기</a:t>
                   </a:r>
-                  <a:r>
-                    <a:rPr lang="en-US" altLang="ko-KR" sz="4000" dirty="0">
-                      <a:solidFill>
-                        <a:schemeClr val="bg1"/>
-                      </a:solidFill>
-                      <a:latin typeface="DX하얀토끼B" panose="02020600000000000000" pitchFamily="18" charset="-127"/>
-                      <a:ea typeface="DX하얀토끼B" panose="02020600000000000000" pitchFamily="18" charset="-127"/>
-                    </a:rPr>
-                    <a:t>1</a:t>
-                  </a:r>
-                  <a:endParaRPr lang="ko-KR" altLang="en-US" sz="4000" dirty="0">
-                    <a:solidFill>
-                      <a:schemeClr val="bg1"/>
-                    </a:solidFill>
-                    <a:latin typeface="DX하얀토끼B" panose="02020600000000000000" pitchFamily="18" charset="-127"/>
-                    <a:ea typeface="DX하얀토끼B" panose="02020600000000000000" pitchFamily="18" charset="-127"/>
-                  </a:endParaRPr>
                 </a:p>
               </p:txBody>
             </p:sp>
@@ -4513,13 +4299,13 @@
               <p:nvPr/>
             </p:nvPicPr>
             <p:blipFill>
-              <a:blip r:embed="rId6">
+              <a:blip r:embed="rId4">
                 <a:extLst>
                   <a:ext uri="{28A0092B-C50C-407E-A947-70E740481C1C}">
                     <a14:useLocalDpi xmlns:a14="http://schemas.microsoft.com/office/drawing/2010/main" val="0"/>
                   </a:ext>
                   <a:ext uri="{96DAC541-7B7A-43D3-8B79-37D633B846F1}">
-                    <asvg:svgBlip xmlns:asvg="http://schemas.microsoft.com/office/drawing/2016/SVG/main" r:embed="rId7"/>
+                    <asvg:svgBlip xmlns:asvg="http://schemas.microsoft.com/office/drawing/2016/SVG/main" r:embed="rId5"/>
                   </a:ext>
                 </a:extLst>
               </a:blip>
@@ -4552,10 +4338,10 @@
           </p:nvGrpSpPr>
           <p:grpSpPr>
             <a:xfrm>
-              <a:off x="9167380" y="1996007"/>
-              <a:ext cx="4917745" cy="2728686"/>
+              <a:off x="9210923" y="2064657"/>
+              <a:ext cx="4556227" cy="2728686"/>
               <a:chOff x="319314" y="1640114"/>
-              <a:chExt cx="4917745" cy="2728686"/>
+              <a:chExt cx="4556227" cy="2728686"/>
             </a:xfrm>
           </p:grpSpPr>
           <p:grpSp>
@@ -4573,9 +4359,9 @@
             <p:grpSpPr>
               <a:xfrm>
                 <a:off x="319314" y="1640114"/>
-                <a:ext cx="4917745" cy="2728686"/>
+                <a:ext cx="4556227" cy="2728686"/>
                 <a:chOff x="319314" y="1640114"/>
-                <a:chExt cx="4917745" cy="2728686"/>
+                <a:chExt cx="4556227" cy="2728686"/>
               </a:xfrm>
             </p:grpSpPr>
             <p:sp>
@@ -4644,7 +4430,7 @@
               </p:nvSpPr>
               <p:spPr>
                 <a:xfrm>
-                  <a:off x="1117600" y="3429000"/>
+                  <a:off x="756082" y="3429000"/>
                   <a:ext cx="4119459" cy="707886"/>
                 </a:xfrm>
                 <a:prstGeom prst="rect">
@@ -4666,7 +4452,7 @@
                       <a:latin typeface="DX하얀토끼B" panose="02020600000000000000" pitchFamily="18" charset="-127"/>
                       <a:ea typeface="DX하얀토끼B" panose="02020600000000000000" pitchFamily="18" charset="-127"/>
                     </a:rPr>
-                    <a:t>차례</a:t>
+                    <a:t>끝</a:t>
                   </a:r>
                   <a:r>
                     <a:rPr lang="en-US" altLang="ko-KR" sz="4000" dirty="0">
@@ -4676,15 +4462,18 @@
                       <a:latin typeface="DX하얀토끼B" panose="02020600000000000000" pitchFamily="18" charset="-127"/>
                       <a:ea typeface="DX하얀토끼B" panose="02020600000000000000" pitchFamily="18" charset="-127"/>
                     </a:rPr>
-                    <a:t>1</a:t>
+                    <a:t>. </a:t>
                   </a:r>
-                  <a:endParaRPr lang="ko-KR" altLang="en-US" sz="4000" dirty="0">
-                    <a:solidFill>
-                      <a:schemeClr val="bg1"/>
-                    </a:solidFill>
-                    <a:latin typeface="DX하얀토끼B" panose="02020600000000000000" pitchFamily="18" charset="-127"/>
-                    <a:ea typeface="DX하얀토끼B" panose="02020600000000000000" pitchFamily="18" charset="-127"/>
-                  </a:endParaRPr>
+                  <a:r>
+                    <a:rPr lang="ko-KR" altLang="en-US" sz="4000" dirty="0">
+                      <a:solidFill>
+                        <a:schemeClr val="bg1"/>
+                      </a:solidFill>
+                      <a:latin typeface="DX하얀토끼B" panose="02020600000000000000" pitchFamily="18" charset="-127"/>
+                      <a:ea typeface="DX하얀토끼B" panose="02020600000000000000" pitchFamily="18" charset="-127"/>
+                    </a:rPr>
+                    <a:t>느낀 점</a:t>
+                  </a:r>
                 </a:p>
               </p:txBody>
             </p:sp>
@@ -4704,13 +4493,13 @@
               <p:nvPr/>
             </p:nvPicPr>
             <p:blipFill>
-              <a:blip r:embed="rId8">
+              <a:blip r:embed="rId6">
                 <a:extLst>
                   <a:ext uri="{28A0092B-C50C-407E-A947-70E740481C1C}">
                     <a14:useLocalDpi xmlns:a14="http://schemas.microsoft.com/office/drawing/2010/main" val="0"/>
                   </a:ext>
                   <a:ext uri="{96DAC541-7B7A-43D3-8B79-37D633B846F1}">
-                    <asvg:svgBlip xmlns:asvg="http://schemas.microsoft.com/office/drawing/2016/SVG/main" r:embed="rId9"/>
+                    <asvg:svgBlip xmlns:asvg="http://schemas.microsoft.com/office/drawing/2016/SVG/main" r:embed="rId7"/>
                   </a:ext>
                 </a:extLst>
               </a:blip>
@@ -4740,13 +4529,13 @@
   <p:clrMapOvr>
     <a:masterClrMapping/>
   </p:clrMapOvr>
-  <mc:AlternateContent xmlns:mc="http://schemas.openxmlformats.org/markup-compatibility/2006">
-    <mc:Choice xmlns:p14="http://schemas.microsoft.com/office/powerpoint/2010/main" Requires="p14">
+  <mc:AlternateContent xmlns:mc="http://schemas.openxmlformats.org/markup-compatibility/2006" xmlns:p14="http://schemas.microsoft.com/office/powerpoint/2010/main">
+    <mc:Choice Requires="p14">
       <p:transition spd="slow" p14:dur="1500">
         <p:cover dir="u"/>
       </p:transition>
     </mc:Choice>
-    <mc:Fallback>
+    <mc:Fallback xmlns="">
       <p:transition spd="slow">
         <p:cover dir="u"/>
       </p:transition>
@@ -4968,130 +4757,12 @@
           </a:p>
         </p:txBody>
       </p:sp>
-      <p:grpSp>
-        <p:nvGrpSpPr>
-          <p:cNvPr id="3" name="그룹 2">
-            <a:extLst>
-              <a:ext uri="{FF2B5EF4-FFF2-40B4-BE49-F238E27FC236}">
-                <a16:creationId xmlns:a16="http://schemas.microsoft.com/office/drawing/2014/main" id="{0C3ECE82-8CE5-40C9-B70E-0B0BF4663D6D}"/>
-              </a:ext>
-            </a:extLst>
-          </p:cNvPr>
-          <p:cNvGrpSpPr/>
-          <p:nvPr/>
-        </p:nvGrpSpPr>
-        <p:grpSpPr>
-          <a:xfrm>
-            <a:off x="575912" y="405232"/>
-            <a:ext cx="5520088" cy="1153886"/>
-            <a:chOff x="421761" y="258754"/>
-            <a:chExt cx="5520088" cy="1153886"/>
-          </a:xfrm>
-        </p:grpSpPr>
-        <p:sp>
-          <p:nvSpPr>
-            <p:cNvPr id="35" name="TextBox 34">
-              <a:extLst>
-                <a:ext uri="{FF2B5EF4-FFF2-40B4-BE49-F238E27FC236}">
-                  <a16:creationId xmlns:a16="http://schemas.microsoft.com/office/drawing/2014/main" id="{E96DE965-44DB-4D81-84E9-C2A0098DF4F8}"/>
-                </a:ext>
-              </a:extLst>
-            </p:cNvPr>
-            <p:cNvSpPr txBox="1"/>
-            <p:nvPr/>
-          </p:nvSpPr>
-          <p:spPr>
-            <a:xfrm>
-              <a:off x="1822390" y="481754"/>
-              <a:ext cx="4119459" cy="707886"/>
-            </a:xfrm>
-            <a:prstGeom prst="rect">
-              <a:avLst/>
-            </a:prstGeom>
-            <a:noFill/>
-          </p:spPr>
-          <p:txBody>
-            <a:bodyPr wrap="square" rtlCol="0">
-              <a:spAutoFit/>
-            </a:bodyPr>
-            <a:lstStyle/>
-            <a:p>
-              <a:r>
-                <a:rPr lang="ko-KR" altLang="en-US" sz="4000" dirty="0">
-                  <a:solidFill>
-                    <a:schemeClr val="bg1"/>
-                  </a:solidFill>
-                  <a:latin typeface="DX하얀토끼B" panose="02020600000000000000" pitchFamily="18" charset="-127"/>
-                  <a:ea typeface="DX하얀토끼B" panose="02020600000000000000" pitchFamily="18" charset="-127"/>
-                </a:rPr>
-                <a:t>차례</a:t>
-              </a:r>
-              <a:r>
-                <a:rPr lang="en-US" altLang="ko-KR" sz="4000" dirty="0">
-                  <a:solidFill>
-                    <a:schemeClr val="bg1"/>
-                  </a:solidFill>
-                  <a:latin typeface="DX하얀토끼B" panose="02020600000000000000" pitchFamily="18" charset="-127"/>
-                  <a:ea typeface="DX하얀토끼B" panose="02020600000000000000" pitchFamily="18" charset="-127"/>
-                </a:rPr>
-                <a:t>1</a:t>
-              </a:r>
-              <a:endParaRPr lang="ko-KR" altLang="en-US" sz="4000" dirty="0">
-                <a:solidFill>
-                  <a:schemeClr val="bg1"/>
-                </a:solidFill>
-                <a:latin typeface="DX하얀토끼B" panose="02020600000000000000" pitchFamily="18" charset="-127"/>
-                <a:ea typeface="DX하얀토끼B" panose="02020600000000000000" pitchFamily="18" charset="-127"/>
-              </a:endParaRPr>
-            </a:p>
-          </p:txBody>
-        </p:sp>
-        <p:pic>
-          <p:nvPicPr>
-            <p:cNvPr id="36" name="그래픽 35" descr="지우개">
-              <a:extLst>
-                <a:ext uri="{FF2B5EF4-FFF2-40B4-BE49-F238E27FC236}">
-                  <a16:creationId xmlns:a16="http://schemas.microsoft.com/office/drawing/2014/main" id="{B80A30D6-385C-49E5-A580-B9AA7C704557}"/>
-                </a:ext>
-              </a:extLst>
-            </p:cNvPr>
-            <p:cNvPicPr>
-              <a:picLocks noChangeAspect="1"/>
-            </p:cNvPicPr>
-            <p:nvPr/>
-          </p:nvPicPr>
-          <p:blipFill>
-            <a:blip r:embed="rId2">
-              <a:extLst>
-                <a:ext uri="{28A0092B-C50C-407E-A947-70E740481C1C}">
-                  <a14:useLocalDpi xmlns:a14="http://schemas.microsoft.com/office/drawing/2010/main" val="0"/>
-                </a:ext>
-                <a:ext uri="{96DAC541-7B7A-43D3-8B79-37D633B846F1}">
-                  <asvg:svgBlip xmlns:asvg="http://schemas.microsoft.com/office/drawing/2016/SVG/main" r:embed="rId3"/>
-                </a:ext>
-              </a:extLst>
-            </a:blip>
-            <a:stretch>
-              <a:fillRect/>
-            </a:stretch>
-          </p:blipFill>
-          <p:spPr>
-            <a:xfrm>
-              <a:off x="421761" y="258754"/>
-              <a:ext cx="1153886" cy="1153886"/>
-            </a:xfrm>
-            <a:prstGeom prst="rect">
-              <a:avLst/>
-            </a:prstGeom>
-          </p:spPr>
-        </p:pic>
-      </p:grpSp>
-      <p:sp>
-        <p:nvSpPr>
-          <p:cNvPr id="37" name="TextBox 36">
-            <a:extLst>
-              <a:ext uri="{FF2B5EF4-FFF2-40B4-BE49-F238E27FC236}">
-                <a16:creationId xmlns:a16="http://schemas.microsoft.com/office/drawing/2014/main" id="{1246D3AE-6768-4180-A45F-0ECB5646E618}"/>
+      <p:sp>
+        <p:nvSpPr>
+          <p:cNvPr id="35" name="TextBox 34">
+            <a:extLst>
+              <a:ext uri="{FF2B5EF4-FFF2-40B4-BE49-F238E27FC236}">
+                <a16:creationId xmlns:a16="http://schemas.microsoft.com/office/drawing/2014/main" id="{E96DE965-44DB-4D81-84E9-C2A0098DF4F8}"/>
               </a:ext>
             </a:extLst>
           </p:cNvPr>
@@ -5100,7 +4771,7 @@
         </p:nvSpPr>
         <p:spPr>
           <a:xfrm>
-            <a:off x="442686" y="2185190"/>
+            <a:off x="1976541" y="628232"/>
             <a:ext cx="4119459" cy="707886"/>
           </a:xfrm>
           <a:prstGeom prst="rect">
@@ -5122,8 +4793,39 @@
                 <a:latin typeface="DX하얀토끼B" panose="02020600000000000000" pitchFamily="18" charset="-127"/>
                 <a:ea typeface="DX하얀토끼B" panose="02020600000000000000" pitchFamily="18" charset="-127"/>
               </a:rPr>
-              <a:t>내용 </a:t>
-            </a:r>
+              <a:t>개발동기</a:t>
+            </a:r>
+          </a:p>
+        </p:txBody>
+      </p:sp>
+      <p:sp>
+        <p:nvSpPr>
+          <p:cNvPr id="37" name="TextBox 36">
+            <a:extLst>
+              <a:ext uri="{FF2B5EF4-FFF2-40B4-BE49-F238E27FC236}">
+                <a16:creationId xmlns:a16="http://schemas.microsoft.com/office/drawing/2014/main" id="{1246D3AE-6768-4180-A45F-0ECB5646E618}"/>
+              </a:ext>
+            </a:extLst>
+          </p:cNvPr>
+          <p:cNvSpPr txBox="1"/>
+          <p:nvPr/>
+        </p:nvSpPr>
+        <p:spPr>
+          <a:xfrm>
+            <a:off x="442686" y="2185190"/>
+            <a:ext cx="7627426" cy="707886"/>
+          </a:xfrm>
+          <a:prstGeom prst="rect">
+            <a:avLst/>
+          </a:prstGeom>
+          <a:noFill/>
+        </p:spPr>
+        <p:txBody>
+          <a:bodyPr wrap="square" rtlCol="0">
+            <a:spAutoFit/>
+          </a:bodyPr>
+          <a:lstStyle/>
+          <a:p>
             <a:r>
               <a:rPr lang="en-US" altLang="ko-KR" sz="4000" dirty="0">
                 <a:solidFill>
@@ -5132,15 +4834,159 @@
                 <a:latin typeface="DX하얀토끼B" panose="02020600000000000000" pitchFamily="18" charset="-127"/>
                 <a:ea typeface="DX하얀토끼B" panose="02020600000000000000" pitchFamily="18" charset="-127"/>
               </a:rPr>
-              <a:t>1234</a:t>
-            </a:r>
-            <a:endParaRPr lang="ko-KR" altLang="en-US" sz="4000" dirty="0">
-              <a:solidFill>
-                <a:schemeClr val="bg1"/>
-              </a:solidFill>
-              <a:latin typeface="DX하얀토끼B" panose="02020600000000000000" pitchFamily="18" charset="-127"/>
-              <a:ea typeface="DX하얀토끼B" panose="02020600000000000000" pitchFamily="18" charset="-127"/>
-            </a:endParaRPr>
+              <a:t> - </a:t>
+            </a:r>
+            <a:r>
+              <a:rPr lang="ko-KR" altLang="en-US" sz="4000" dirty="0">
+                <a:solidFill>
+                  <a:schemeClr val="bg1"/>
+                </a:solidFill>
+                <a:latin typeface="DX하얀토끼B" panose="02020600000000000000" pitchFamily="18" charset="-127"/>
+                <a:ea typeface="DX하얀토끼B" panose="02020600000000000000" pitchFamily="18" charset="-127"/>
+              </a:rPr>
+              <a:t>선린에는 잠이 부족한 사람이 많이 보임</a:t>
+            </a:r>
+          </a:p>
+        </p:txBody>
+      </p:sp>
+      <p:pic>
+        <p:nvPicPr>
+          <p:cNvPr id="10" name="그래픽 9">
+            <a:extLst>
+              <a:ext uri="{FF2B5EF4-FFF2-40B4-BE49-F238E27FC236}">
+                <a16:creationId xmlns:a16="http://schemas.microsoft.com/office/drawing/2014/main" id="{266049A4-222B-4353-8A98-5B9A6B2A6CCB}"/>
+              </a:ext>
+            </a:extLst>
+          </p:cNvPr>
+          <p:cNvPicPr>
+            <a:picLocks noChangeAspect="1"/>
+          </p:cNvPicPr>
+          <p:nvPr/>
+        </p:nvPicPr>
+        <p:blipFill>
+          <a:blip r:embed="rId2">
+            <a:extLst>
+              <a:ext uri="{28A0092B-C50C-407E-A947-70E740481C1C}">
+                <a14:useLocalDpi xmlns:a14="http://schemas.microsoft.com/office/drawing/2010/main" val="0"/>
+              </a:ext>
+              <a:ext uri="{96DAC541-7B7A-43D3-8B79-37D633B846F1}">
+                <asvg:svgBlip xmlns:asvg="http://schemas.microsoft.com/office/drawing/2016/SVG/main" r:embed="rId3"/>
+              </a:ext>
+            </a:extLst>
+          </a:blip>
+          <a:stretch>
+            <a:fillRect/>
+          </a:stretch>
+        </p:blipFill>
+        <p:spPr>
+          <a:xfrm>
+            <a:off x="571408" y="405232"/>
+            <a:ext cx="1153886" cy="1153886"/>
+          </a:xfrm>
+          <a:prstGeom prst="rect">
+            <a:avLst/>
+          </a:prstGeom>
+        </p:spPr>
+      </p:pic>
+      <p:sp>
+        <p:nvSpPr>
+          <p:cNvPr id="11" name="TextBox 10">
+            <a:extLst>
+              <a:ext uri="{FF2B5EF4-FFF2-40B4-BE49-F238E27FC236}">
+                <a16:creationId xmlns:a16="http://schemas.microsoft.com/office/drawing/2014/main" id="{4E46B109-C050-4579-B4FB-FD8D5E36E242}"/>
+              </a:ext>
+            </a:extLst>
+          </p:cNvPr>
+          <p:cNvSpPr txBox="1"/>
+          <p:nvPr/>
+        </p:nvSpPr>
+        <p:spPr>
+          <a:xfrm>
+            <a:off x="442685" y="3065251"/>
+            <a:ext cx="9934691" cy="1323439"/>
+          </a:xfrm>
+          <a:prstGeom prst="rect">
+            <a:avLst/>
+          </a:prstGeom>
+          <a:noFill/>
+        </p:spPr>
+        <p:txBody>
+          <a:bodyPr wrap="square" rtlCol="0">
+            <a:spAutoFit/>
+          </a:bodyPr>
+          <a:lstStyle/>
+          <a:p>
+            <a:r>
+              <a:rPr lang="en-US" altLang="ko-KR" sz="4000" dirty="0">
+                <a:solidFill>
+                  <a:schemeClr val="bg1"/>
+                </a:solidFill>
+                <a:latin typeface="DX하얀토끼B" panose="02020600000000000000" pitchFamily="18" charset="-127"/>
+                <a:ea typeface="DX하얀토끼B" panose="02020600000000000000" pitchFamily="18" charset="-127"/>
+              </a:rPr>
+              <a:t> - </a:t>
+            </a:r>
+            <a:r>
+              <a:rPr lang="ko-KR" altLang="en-US" sz="4000" dirty="0">
+                <a:solidFill>
+                  <a:schemeClr val="bg1"/>
+                </a:solidFill>
+                <a:latin typeface="DX하얀토끼B" panose="02020600000000000000" pitchFamily="18" charset="-127"/>
+                <a:ea typeface="DX하얀토끼B" panose="02020600000000000000" pitchFamily="18" charset="-127"/>
+              </a:rPr>
+              <a:t>잠을 잘 때에 수면 패턴을 파악하면 적게 자도 개운하게 잘 수 있다는 것을 알게 됨</a:t>
+            </a:r>
+          </a:p>
+        </p:txBody>
+      </p:sp>
+      <p:sp>
+        <p:nvSpPr>
+          <p:cNvPr id="12" name="TextBox 11">
+            <a:extLst>
+              <a:ext uri="{FF2B5EF4-FFF2-40B4-BE49-F238E27FC236}">
+                <a16:creationId xmlns:a16="http://schemas.microsoft.com/office/drawing/2014/main" id="{FF2186EA-0C1E-469D-8F1A-A8888391F531}"/>
+              </a:ext>
+            </a:extLst>
+          </p:cNvPr>
+          <p:cNvSpPr txBox="1"/>
+          <p:nvPr/>
+        </p:nvSpPr>
+        <p:spPr>
+          <a:xfrm>
+            <a:off x="571407" y="4481823"/>
+            <a:ext cx="9934691" cy="1323439"/>
+          </a:xfrm>
+          <a:prstGeom prst="rect">
+            <a:avLst/>
+          </a:prstGeom>
+          <a:noFill/>
+        </p:spPr>
+        <p:txBody>
+          <a:bodyPr wrap="square" rtlCol="0">
+            <a:spAutoFit/>
+          </a:bodyPr>
+          <a:lstStyle/>
+          <a:p>
+            <a:r>
+              <a:rPr lang="en-US" altLang="ko-KR" sz="4000" dirty="0">
+                <a:solidFill>
+                  <a:schemeClr val="bg1"/>
+                </a:solidFill>
+                <a:latin typeface="DX하얀토끼B" panose="02020600000000000000" pitchFamily="18" charset="-127"/>
+                <a:ea typeface="DX하얀토끼B" panose="02020600000000000000" pitchFamily="18" charset="-127"/>
+              </a:rPr>
+              <a:t> - </a:t>
+            </a:r>
+            <a:r>
+              <a:rPr lang="ko-KR" altLang="en-US" sz="4000" dirty="0">
+                <a:solidFill>
+                  <a:schemeClr val="bg1"/>
+                </a:solidFill>
+                <a:latin typeface="DX하얀토끼B" panose="02020600000000000000" pitchFamily="18" charset="-127"/>
+                <a:ea typeface="DX하얀토끼B" panose="02020600000000000000" pitchFamily="18" charset="-127"/>
+              </a:rPr>
+              <a:t>잠이 부족한 선린 사람들을 위해 수면 도우미 웹사이트를 만들게 됨</a:t>
+            </a:r>
           </a:p>
         </p:txBody>
       </p:sp>
@@ -5154,13 +5000,13 @@
   <p:clrMapOvr>
     <a:masterClrMapping/>
   </p:clrMapOvr>
-  <mc:AlternateContent xmlns:mc="http://schemas.openxmlformats.org/markup-compatibility/2006">
-    <mc:Choice xmlns:p14="http://schemas.microsoft.com/office/powerpoint/2010/main" Requires="p14">
+  <mc:AlternateContent xmlns:mc="http://schemas.openxmlformats.org/markup-compatibility/2006" xmlns:p14="http://schemas.microsoft.com/office/powerpoint/2010/main">
+    <mc:Choice Requires="p14">
       <p:transition spd="slow" p14:dur="1500">
         <p:cover dir="u"/>
       </p:transition>
     </mc:Choice>
-    <mc:Fallback>
+    <mc:Fallback xmlns="">
       <p:transition spd="slow">
         <p:cover dir="u"/>
       </p:transition>
@@ -5382,130 +5228,12 @@
           </a:p>
         </p:txBody>
       </p:sp>
-      <p:grpSp>
-        <p:nvGrpSpPr>
-          <p:cNvPr id="3" name="그룹 2">
-            <a:extLst>
-              <a:ext uri="{FF2B5EF4-FFF2-40B4-BE49-F238E27FC236}">
-                <a16:creationId xmlns:a16="http://schemas.microsoft.com/office/drawing/2014/main" id="{0C3ECE82-8CE5-40C9-B70E-0B0BF4663D6D}"/>
-              </a:ext>
-            </a:extLst>
-          </p:cNvPr>
-          <p:cNvGrpSpPr/>
-          <p:nvPr/>
-        </p:nvGrpSpPr>
-        <p:grpSpPr>
-          <a:xfrm>
-            <a:off x="575912" y="405232"/>
-            <a:ext cx="5520088" cy="1153886"/>
-            <a:chOff x="421761" y="258754"/>
-            <a:chExt cx="5520088" cy="1153886"/>
-          </a:xfrm>
-        </p:grpSpPr>
-        <p:sp>
-          <p:nvSpPr>
-            <p:cNvPr id="35" name="TextBox 34">
-              <a:extLst>
-                <a:ext uri="{FF2B5EF4-FFF2-40B4-BE49-F238E27FC236}">
-                  <a16:creationId xmlns:a16="http://schemas.microsoft.com/office/drawing/2014/main" id="{E96DE965-44DB-4D81-84E9-C2A0098DF4F8}"/>
-                </a:ext>
-              </a:extLst>
-            </p:cNvPr>
-            <p:cNvSpPr txBox="1"/>
-            <p:nvPr/>
-          </p:nvSpPr>
-          <p:spPr>
-            <a:xfrm>
-              <a:off x="1822390" y="481754"/>
-              <a:ext cx="4119459" cy="707886"/>
-            </a:xfrm>
-            <a:prstGeom prst="rect">
-              <a:avLst/>
-            </a:prstGeom>
-            <a:noFill/>
-          </p:spPr>
-          <p:txBody>
-            <a:bodyPr wrap="square" rtlCol="0">
-              <a:spAutoFit/>
-            </a:bodyPr>
-            <a:lstStyle/>
-            <a:p>
-              <a:r>
-                <a:rPr lang="ko-KR" altLang="en-US" sz="4000" dirty="0">
-                  <a:solidFill>
-                    <a:schemeClr val="bg1"/>
-                  </a:solidFill>
-                  <a:latin typeface="DX하얀토끼B" panose="02020600000000000000" pitchFamily="18" charset="-127"/>
-                  <a:ea typeface="DX하얀토끼B" panose="02020600000000000000" pitchFamily="18" charset="-127"/>
-                </a:rPr>
-                <a:t>차례</a:t>
-              </a:r>
-              <a:r>
-                <a:rPr lang="en-US" altLang="ko-KR" sz="4000" dirty="0">
-                  <a:solidFill>
-                    <a:schemeClr val="bg1"/>
-                  </a:solidFill>
-                  <a:latin typeface="DX하얀토끼B" panose="02020600000000000000" pitchFamily="18" charset="-127"/>
-                  <a:ea typeface="DX하얀토끼B" panose="02020600000000000000" pitchFamily="18" charset="-127"/>
-                </a:rPr>
-                <a:t>2</a:t>
-              </a:r>
-              <a:endParaRPr lang="ko-KR" altLang="en-US" sz="4000" dirty="0">
-                <a:solidFill>
-                  <a:schemeClr val="bg1"/>
-                </a:solidFill>
-                <a:latin typeface="DX하얀토끼B" panose="02020600000000000000" pitchFamily="18" charset="-127"/>
-                <a:ea typeface="DX하얀토끼B" panose="02020600000000000000" pitchFamily="18" charset="-127"/>
-              </a:endParaRPr>
-            </a:p>
-          </p:txBody>
-        </p:sp>
-        <p:pic>
-          <p:nvPicPr>
-            <p:cNvPr id="36" name="그래픽 35" descr="지우개">
-              <a:extLst>
-                <a:ext uri="{FF2B5EF4-FFF2-40B4-BE49-F238E27FC236}">
-                  <a16:creationId xmlns:a16="http://schemas.microsoft.com/office/drawing/2014/main" id="{B80A30D6-385C-49E5-A580-B9AA7C704557}"/>
-                </a:ext>
-              </a:extLst>
-            </p:cNvPr>
-            <p:cNvPicPr>
-              <a:picLocks noChangeAspect="1"/>
-            </p:cNvPicPr>
-            <p:nvPr/>
-          </p:nvPicPr>
-          <p:blipFill>
-            <a:blip r:embed="rId2">
-              <a:extLst>
-                <a:ext uri="{28A0092B-C50C-407E-A947-70E740481C1C}">
-                  <a14:useLocalDpi xmlns:a14="http://schemas.microsoft.com/office/drawing/2010/main" val="0"/>
-                </a:ext>
-                <a:ext uri="{96DAC541-7B7A-43D3-8B79-37D633B846F1}">
-                  <asvg:svgBlip xmlns:asvg="http://schemas.microsoft.com/office/drawing/2016/SVG/main" r:embed="rId3"/>
-                </a:ext>
-              </a:extLst>
-            </a:blip>
-            <a:stretch>
-              <a:fillRect/>
-            </a:stretch>
-          </p:blipFill>
-          <p:spPr>
-            <a:xfrm>
-              <a:off x="421761" y="258754"/>
-              <a:ext cx="1153886" cy="1153886"/>
-            </a:xfrm>
-            <a:prstGeom prst="rect">
-              <a:avLst/>
-            </a:prstGeom>
-          </p:spPr>
-        </p:pic>
-      </p:grpSp>
-      <p:sp>
-        <p:nvSpPr>
-          <p:cNvPr id="37" name="TextBox 36">
-            <a:extLst>
-              <a:ext uri="{FF2B5EF4-FFF2-40B4-BE49-F238E27FC236}">
-                <a16:creationId xmlns:a16="http://schemas.microsoft.com/office/drawing/2014/main" id="{1246D3AE-6768-4180-A45F-0ECB5646E618}"/>
+      <p:sp>
+        <p:nvSpPr>
+          <p:cNvPr id="35" name="TextBox 34">
+            <a:extLst>
+              <a:ext uri="{FF2B5EF4-FFF2-40B4-BE49-F238E27FC236}">
+                <a16:creationId xmlns:a16="http://schemas.microsoft.com/office/drawing/2014/main" id="{E96DE965-44DB-4D81-84E9-C2A0098DF4F8}"/>
               </a:ext>
             </a:extLst>
           </p:cNvPr>
@@ -5514,7 +5242,7 @@
         </p:nvSpPr>
         <p:spPr>
           <a:xfrm>
-            <a:off x="7032172" y="2458514"/>
+            <a:off x="1976541" y="628232"/>
             <a:ext cx="4119459" cy="707886"/>
           </a:xfrm>
           <a:prstGeom prst="rect">
@@ -5536,7 +5264,7 @@
                 <a:latin typeface="DX하얀토끼B" panose="02020600000000000000" pitchFamily="18" charset="-127"/>
                 <a:ea typeface="DX하얀토끼B" panose="02020600000000000000" pitchFamily="18" charset="-127"/>
               </a:rPr>
-              <a:t>이미지 설명 </a:t>
+              <a:t>작품소개 </a:t>
             </a:r>
             <a:r>
               <a:rPr lang="en-US" altLang="ko-KR" sz="4000" dirty="0">
@@ -5546,7 +5274,117 @@
                 <a:latin typeface="DX하얀토끼B" panose="02020600000000000000" pitchFamily="18" charset="-127"/>
                 <a:ea typeface="DX하얀토끼B" panose="02020600000000000000" pitchFamily="18" charset="-127"/>
               </a:rPr>
-              <a:t>1234</a:t>
+              <a:t>- </a:t>
+            </a:r>
+            <a:r>
+              <a:rPr lang="ko-KR" altLang="en-US" sz="4000" dirty="0" err="1">
+                <a:solidFill>
+                  <a:schemeClr val="bg1"/>
+                </a:solidFill>
+                <a:latin typeface="DX하얀토끼B" panose="02020600000000000000" pitchFamily="18" charset="-127"/>
+                <a:ea typeface="DX하얀토끼B" panose="02020600000000000000" pitchFamily="18" charset="-127"/>
+              </a:rPr>
+              <a:t>메인화면</a:t>
+            </a:r>
+            <a:endParaRPr lang="ko-KR" altLang="en-US" sz="4000" dirty="0">
+              <a:solidFill>
+                <a:schemeClr val="bg1"/>
+              </a:solidFill>
+              <a:latin typeface="DX하얀토끼B" panose="02020600000000000000" pitchFamily="18" charset="-127"/>
+              <a:ea typeface="DX하얀토끼B" panose="02020600000000000000" pitchFamily="18" charset="-127"/>
+            </a:endParaRPr>
+          </a:p>
+        </p:txBody>
+      </p:sp>
+      <p:sp>
+        <p:nvSpPr>
+          <p:cNvPr id="37" name="TextBox 36">
+            <a:extLst>
+              <a:ext uri="{FF2B5EF4-FFF2-40B4-BE49-F238E27FC236}">
+                <a16:creationId xmlns:a16="http://schemas.microsoft.com/office/drawing/2014/main" id="{1246D3AE-6768-4180-A45F-0ECB5646E618}"/>
+              </a:ext>
+            </a:extLst>
+          </p:cNvPr>
+          <p:cNvSpPr txBox="1"/>
+          <p:nvPr/>
+        </p:nvSpPr>
+        <p:spPr>
+          <a:xfrm>
+            <a:off x="7032172" y="2458514"/>
+            <a:ext cx="4918823" cy="1938992"/>
+          </a:xfrm>
+          <a:prstGeom prst="rect">
+            <a:avLst/>
+          </a:prstGeom>
+          <a:noFill/>
+        </p:spPr>
+        <p:txBody>
+          <a:bodyPr wrap="square" rtlCol="0">
+            <a:spAutoFit/>
+          </a:bodyPr>
+          <a:lstStyle/>
+          <a:p>
+            <a:r>
+              <a:rPr lang="ko-KR" altLang="en-US" sz="4000" dirty="0">
+                <a:solidFill>
+                  <a:schemeClr val="bg1"/>
+                </a:solidFill>
+                <a:latin typeface="DX하얀토끼B" panose="02020600000000000000" pitchFamily="18" charset="-127"/>
+                <a:ea typeface="DX하얀토끼B" panose="02020600000000000000" pitchFamily="18" charset="-127"/>
+              </a:rPr>
+              <a:t>메인 화면 </a:t>
+            </a:r>
+            <a:r>
+              <a:rPr lang="en-US" altLang="ko-KR" sz="4000" dirty="0">
+                <a:solidFill>
+                  <a:schemeClr val="bg1"/>
+                </a:solidFill>
+                <a:latin typeface="DX하얀토끼B" panose="02020600000000000000" pitchFamily="18" charset="-127"/>
+                <a:ea typeface="DX하얀토끼B" panose="02020600000000000000" pitchFamily="18" charset="-127"/>
+              </a:rPr>
+              <a:t>: </a:t>
+            </a:r>
+          </a:p>
+          <a:p>
+            <a:r>
+              <a:rPr lang="ko-KR" altLang="en-US" sz="4000" dirty="0">
+                <a:solidFill>
+                  <a:schemeClr val="bg1"/>
+                </a:solidFill>
+                <a:latin typeface="DX하얀토끼B" panose="02020600000000000000" pitchFamily="18" charset="-127"/>
+                <a:ea typeface="DX하얀토끼B" panose="02020600000000000000" pitchFamily="18" charset="-127"/>
+              </a:rPr>
+              <a:t>버튼 </a:t>
+            </a:r>
+            <a:r>
+              <a:rPr lang="en-US" altLang="ko-KR" sz="4000" dirty="0">
+                <a:solidFill>
+                  <a:schemeClr val="bg1"/>
+                </a:solidFill>
+                <a:latin typeface="DX하얀토끼B" panose="02020600000000000000" pitchFamily="18" charset="-127"/>
+                <a:ea typeface="DX하얀토끼B" panose="02020600000000000000" pitchFamily="18" charset="-127"/>
+              </a:rPr>
+              <a:t>3</a:t>
+            </a:r>
+            <a:r>
+              <a:rPr lang="ko-KR" altLang="en-US" sz="4000" dirty="0">
+                <a:solidFill>
+                  <a:schemeClr val="bg1"/>
+                </a:solidFill>
+                <a:latin typeface="DX하얀토끼B" panose="02020600000000000000" pitchFamily="18" charset="-127"/>
+                <a:ea typeface="DX하얀토끼B" panose="02020600000000000000" pitchFamily="18" charset="-127"/>
+              </a:rPr>
+              <a:t>개를 누르면 각기 다른 정보를 받을 수 있습니다</a:t>
+            </a:r>
+            <a:r>
+              <a:rPr lang="en-US" altLang="ko-KR" sz="4000" dirty="0">
+                <a:solidFill>
+                  <a:schemeClr val="bg1"/>
+                </a:solidFill>
+                <a:latin typeface="DX하얀토끼B" panose="02020600000000000000" pitchFamily="18" charset="-127"/>
+                <a:ea typeface="DX하얀토끼B" panose="02020600000000000000" pitchFamily="18" charset="-127"/>
+              </a:rPr>
+              <a:t>.</a:t>
             </a:r>
             <a:endParaRPr lang="ko-KR" altLang="en-US" sz="4000" dirty="0">
               <a:solidFill>
@@ -5604,6 +5442,81 @@
           </a:p>
         </p:txBody>
       </p:sp>
+      <p:pic>
+        <p:nvPicPr>
+          <p:cNvPr id="10" name="그래픽 9">
+            <a:extLst>
+              <a:ext uri="{FF2B5EF4-FFF2-40B4-BE49-F238E27FC236}">
+                <a16:creationId xmlns:a16="http://schemas.microsoft.com/office/drawing/2014/main" id="{797E7DBC-ADA4-4A11-A54A-0FE5B67369E2}"/>
+              </a:ext>
+            </a:extLst>
+          </p:cNvPr>
+          <p:cNvPicPr>
+            <a:picLocks noChangeAspect="1"/>
+          </p:cNvPicPr>
+          <p:nvPr/>
+        </p:nvPicPr>
+        <p:blipFill>
+          <a:blip r:embed="rId2">
+            <a:extLst>
+              <a:ext uri="{28A0092B-C50C-407E-A947-70E740481C1C}">
+                <a14:useLocalDpi xmlns:a14="http://schemas.microsoft.com/office/drawing/2010/main" val="0"/>
+              </a:ext>
+              <a:ext uri="{96DAC541-7B7A-43D3-8B79-37D633B846F1}">
+                <asvg:svgBlip xmlns:asvg="http://schemas.microsoft.com/office/drawing/2016/SVG/main" r:embed="rId3"/>
+              </a:ext>
+            </a:extLst>
+          </a:blip>
+          <a:stretch>
+            <a:fillRect/>
+          </a:stretch>
+        </p:blipFill>
+        <p:spPr>
+          <a:xfrm>
+            <a:off x="571408" y="412790"/>
+            <a:ext cx="1153886" cy="1153886"/>
+          </a:xfrm>
+          <a:prstGeom prst="rect">
+            <a:avLst/>
+          </a:prstGeom>
+        </p:spPr>
+      </p:pic>
+      <p:pic>
+        <p:nvPicPr>
+          <p:cNvPr id="7" name="그림 6">
+            <a:extLst>
+              <a:ext uri="{FF2B5EF4-FFF2-40B4-BE49-F238E27FC236}">
+                <a16:creationId xmlns:a16="http://schemas.microsoft.com/office/drawing/2014/main" id="{13E3D468-7377-4D04-9D09-A41B22720A4F}"/>
+              </a:ext>
+            </a:extLst>
+          </p:cNvPr>
+          <p:cNvPicPr>
+            <a:picLocks noChangeAspect="1"/>
+          </p:cNvPicPr>
+          <p:nvPr/>
+        </p:nvPicPr>
+        <p:blipFill>
+          <a:blip r:embed="rId4">
+            <a:extLst>
+              <a:ext uri="{28A0092B-C50C-407E-A947-70E740481C1C}">
+                <a14:useLocalDpi xmlns:a14="http://schemas.microsoft.com/office/drawing/2010/main" val="0"/>
+              </a:ext>
+            </a:extLst>
+          </a:blip>
+          <a:stretch>
+            <a:fillRect/>
+          </a:stretch>
+        </p:blipFill>
+        <p:spPr>
+          <a:xfrm>
+            <a:off x="906644" y="2610696"/>
+            <a:ext cx="5690598" cy="3112946"/>
+          </a:xfrm>
+          <a:prstGeom prst="rect">
+            <a:avLst/>
+          </a:prstGeom>
+        </p:spPr>
+      </p:pic>
     </p:spTree>
     <p:extLst>
       <p:ext uri="{BB962C8B-B14F-4D97-AF65-F5344CB8AC3E}">
@@ -5614,13 +5527,13 @@
   <p:clrMapOvr>
     <a:masterClrMapping/>
   </p:clrMapOvr>
-  <mc:AlternateContent xmlns:mc="http://schemas.openxmlformats.org/markup-compatibility/2006">
-    <mc:Choice xmlns:p14="http://schemas.microsoft.com/office/powerpoint/2010/main" Requires="p14">
+  <mc:AlternateContent xmlns:mc="http://schemas.openxmlformats.org/markup-compatibility/2006" xmlns:p14="http://schemas.microsoft.com/office/powerpoint/2010/main">
+    <mc:Choice Requires="p14">
       <p:transition spd="slow" p14:dur="1500">
         <p:cover dir="u"/>
       </p:transition>
     </mc:Choice>
-    <mc:Fallback>
+    <mc:Fallback xmlns="">
       <p:transition spd="slow">
         <p:cover dir="u"/>
       </p:transition>
@@ -5630,6 +5543,2440 @@
 </file>
 
 <file path=ppt/slides/slide5.xml><?xml version="1.0" encoding="utf-8"?>
+<p:sld xmlns:a="http://schemas.openxmlformats.org/drawingml/2006/main" xmlns:r="http://schemas.openxmlformats.org/officeDocument/2006/relationships" xmlns:p="http://schemas.openxmlformats.org/presentationml/2006/main">
+  <p:cSld>
+    <p:bg>
+      <p:bgPr>
+        <a:solidFill>
+          <a:srgbClr val="6600FF"/>
+        </a:solidFill>
+        <a:effectLst/>
+      </p:bgPr>
+    </p:bg>
+    <p:spTree>
+      <p:nvGrpSpPr>
+        <p:cNvPr id="1" name=""/>
+        <p:cNvGrpSpPr/>
+        <p:nvPr/>
+      </p:nvGrpSpPr>
+      <p:grpSpPr>
+        <a:xfrm>
+          <a:off x="0" y="0"/>
+          <a:ext cx="0" cy="0"/>
+          <a:chOff x="0" y="0"/>
+          <a:chExt cx="0" cy="0"/>
+        </a:xfrm>
+      </p:grpSpPr>
+      <p:sp>
+        <p:nvSpPr>
+          <p:cNvPr id="4" name="TextBox 3">
+            <a:extLst>
+              <a:ext uri="{FF2B5EF4-FFF2-40B4-BE49-F238E27FC236}">
+                <a16:creationId xmlns:a16="http://schemas.microsoft.com/office/drawing/2014/main" id="{F3DB4813-EA22-408F-9D6D-C171CF9CEFB0}"/>
+              </a:ext>
+            </a:extLst>
+          </p:cNvPr>
+          <p:cNvSpPr txBox="1"/>
+          <p:nvPr/>
+        </p:nvSpPr>
+        <p:spPr>
+          <a:xfrm>
+            <a:off x="12229639" y="982176"/>
+            <a:ext cx="4119459" cy="1015663"/>
+          </a:xfrm>
+          <a:prstGeom prst="rect">
+            <a:avLst/>
+          </a:prstGeom>
+          <a:noFill/>
+        </p:spPr>
+        <p:txBody>
+          <a:bodyPr wrap="square" rtlCol="0">
+            <a:spAutoFit/>
+          </a:bodyPr>
+          <a:lstStyle/>
+          <a:p>
+            <a:r>
+              <a:rPr lang="ko-KR" altLang="en-US" sz="6000" dirty="0" err="1">
+                <a:solidFill>
+                  <a:schemeClr val="bg1"/>
+                </a:solidFill>
+                <a:latin typeface="DX하얀토끼B" panose="02020600000000000000" pitchFamily="18" charset="-127"/>
+                <a:ea typeface="DX하얀토끼B" panose="02020600000000000000" pitchFamily="18" charset="-127"/>
+              </a:rPr>
+              <a:t>하얀토끼</a:t>
+            </a:r>
+            <a:r>
+              <a:rPr lang="ko-KR" altLang="en-US" sz="6000" dirty="0">
+                <a:solidFill>
+                  <a:schemeClr val="bg1"/>
+                </a:solidFill>
+                <a:latin typeface="DX하얀토끼B" panose="02020600000000000000" pitchFamily="18" charset="-127"/>
+                <a:ea typeface="DX하얀토끼B" panose="02020600000000000000" pitchFamily="18" charset="-127"/>
+              </a:rPr>
+              <a:t> </a:t>
+            </a:r>
+            <a:r>
+              <a:rPr lang="en-US" altLang="ko-KR" sz="6000" dirty="0">
+                <a:solidFill>
+                  <a:schemeClr val="bg1"/>
+                </a:solidFill>
+                <a:latin typeface="DX하얀토끼B" panose="02020600000000000000" pitchFamily="18" charset="-127"/>
+                <a:ea typeface="DX하얀토끼B" panose="02020600000000000000" pitchFamily="18" charset="-127"/>
+              </a:rPr>
+              <a:t>60</a:t>
+            </a:r>
+            <a:endParaRPr lang="ko-KR" altLang="en-US" sz="6000" dirty="0">
+              <a:solidFill>
+                <a:schemeClr val="bg1"/>
+              </a:solidFill>
+              <a:latin typeface="DX하얀토끼B" panose="02020600000000000000" pitchFamily="18" charset="-127"/>
+              <a:ea typeface="DX하얀토끼B" panose="02020600000000000000" pitchFamily="18" charset="-127"/>
+            </a:endParaRPr>
+          </a:p>
+        </p:txBody>
+      </p:sp>
+      <p:sp>
+        <p:nvSpPr>
+          <p:cNvPr id="5" name="TextBox 4">
+            <a:extLst>
+              <a:ext uri="{FF2B5EF4-FFF2-40B4-BE49-F238E27FC236}">
+                <a16:creationId xmlns:a16="http://schemas.microsoft.com/office/drawing/2014/main" id="{D99695FA-ACDD-4D6E-B888-A0CAE5DB5B55}"/>
+              </a:ext>
+            </a:extLst>
+          </p:cNvPr>
+          <p:cNvSpPr txBox="1"/>
+          <p:nvPr/>
+        </p:nvSpPr>
+        <p:spPr>
+          <a:xfrm>
+            <a:off x="12192000" y="58847"/>
+            <a:ext cx="4119459" cy="707886"/>
+          </a:xfrm>
+          <a:prstGeom prst="rect">
+            <a:avLst/>
+          </a:prstGeom>
+          <a:noFill/>
+        </p:spPr>
+        <p:txBody>
+          <a:bodyPr wrap="square" rtlCol="0">
+            <a:spAutoFit/>
+          </a:bodyPr>
+          <a:lstStyle/>
+          <a:p>
+            <a:r>
+              <a:rPr lang="ko-KR" altLang="en-US" sz="4000" dirty="0" err="1">
+                <a:solidFill>
+                  <a:schemeClr val="bg1"/>
+                </a:solidFill>
+                <a:latin typeface="DX하얀토끼B" panose="02020600000000000000" pitchFamily="18" charset="-127"/>
+                <a:ea typeface="DX하얀토끼B" panose="02020600000000000000" pitchFamily="18" charset="-127"/>
+              </a:rPr>
+              <a:t>하얀토끼</a:t>
+            </a:r>
+            <a:r>
+              <a:rPr lang="ko-KR" altLang="en-US" sz="4000" dirty="0">
+                <a:solidFill>
+                  <a:schemeClr val="bg1"/>
+                </a:solidFill>
+                <a:latin typeface="DX하얀토끼B" panose="02020600000000000000" pitchFamily="18" charset="-127"/>
+                <a:ea typeface="DX하얀토끼B" panose="02020600000000000000" pitchFamily="18" charset="-127"/>
+              </a:rPr>
+              <a:t> </a:t>
+            </a:r>
+            <a:r>
+              <a:rPr lang="en-US" altLang="ko-KR" sz="4000" dirty="0">
+                <a:solidFill>
+                  <a:schemeClr val="bg1"/>
+                </a:solidFill>
+                <a:latin typeface="DX하얀토끼B" panose="02020600000000000000" pitchFamily="18" charset="-127"/>
+                <a:ea typeface="DX하얀토끼B" panose="02020600000000000000" pitchFamily="18" charset="-127"/>
+              </a:rPr>
+              <a:t>40</a:t>
+            </a:r>
+            <a:endParaRPr lang="ko-KR" altLang="en-US" sz="4000" dirty="0">
+              <a:solidFill>
+                <a:schemeClr val="bg1"/>
+              </a:solidFill>
+              <a:latin typeface="DX하얀토끼B" panose="02020600000000000000" pitchFamily="18" charset="-127"/>
+              <a:ea typeface="DX하얀토끼B" panose="02020600000000000000" pitchFamily="18" charset="-127"/>
+            </a:endParaRPr>
+          </a:p>
+        </p:txBody>
+      </p:sp>
+      <p:sp>
+        <p:nvSpPr>
+          <p:cNvPr id="9" name="사각형: 둥근 모서리 8">
+            <a:extLst>
+              <a:ext uri="{FF2B5EF4-FFF2-40B4-BE49-F238E27FC236}">
+                <a16:creationId xmlns:a16="http://schemas.microsoft.com/office/drawing/2014/main" id="{360DA82F-D5EF-4C52-8906-58ACE0C99BAA}"/>
+              </a:ext>
+            </a:extLst>
+          </p:cNvPr>
+          <p:cNvSpPr/>
+          <p:nvPr/>
+        </p:nvSpPr>
+        <p:spPr>
+          <a:xfrm>
+            <a:off x="320161" y="305279"/>
+            <a:ext cx="11493620" cy="1353793"/>
+          </a:xfrm>
+          <a:prstGeom prst="roundRect">
+            <a:avLst/>
+          </a:prstGeom>
+          <a:solidFill>
+            <a:srgbClr val="6666FF"/>
+          </a:solidFill>
+          <a:ln>
+            <a:noFill/>
+          </a:ln>
+        </p:spPr>
+        <p:style>
+          <a:lnRef idx="2">
+            <a:schemeClr val="accent1">
+              <a:shade val="50000"/>
+            </a:schemeClr>
+          </a:lnRef>
+          <a:fillRef idx="1">
+            <a:schemeClr val="accent1"/>
+          </a:fillRef>
+          <a:effectRef idx="0">
+            <a:schemeClr val="accent1"/>
+          </a:effectRef>
+          <a:fontRef idx="minor">
+            <a:schemeClr val="lt1"/>
+          </a:fontRef>
+        </p:style>
+        <p:txBody>
+          <a:bodyPr rtlCol="0" anchor="ctr"/>
+          <a:lstStyle/>
+          <a:p>
+            <a:pPr algn="ctr"/>
+            <a:endParaRPr lang="ko-KR" altLang="en-US"/>
+          </a:p>
+        </p:txBody>
+      </p:sp>
+      <p:sp>
+        <p:nvSpPr>
+          <p:cNvPr id="35" name="TextBox 34">
+            <a:extLst>
+              <a:ext uri="{FF2B5EF4-FFF2-40B4-BE49-F238E27FC236}">
+                <a16:creationId xmlns:a16="http://schemas.microsoft.com/office/drawing/2014/main" id="{E96DE965-44DB-4D81-84E9-C2A0098DF4F8}"/>
+              </a:ext>
+            </a:extLst>
+          </p:cNvPr>
+          <p:cNvSpPr txBox="1"/>
+          <p:nvPr/>
+        </p:nvSpPr>
+        <p:spPr>
+          <a:xfrm>
+            <a:off x="1976541" y="628232"/>
+            <a:ext cx="4119459" cy="707886"/>
+          </a:xfrm>
+          <a:prstGeom prst="rect">
+            <a:avLst/>
+          </a:prstGeom>
+          <a:noFill/>
+        </p:spPr>
+        <p:txBody>
+          <a:bodyPr wrap="square" rtlCol="0">
+            <a:spAutoFit/>
+          </a:bodyPr>
+          <a:lstStyle/>
+          <a:p>
+            <a:r>
+              <a:rPr lang="ko-KR" altLang="en-US" sz="4000" dirty="0">
+                <a:solidFill>
+                  <a:schemeClr val="bg1"/>
+                </a:solidFill>
+                <a:latin typeface="DX하얀토끼B" panose="02020600000000000000" pitchFamily="18" charset="-127"/>
+                <a:ea typeface="DX하얀토끼B" panose="02020600000000000000" pitchFamily="18" charset="-127"/>
+              </a:rPr>
+              <a:t>작품소개 </a:t>
+            </a:r>
+            <a:r>
+              <a:rPr lang="en-US" altLang="ko-KR" sz="4000" dirty="0">
+                <a:solidFill>
+                  <a:schemeClr val="bg1"/>
+                </a:solidFill>
+                <a:latin typeface="DX하얀토끼B" panose="02020600000000000000" pitchFamily="18" charset="-127"/>
+                <a:ea typeface="DX하얀토끼B" panose="02020600000000000000" pitchFamily="18" charset="-127"/>
+              </a:rPr>
+              <a:t>- </a:t>
+            </a:r>
+            <a:r>
+              <a:rPr lang="ko-KR" altLang="en-US" sz="4000" dirty="0">
+                <a:solidFill>
+                  <a:schemeClr val="bg1"/>
+                </a:solidFill>
+                <a:latin typeface="DX하얀토끼B" panose="02020600000000000000" pitchFamily="18" charset="-127"/>
+                <a:ea typeface="DX하얀토끼B" panose="02020600000000000000" pitchFamily="18" charset="-127"/>
+              </a:rPr>
+              <a:t>현재시각</a:t>
+            </a:r>
+          </a:p>
+        </p:txBody>
+      </p:sp>
+      <p:sp>
+        <p:nvSpPr>
+          <p:cNvPr id="37" name="TextBox 36">
+            <a:extLst>
+              <a:ext uri="{FF2B5EF4-FFF2-40B4-BE49-F238E27FC236}">
+                <a16:creationId xmlns:a16="http://schemas.microsoft.com/office/drawing/2014/main" id="{1246D3AE-6768-4180-A45F-0ECB5646E618}"/>
+              </a:ext>
+            </a:extLst>
+          </p:cNvPr>
+          <p:cNvSpPr txBox="1"/>
+          <p:nvPr/>
+        </p:nvSpPr>
+        <p:spPr>
+          <a:xfrm>
+            <a:off x="6808888" y="2460907"/>
+            <a:ext cx="5197467" cy="1323439"/>
+          </a:xfrm>
+          <a:prstGeom prst="rect">
+            <a:avLst/>
+          </a:prstGeom>
+          <a:noFill/>
+        </p:spPr>
+        <p:txBody>
+          <a:bodyPr wrap="square" rtlCol="0">
+            <a:spAutoFit/>
+          </a:bodyPr>
+          <a:lstStyle/>
+          <a:p>
+            <a:r>
+              <a:rPr lang="ko-KR" altLang="en-US" sz="4000" dirty="0">
+                <a:solidFill>
+                  <a:schemeClr val="bg1"/>
+                </a:solidFill>
+                <a:latin typeface="DX하얀토끼B" panose="02020600000000000000" pitchFamily="18" charset="-127"/>
+                <a:ea typeface="DX하얀토끼B" panose="02020600000000000000" pitchFamily="18" charset="-127"/>
+              </a:rPr>
+              <a:t>현재시각을 기준으로 일어나면 좋을 시각을 추천해줍니다</a:t>
+            </a:r>
+            <a:r>
+              <a:rPr lang="en-US" altLang="ko-KR" sz="4000" dirty="0">
+                <a:solidFill>
+                  <a:schemeClr val="bg1"/>
+                </a:solidFill>
+                <a:latin typeface="DX하얀토끼B" panose="02020600000000000000" pitchFamily="18" charset="-127"/>
+                <a:ea typeface="DX하얀토끼B" panose="02020600000000000000" pitchFamily="18" charset="-127"/>
+              </a:rPr>
+              <a:t>.</a:t>
+            </a:r>
+            <a:endParaRPr lang="ko-KR" altLang="en-US" sz="4000" dirty="0">
+              <a:solidFill>
+                <a:schemeClr val="bg1"/>
+              </a:solidFill>
+              <a:latin typeface="DX하얀토끼B" panose="02020600000000000000" pitchFamily="18" charset="-127"/>
+              <a:ea typeface="DX하얀토끼B" panose="02020600000000000000" pitchFamily="18" charset="-127"/>
+            </a:endParaRPr>
+          </a:p>
+        </p:txBody>
+      </p:sp>
+      <p:sp>
+        <p:nvSpPr>
+          <p:cNvPr id="2" name="순서도: 처리 1">
+            <a:extLst>
+              <a:ext uri="{FF2B5EF4-FFF2-40B4-BE49-F238E27FC236}">
+                <a16:creationId xmlns:a16="http://schemas.microsoft.com/office/drawing/2014/main" id="{B6FCF297-EA19-47C2-AD61-805B02D9BFAD}"/>
+              </a:ext>
+            </a:extLst>
+          </p:cNvPr>
+          <p:cNvSpPr/>
+          <p:nvPr/>
+        </p:nvSpPr>
+        <p:spPr>
+          <a:xfrm>
+            <a:off x="870858" y="2458514"/>
+            <a:ext cx="5762171" cy="3417311"/>
+          </a:xfrm>
+          <a:prstGeom prst="flowChartProcess">
+            <a:avLst/>
+          </a:prstGeom>
+        </p:spPr>
+        <p:style>
+          <a:lnRef idx="2">
+            <a:schemeClr val="accent1">
+              <a:shade val="50000"/>
+            </a:schemeClr>
+          </a:lnRef>
+          <a:fillRef idx="1">
+            <a:schemeClr val="accent1"/>
+          </a:fillRef>
+          <a:effectRef idx="0">
+            <a:schemeClr val="accent1"/>
+          </a:effectRef>
+          <a:fontRef idx="minor">
+            <a:schemeClr val="lt1"/>
+          </a:fontRef>
+        </p:style>
+        <p:txBody>
+          <a:bodyPr rtlCol="0" anchor="ctr"/>
+          <a:lstStyle/>
+          <a:p>
+            <a:pPr algn="ctr"/>
+            <a:endParaRPr lang="ko-KR" altLang="en-US"/>
+          </a:p>
+        </p:txBody>
+      </p:sp>
+      <p:pic>
+        <p:nvPicPr>
+          <p:cNvPr id="10" name="그래픽 9">
+            <a:extLst>
+              <a:ext uri="{FF2B5EF4-FFF2-40B4-BE49-F238E27FC236}">
+                <a16:creationId xmlns:a16="http://schemas.microsoft.com/office/drawing/2014/main" id="{797E7DBC-ADA4-4A11-A54A-0FE5B67369E2}"/>
+              </a:ext>
+            </a:extLst>
+          </p:cNvPr>
+          <p:cNvPicPr>
+            <a:picLocks noChangeAspect="1"/>
+          </p:cNvPicPr>
+          <p:nvPr/>
+        </p:nvPicPr>
+        <p:blipFill>
+          <a:blip r:embed="rId2">
+            <a:extLst>
+              <a:ext uri="{28A0092B-C50C-407E-A947-70E740481C1C}">
+                <a14:useLocalDpi xmlns:a14="http://schemas.microsoft.com/office/drawing/2010/main" val="0"/>
+              </a:ext>
+              <a:ext uri="{96DAC541-7B7A-43D3-8B79-37D633B846F1}">
+                <asvg:svgBlip xmlns:asvg="http://schemas.microsoft.com/office/drawing/2016/SVG/main" r:embed="rId3"/>
+              </a:ext>
+            </a:extLst>
+          </a:blip>
+          <a:stretch>
+            <a:fillRect/>
+          </a:stretch>
+        </p:blipFill>
+        <p:spPr>
+          <a:xfrm>
+            <a:off x="571408" y="412790"/>
+            <a:ext cx="1153886" cy="1153886"/>
+          </a:xfrm>
+          <a:prstGeom prst="rect">
+            <a:avLst/>
+          </a:prstGeom>
+        </p:spPr>
+      </p:pic>
+      <p:pic>
+        <p:nvPicPr>
+          <p:cNvPr id="6" name="그림 5">
+            <a:extLst>
+              <a:ext uri="{FF2B5EF4-FFF2-40B4-BE49-F238E27FC236}">
+                <a16:creationId xmlns:a16="http://schemas.microsoft.com/office/drawing/2014/main" id="{89DE7150-E8CC-4F4E-824F-EFE292B9B499}"/>
+              </a:ext>
+            </a:extLst>
+          </p:cNvPr>
+          <p:cNvPicPr>
+            <a:picLocks noChangeAspect="1"/>
+          </p:cNvPicPr>
+          <p:nvPr/>
+        </p:nvPicPr>
+        <p:blipFill>
+          <a:blip r:embed="rId4">
+            <a:extLst>
+              <a:ext uri="{28A0092B-C50C-407E-A947-70E740481C1C}">
+                <a14:useLocalDpi xmlns:a14="http://schemas.microsoft.com/office/drawing/2010/main" val="0"/>
+              </a:ext>
+            </a:extLst>
+          </a:blip>
+          <a:stretch>
+            <a:fillRect/>
+          </a:stretch>
+        </p:blipFill>
+        <p:spPr>
+          <a:xfrm>
+            <a:off x="888535" y="2599656"/>
+            <a:ext cx="5726815" cy="3135026"/>
+          </a:xfrm>
+          <a:prstGeom prst="rect">
+            <a:avLst/>
+          </a:prstGeom>
+        </p:spPr>
+      </p:pic>
+      <p:pic>
+        <p:nvPicPr>
+          <p:cNvPr id="8" name="그림 7">
+            <a:extLst>
+              <a:ext uri="{FF2B5EF4-FFF2-40B4-BE49-F238E27FC236}">
+                <a16:creationId xmlns:a16="http://schemas.microsoft.com/office/drawing/2014/main" id="{31CF33E8-3DC9-4716-A82E-5CDA9253A0AF}"/>
+              </a:ext>
+            </a:extLst>
+          </p:cNvPr>
+          <p:cNvPicPr>
+            <a:picLocks noChangeAspect="1"/>
+          </p:cNvPicPr>
+          <p:nvPr/>
+        </p:nvPicPr>
+        <p:blipFill>
+          <a:blip r:embed="rId5">
+            <a:extLst>
+              <a:ext uri="{28A0092B-C50C-407E-A947-70E740481C1C}">
+                <a14:useLocalDpi xmlns:a14="http://schemas.microsoft.com/office/drawing/2010/main" val="0"/>
+              </a:ext>
+            </a:extLst>
+          </a:blip>
+          <a:stretch>
+            <a:fillRect/>
+          </a:stretch>
+        </p:blipFill>
+        <p:spPr>
+          <a:xfrm>
+            <a:off x="925876" y="2599656"/>
+            <a:ext cx="5650488" cy="3108179"/>
+          </a:xfrm>
+          <a:prstGeom prst="rect">
+            <a:avLst/>
+          </a:prstGeom>
+        </p:spPr>
+      </p:pic>
+    </p:spTree>
+    <p:extLst>
+      <p:ext uri="{BB962C8B-B14F-4D97-AF65-F5344CB8AC3E}">
+        <p14:creationId xmlns:p14="http://schemas.microsoft.com/office/powerpoint/2010/main" val="1627296687"/>
+      </p:ext>
+    </p:extLst>
+  </p:cSld>
+  <p:clrMapOvr>
+    <a:masterClrMapping/>
+  </p:clrMapOvr>
+  <mc:AlternateContent xmlns:mc="http://schemas.openxmlformats.org/markup-compatibility/2006" xmlns:p14="http://schemas.microsoft.com/office/powerpoint/2010/main">
+    <mc:Choice Requires="p14">
+      <p:transition spd="slow" p14:dur="1500">
+        <p:cover dir="u"/>
+      </p:transition>
+    </mc:Choice>
+    <mc:Fallback xmlns="">
+      <p:transition spd="slow">
+        <p:cover dir="u"/>
+      </p:transition>
+    </mc:Fallback>
+  </mc:AlternateContent>
+  <p:timing>
+    <p:tnLst>
+      <p:par>
+        <p:cTn id="1" dur="indefinite" restart="never" nodeType="tmRoot">
+          <p:childTnLst>
+            <p:seq concurrent="1" nextAc="seek">
+              <p:cTn id="2" dur="indefinite" nodeType="mainSeq">
+                <p:childTnLst>
+                  <p:par>
+                    <p:cTn id="3" fill="hold">
+                      <p:stCondLst>
+                        <p:cond delay="indefinite"/>
+                      </p:stCondLst>
+                      <p:childTnLst>
+                        <p:par>
+                          <p:cTn id="4" fill="hold">
+                            <p:stCondLst>
+                              <p:cond delay="0"/>
+                            </p:stCondLst>
+                            <p:childTnLst>
+                              <p:par>
+                                <p:cTn id="5" presetID="10" presetClass="entr" presetSubtype="0" fill="hold" nodeType="clickEffect">
+                                  <p:stCondLst>
+                                    <p:cond delay="0"/>
+                                  </p:stCondLst>
+                                  <p:childTnLst>
+                                    <p:set>
+                                      <p:cBhvr>
+                                        <p:cTn id="6" dur="1" fill="hold">
+                                          <p:stCondLst>
+                                            <p:cond delay="0"/>
+                                          </p:stCondLst>
+                                        </p:cTn>
+                                        <p:tgtEl>
+                                          <p:spTgt spid="8"/>
+                                        </p:tgtEl>
+                                        <p:attrNameLst>
+                                          <p:attrName>style.visibility</p:attrName>
+                                        </p:attrNameLst>
+                                      </p:cBhvr>
+                                      <p:to>
+                                        <p:strVal val="visible"/>
+                                      </p:to>
+                                    </p:set>
+                                    <p:animEffect transition="in" filter="fade">
+                                      <p:cBhvr>
+                                        <p:cTn id="7" dur="500"/>
+                                        <p:tgtEl>
+                                          <p:spTgt spid="8"/>
+                                        </p:tgtEl>
+                                      </p:cBhvr>
+                                    </p:animEffect>
+                                  </p:childTnLst>
+                                </p:cTn>
+                              </p:par>
+                            </p:childTnLst>
+                          </p:cTn>
+                        </p:par>
+                      </p:childTnLst>
+                    </p:cTn>
+                  </p:par>
+                </p:childTnLst>
+              </p:cTn>
+              <p:prevCondLst>
+                <p:cond evt="onPrev" delay="0">
+                  <p:tgtEl>
+                    <p:sldTgt/>
+                  </p:tgtEl>
+                </p:cond>
+              </p:prevCondLst>
+              <p:nextCondLst>
+                <p:cond evt="onNext" delay="0">
+                  <p:tgtEl>
+                    <p:sldTgt/>
+                  </p:tgtEl>
+                </p:cond>
+              </p:nextCondLst>
+            </p:seq>
+          </p:childTnLst>
+        </p:cTn>
+      </p:par>
+    </p:tnLst>
+  </p:timing>
+</p:sld>
+</file>
+
+<file path=ppt/slides/slide6.xml><?xml version="1.0" encoding="utf-8"?>
+<p:sld xmlns:a="http://schemas.openxmlformats.org/drawingml/2006/main" xmlns:r="http://schemas.openxmlformats.org/officeDocument/2006/relationships" xmlns:p="http://schemas.openxmlformats.org/presentationml/2006/main">
+  <p:cSld>
+    <p:bg>
+      <p:bgPr>
+        <a:solidFill>
+          <a:srgbClr val="6600FF"/>
+        </a:solidFill>
+        <a:effectLst/>
+      </p:bgPr>
+    </p:bg>
+    <p:spTree>
+      <p:nvGrpSpPr>
+        <p:cNvPr id="1" name=""/>
+        <p:cNvGrpSpPr/>
+        <p:nvPr/>
+      </p:nvGrpSpPr>
+      <p:grpSpPr>
+        <a:xfrm>
+          <a:off x="0" y="0"/>
+          <a:ext cx="0" cy="0"/>
+          <a:chOff x="0" y="0"/>
+          <a:chExt cx="0" cy="0"/>
+        </a:xfrm>
+      </p:grpSpPr>
+      <p:sp>
+        <p:nvSpPr>
+          <p:cNvPr id="4" name="TextBox 3">
+            <a:extLst>
+              <a:ext uri="{FF2B5EF4-FFF2-40B4-BE49-F238E27FC236}">
+                <a16:creationId xmlns:a16="http://schemas.microsoft.com/office/drawing/2014/main" id="{F3DB4813-EA22-408F-9D6D-C171CF9CEFB0}"/>
+              </a:ext>
+            </a:extLst>
+          </p:cNvPr>
+          <p:cNvSpPr txBox="1"/>
+          <p:nvPr/>
+        </p:nvSpPr>
+        <p:spPr>
+          <a:xfrm>
+            <a:off x="12229639" y="982176"/>
+            <a:ext cx="4119459" cy="1015663"/>
+          </a:xfrm>
+          <a:prstGeom prst="rect">
+            <a:avLst/>
+          </a:prstGeom>
+          <a:noFill/>
+        </p:spPr>
+        <p:txBody>
+          <a:bodyPr wrap="square" rtlCol="0">
+            <a:spAutoFit/>
+          </a:bodyPr>
+          <a:lstStyle/>
+          <a:p>
+            <a:r>
+              <a:rPr lang="ko-KR" altLang="en-US" sz="6000" dirty="0" err="1">
+                <a:solidFill>
+                  <a:schemeClr val="bg1"/>
+                </a:solidFill>
+                <a:latin typeface="DX하얀토끼B" panose="02020600000000000000" pitchFamily="18" charset="-127"/>
+                <a:ea typeface="DX하얀토끼B" panose="02020600000000000000" pitchFamily="18" charset="-127"/>
+              </a:rPr>
+              <a:t>하얀토끼</a:t>
+            </a:r>
+            <a:r>
+              <a:rPr lang="ko-KR" altLang="en-US" sz="6000" dirty="0">
+                <a:solidFill>
+                  <a:schemeClr val="bg1"/>
+                </a:solidFill>
+                <a:latin typeface="DX하얀토끼B" panose="02020600000000000000" pitchFamily="18" charset="-127"/>
+                <a:ea typeface="DX하얀토끼B" panose="02020600000000000000" pitchFamily="18" charset="-127"/>
+              </a:rPr>
+              <a:t> </a:t>
+            </a:r>
+            <a:r>
+              <a:rPr lang="en-US" altLang="ko-KR" sz="6000" dirty="0">
+                <a:solidFill>
+                  <a:schemeClr val="bg1"/>
+                </a:solidFill>
+                <a:latin typeface="DX하얀토끼B" panose="02020600000000000000" pitchFamily="18" charset="-127"/>
+                <a:ea typeface="DX하얀토끼B" panose="02020600000000000000" pitchFamily="18" charset="-127"/>
+              </a:rPr>
+              <a:t>60</a:t>
+            </a:r>
+            <a:endParaRPr lang="ko-KR" altLang="en-US" sz="6000" dirty="0">
+              <a:solidFill>
+                <a:schemeClr val="bg1"/>
+              </a:solidFill>
+              <a:latin typeface="DX하얀토끼B" panose="02020600000000000000" pitchFamily="18" charset="-127"/>
+              <a:ea typeface="DX하얀토끼B" panose="02020600000000000000" pitchFamily="18" charset="-127"/>
+            </a:endParaRPr>
+          </a:p>
+        </p:txBody>
+      </p:sp>
+      <p:sp>
+        <p:nvSpPr>
+          <p:cNvPr id="5" name="TextBox 4">
+            <a:extLst>
+              <a:ext uri="{FF2B5EF4-FFF2-40B4-BE49-F238E27FC236}">
+                <a16:creationId xmlns:a16="http://schemas.microsoft.com/office/drawing/2014/main" id="{D99695FA-ACDD-4D6E-B888-A0CAE5DB5B55}"/>
+              </a:ext>
+            </a:extLst>
+          </p:cNvPr>
+          <p:cNvSpPr txBox="1"/>
+          <p:nvPr/>
+        </p:nvSpPr>
+        <p:spPr>
+          <a:xfrm>
+            <a:off x="12192000" y="58847"/>
+            <a:ext cx="4119459" cy="707886"/>
+          </a:xfrm>
+          <a:prstGeom prst="rect">
+            <a:avLst/>
+          </a:prstGeom>
+          <a:noFill/>
+        </p:spPr>
+        <p:txBody>
+          <a:bodyPr wrap="square" rtlCol="0">
+            <a:spAutoFit/>
+          </a:bodyPr>
+          <a:lstStyle/>
+          <a:p>
+            <a:r>
+              <a:rPr lang="ko-KR" altLang="en-US" sz="4000" dirty="0" err="1">
+                <a:solidFill>
+                  <a:schemeClr val="bg1"/>
+                </a:solidFill>
+                <a:latin typeface="DX하얀토끼B" panose="02020600000000000000" pitchFamily="18" charset="-127"/>
+                <a:ea typeface="DX하얀토끼B" panose="02020600000000000000" pitchFamily="18" charset="-127"/>
+              </a:rPr>
+              <a:t>하얀토끼</a:t>
+            </a:r>
+            <a:r>
+              <a:rPr lang="ko-KR" altLang="en-US" sz="4000" dirty="0">
+                <a:solidFill>
+                  <a:schemeClr val="bg1"/>
+                </a:solidFill>
+                <a:latin typeface="DX하얀토끼B" panose="02020600000000000000" pitchFamily="18" charset="-127"/>
+                <a:ea typeface="DX하얀토끼B" panose="02020600000000000000" pitchFamily="18" charset="-127"/>
+              </a:rPr>
+              <a:t> </a:t>
+            </a:r>
+            <a:r>
+              <a:rPr lang="en-US" altLang="ko-KR" sz="4000" dirty="0">
+                <a:solidFill>
+                  <a:schemeClr val="bg1"/>
+                </a:solidFill>
+                <a:latin typeface="DX하얀토끼B" panose="02020600000000000000" pitchFamily="18" charset="-127"/>
+                <a:ea typeface="DX하얀토끼B" panose="02020600000000000000" pitchFamily="18" charset="-127"/>
+              </a:rPr>
+              <a:t>40</a:t>
+            </a:r>
+            <a:endParaRPr lang="ko-KR" altLang="en-US" sz="4000" dirty="0">
+              <a:solidFill>
+                <a:schemeClr val="bg1"/>
+              </a:solidFill>
+              <a:latin typeface="DX하얀토끼B" panose="02020600000000000000" pitchFamily="18" charset="-127"/>
+              <a:ea typeface="DX하얀토끼B" panose="02020600000000000000" pitchFamily="18" charset="-127"/>
+            </a:endParaRPr>
+          </a:p>
+        </p:txBody>
+      </p:sp>
+      <p:sp>
+        <p:nvSpPr>
+          <p:cNvPr id="9" name="사각형: 둥근 모서리 8">
+            <a:extLst>
+              <a:ext uri="{FF2B5EF4-FFF2-40B4-BE49-F238E27FC236}">
+                <a16:creationId xmlns:a16="http://schemas.microsoft.com/office/drawing/2014/main" id="{360DA82F-D5EF-4C52-8906-58ACE0C99BAA}"/>
+              </a:ext>
+            </a:extLst>
+          </p:cNvPr>
+          <p:cNvSpPr/>
+          <p:nvPr/>
+        </p:nvSpPr>
+        <p:spPr>
+          <a:xfrm>
+            <a:off x="320161" y="305279"/>
+            <a:ext cx="11493620" cy="1353793"/>
+          </a:xfrm>
+          <a:prstGeom prst="roundRect">
+            <a:avLst/>
+          </a:prstGeom>
+          <a:solidFill>
+            <a:srgbClr val="6666FF"/>
+          </a:solidFill>
+          <a:ln>
+            <a:noFill/>
+          </a:ln>
+        </p:spPr>
+        <p:style>
+          <a:lnRef idx="2">
+            <a:schemeClr val="accent1">
+              <a:shade val="50000"/>
+            </a:schemeClr>
+          </a:lnRef>
+          <a:fillRef idx="1">
+            <a:schemeClr val="accent1"/>
+          </a:fillRef>
+          <a:effectRef idx="0">
+            <a:schemeClr val="accent1"/>
+          </a:effectRef>
+          <a:fontRef idx="minor">
+            <a:schemeClr val="lt1"/>
+          </a:fontRef>
+        </p:style>
+        <p:txBody>
+          <a:bodyPr rtlCol="0" anchor="ctr"/>
+          <a:lstStyle/>
+          <a:p>
+            <a:pPr algn="ctr"/>
+            <a:endParaRPr lang="ko-KR" altLang="en-US"/>
+          </a:p>
+        </p:txBody>
+      </p:sp>
+      <p:sp>
+        <p:nvSpPr>
+          <p:cNvPr id="35" name="TextBox 34">
+            <a:extLst>
+              <a:ext uri="{FF2B5EF4-FFF2-40B4-BE49-F238E27FC236}">
+                <a16:creationId xmlns:a16="http://schemas.microsoft.com/office/drawing/2014/main" id="{E96DE965-44DB-4D81-84E9-C2A0098DF4F8}"/>
+              </a:ext>
+            </a:extLst>
+          </p:cNvPr>
+          <p:cNvSpPr txBox="1"/>
+          <p:nvPr/>
+        </p:nvSpPr>
+        <p:spPr>
+          <a:xfrm>
+            <a:off x="1976541" y="628232"/>
+            <a:ext cx="4119459" cy="707886"/>
+          </a:xfrm>
+          <a:prstGeom prst="rect">
+            <a:avLst/>
+          </a:prstGeom>
+          <a:noFill/>
+        </p:spPr>
+        <p:txBody>
+          <a:bodyPr wrap="square" rtlCol="0">
+            <a:spAutoFit/>
+          </a:bodyPr>
+          <a:lstStyle/>
+          <a:p>
+            <a:r>
+              <a:rPr lang="ko-KR" altLang="en-US" sz="4000" dirty="0">
+                <a:solidFill>
+                  <a:schemeClr val="bg1"/>
+                </a:solidFill>
+                <a:latin typeface="DX하얀토끼B" panose="02020600000000000000" pitchFamily="18" charset="-127"/>
+                <a:ea typeface="DX하얀토끼B" panose="02020600000000000000" pitchFamily="18" charset="-127"/>
+              </a:rPr>
+              <a:t>작품소개 </a:t>
+            </a:r>
+            <a:r>
+              <a:rPr lang="en-US" altLang="ko-KR" sz="4000" dirty="0">
+                <a:solidFill>
+                  <a:schemeClr val="bg1"/>
+                </a:solidFill>
+                <a:latin typeface="DX하얀토끼B" panose="02020600000000000000" pitchFamily="18" charset="-127"/>
+                <a:ea typeface="DX하얀토끼B" panose="02020600000000000000" pitchFamily="18" charset="-127"/>
+              </a:rPr>
+              <a:t>- </a:t>
+            </a:r>
+            <a:r>
+              <a:rPr lang="ko-KR" altLang="en-US" sz="4000" dirty="0">
+                <a:solidFill>
+                  <a:schemeClr val="bg1"/>
+                </a:solidFill>
+                <a:latin typeface="DX하얀토끼B" panose="02020600000000000000" pitchFamily="18" charset="-127"/>
+                <a:ea typeface="DX하얀토끼B" panose="02020600000000000000" pitchFamily="18" charset="-127"/>
+              </a:rPr>
+              <a:t>기상시각</a:t>
+            </a:r>
+          </a:p>
+        </p:txBody>
+      </p:sp>
+      <p:sp>
+        <p:nvSpPr>
+          <p:cNvPr id="37" name="TextBox 36">
+            <a:extLst>
+              <a:ext uri="{FF2B5EF4-FFF2-40B4-BE49-F238E27FC236}">
+                <a16:creationId xmlns:a16="http://schemas.microsoft.com/office/drawing/2014/main" id="{1246D3AE-6768-4180-A45F-0ECB5646E618}"/>
+              </a:ext>
+            </a:extLst>
+          </p:cNvPr>
+          <p:cNvSpPr txBox="1"/>
+          <p:nvPr/>
+        </p:nvSpPr>
+        <p:spPr>
+          <a:xfrm>
+            <a:off x="7032171" y="2458514"/>
+            <a:ext cx="4365931" cy="1938992"/>
+          </a:xfrm>
+          <a:prstGeom prst="rect">
+            <a:avLst/>
+          </a:prstGeom>
+          <a:noFill/>
+        </p:spPr>
+        <p:txBody>
+          <a:bodyPr wrap="square" rtlCol="0">
+            <a:spAutoFit/>
+          </a:bodyPr>
+          <a:lstStyle/>
+          <a:p>
+            <a:r>
+              <a:rPr lang="ko-KR" altLang="en-US" sz="4000" dirty="0">
+                <a:solidFill>
+                  <a:schemeClr val="bg1"/>
+                </a:solidFill>
+                <a:latin typeface="DX하얀토끼B" panose="02020600000000000000" pitchFamily="18" charset="-127"/>
+                <a:ea typeface="DX하얀토끼B" panose="02020600000000000000" pitchFamily="18" charset="-127"/>
+              </a:rPr>
+              <a:t>마우스 스크롤로 일어날 시각을 설정하고 확인 버튼을 누른다</a:t>
+            </a:r>
+            <a:r>
+              <a:rPr lang="en-US" altLang="ko-KR" sz="4000" dirty="0">
+                <a:solidFill>
+                  <a:schemeClr val="bg1"/>
+                </a:solidFill>
+                <a:latin typeface="DX하얀토끼B" panose="02020600000000000000" pitchFamily="18" charset="-127"/>
+                <a:ea typeface="DX하얀토끼B" panose="02020600000000000000" pitchFamily="18" charset="-127"/>
+              </a:rPr>
+              <a:t>.</a:t>
+            </a:r>
+            <a:endParaRPr lang="ko-KR" altLang="en-US" sz="4000" dirty="0">
+              <a:solidFill>
+                <a:schemeClr val="bg1"/>
+              </a:solidFill>
+              <a:latin typeface="DX하얀토끼B" panose="02020600000000000000" pitchFamily="18" charset="-127"/>
+              <a:ea typeface="DX하얀토끼B" panose="02020600000000000000" pitchFamily="18" charset="-127"/>
+            </a:endParaRPr>
+          </a:p>
+        </p:txBody>
+      </p:sp>
+      <p:sp>
+        <p:nvSpPr>
+          <p:cNvPr id="2" name="순서도: 처리 1">
+            <a:extLst>
+              <a:ext uri="{FF2B5EF4-FFF2-40B4-BE49-F238E27FC236}">
+                <a16:creationId xmlns:a16="http://schemas.microsoft.com/office/drawing/2014/main" id="{B6FCF297-EA19-47C2-AD61-805B02D9BFAD}"/>
+              </a:ext>
+            </a:extLst>
+          </p:cNvPr>
+          <p:cNvSpPr/>
+          <p:nvPr/>
+        </p:nvSpPr>
+        <p:spPr>
+          <a:xfrm>
+            <a:off x="870858" y="2458514"/>
+            <a:ext cx="5762171" cy="3417311"/>
+          </a:xfrm>
+          <a:prstGeom prst="flowChartProcess">
+            <a:avLst/>
+          </a:prstGeom>
+        </p:spPr>
+        <p:style>
+          <a:lnRef idx="2">
+            <a:schemeClr val="accent1">
+              <a:shade val="50000"/>
+            </a:schemeClr>
+          </a:lnRef>
+          <a:fillRef idx="1">
+            <a:schemeClr val="accent1"/>
+          </a:fillRef>
+          <a:effectRef idx="0">
+            <a:schemeClr val="accent1"/>
+          </a:effectRef>
+          <a:fontRef idx="minor">
+            <a:schemeClr val="lt1"/>
+          </a:fontRef>
+        </p:style>
+        <p:txBody>
+          <a:bodyPr rtlCol="0" anchor="ctr"/>
+          <a:lstStyle/>
+          <a:p>
+            <a:pPr algn="ctr"/>
+            <a:endParaRPr lang="ko-KR" altLang="en-US"/>
+          </a:p>
+        </p:txBody>
+      </p:sp>
+      <p:pic>
+        <p:nvPicPr>
+          <p:cNvPr id="10" name="그래픽 9">
+            <a:extLst>
+              <a:ext uri="{FF2B5EF4-FFF2-40B4-BE49-F238E27FC236}">
+                <a16:creationId xmlns:a16="http://schemas.microsoft.com/office/drawing/2014/main" id="{797E7DBC-ADA4-4A11-A54A-0FE5B67369E2}"/>
+              </a:ext>
+            </a:extLst>
+          </p:cNvPr>
+          <p:cNvPicPr>
+            <a:picLocks noChangeAspect="1"/>
+          </p:cNvPicPr>
+          <p:nvPr/>
+        </p:nvPicPr>
+        <p:blipFill>
+          <a:blip r:embed="rId2">
+            <a:extLst>
+              <a:ext uri="{28A0092B-C50C-407E-A947-70E740481C1C}">
+                <a14:useLocalDpi xmlns:a14="http://schemas.microsoft.com/office/drawing/2010/main" val="0"/>
+              </a:ext>
+              <a:ext uri="{96DAC541-7B7A-43D3-8B79-37D633B846F1}">
+                <asvg:svgBlip xmlns:asvg="http://schemas.microsoft.com/office/drawing/2016/SVG/main" r:embed="rId3"/>
+              </a:ext>
+            </a:extLst>
+          </a:blip>
+          <a:stretch>
+            <a:fillRect/>
+          </a:stretch>
+        </p:blipFill>
+        <p:spPr>
+          <a:xfrm>
+            <a:off x="571408" y="412790"/>
+            <a:ext cx="1153886" cy="1153886"/>
+          </a:xfrm>
+          <a:prstGeom prst="rect">
+            <a:avLst/>
+          </a:prstGeom>
+        </p:spPr>
+      </p:pic>
+      <p:pic>
+        <p:nvPicPr>
+          <p:cNvPr id="6" name="그림 5">
+            <a:extLst>
+              <a:ext uri="{FF2B5EF4-FFF2-40B4-BE49-F238E27FC236}">
+                <a16:creationId xmlns:a16="http://schemas.microsoft.com/office/drawing/2014/main" id="{DB155385-49D8-486E-B062-A0764F675699}"/>
+              </a:ext>
+            </a:extLst>
+          </p:cNvPr>
+          <p:cNvPicPr>
+            <a:picLocks noChangeAspect="1"/>
+          </p:cNvPicPr>
+          <p:nvPr/>
+        </p:nvPicPr>
+        <p:blipFill>
+          <a:blip r:embed="rId4">
+            <a:extLst>
+              <a:ext uri="{28A0092B-C50C-407E-A947-70E740481C1C}">
+                <a14:useLocalDpi xmlns:a14="http://schemas.microsoft.com/office/drawing/2010/main" val="0"/>
+              </a:ext>
+            </a:extLst>
+          </a:blip>
+          <a:stretch>
+            <a:fillRect/>
+          </a:stretch>
+        </p:blipFill>
+        <p:spPr>
+          <a:xfrm>
+            <a:off x="939648" y="2624483"/>
+            <a:ext cx="5624589" cy="3085372"/>
+          </a:xfrm>
+          <a:prstGeom prst="rect">
+            <a:avLst/>
+          </a:prstGeom>
+        </p:spPr>
+      </p:pic>
+      <p:pic>
+        <p:nvPicPr>
+          <p:cNvPr id="18" name="그림 17">
+            <a:extLst>
+              <a:ext uri="{FF2B5EF4-FFF2-40B4-BE49-F238E27FC236}">
+                <a16:creationId xmlns:a16="http://schemas.microsoft.com/office/drawing/2014/main" id="{719B424A-3B8E-468A-A030-6E8041D40423}"/>
+              </a:ext>
+            </a:extLst>
+          </p:cNvPr>
+          <p:cNvPicPr>
+            <a:picLocks noChangeAspect="1"/>
+          </p:cNvPicPr>
+          <p:nvPr/>
+        </p:nvPicPr>
+        <p:blipFill>
+          <a:blip r:embed="rId5">
+            <a:extLst>
+              <a:ext uri="{28A0092B-C50C-407E-A947-70E740481C1C}">
+                <a14:useLocalDpi xmlns:a14="http://schemas.microsoft.com/office/drawing/2010/main" val="0"/>
+              </a:ext>
+            </a:extLst>
+          </a:blip>
+          <a:stretch>
+            <a:fillRect/>
+          </a:stretch>
+        </p:blipFill>
+        <p:spPr>
+          <a:xfrm>
+            <a:off x="939648" y="2651241"/>
+            <a:ext cx="5624589" cy="3069815"/>
+          </a:xfrm>
+          <a:prstGeom prst="rect">
+            <a:avLst/>
+          </a:prstGeom>
+        </p:spPr>
+      </p:pic>
+      <p:pic>
+        <p:nvPicPr>
+          <p:cNvPr id="8" name="그림 7">
+            <a:extLst>
+              <a:ext uri="{FF2B5EF4-FFF2-40B4-BE49-F238E27FC236}">
+                <a16:creationId xmlns:a16="http://schemas.microsoft.com/office/drawing/2014/main" id="{9575076F-CC8D-44F7-952C-0AC0538B4633}"/>
+              </a:ext>
+            </a:extLst>
+          </p:cNvPr>
+          <p:cNvPicPr>
+            <a:picLocks noChangeAspect="1"/>
+          </p:cNvPicPr>
+          <p:nvPr/>
+        </p:nvPicPr>
+        <p:blipFill>
+          <a:blip r:embed="rId6">
+            <a:extLst>
+              <a:ext uri="{28A0092B-C50C-407E-A947-70E740481C1C}">
+                <a14:useLocalDpi xmlns:a14="http://schemas.microsoft.com/office/drawing/2010/main" val="0"/>
+              </a:ext>
+            </a:extLst>
+          </a:blip>
+          <a:stretch>
+            <a:fillRect/>
+          </a:stretch>
+        </p:blipFill>
+        <p:spPr>
+          <a:xfrm>
+            <a:off x="939649" y="2651241"/>
+            <a:ext cx="5624588" cy="3076454"/>
+          </a:xfrm>
+          <a:prstGeom prst="rect">
+            <a:avLst/>
+          </a:prstGeom>
+        </p:spPr>
+      </p:pic>
+    </p:spTree>
+    <p:extLst>
+      <p:ext uri="{BB962C8B-B14F-4D97-AF65-F5344CB8AC3E}">
+        <p14:creationId xmlns:p14="http://schemas.microsoft.com/office/powerpoint/2010/main" val="1400097739"/>
+      </p:ext>
+    </p:extLst>
+  </p:cSld>
+  <p:clrMapOvr>
+    <a:masterClrMapping/>
+  </p:clrMapOvr>
+  <mc:AlternateContent xmlns:mc="http://schemas.openxmlformats.org/markup-compatibility/2006" xmlns:p14="http://schemas.microsoft.com/office/powerpoint/2010/main">
+    <mc:Choice Requires="p14">
+      <p:transition spd="slow" p14:dur="1500">
+        <p:cover dir="u"/>
+      </p:transition>
+    </mc:Choice>
+    <mc:Fallback xmlns="">
+      <p:transition spd="slow">
+        <p:cover dir="u"/>
+      </p:transition>
+    </mc:Fallback>
+  </mc:AlternateContent>
+  <p:timing>
+    <p:tnLst>
+      <p:par>
+        <p:cTn id="1" dur="indefinite" restart="never" nodeType="tmRoot">
+          <p:childTnLst>
+            <p:seq concurrent="1" nextAc="seek">
+              <p:cTn id="2" dur="indefinite" nodeType="mainSeq">
+                <p:childTnLst>
+                  <p:par>
+                    <p:cTn id="3" fill="hold">
+                      <p:stCondLst>
+                        <p:cond delay="indefinite"/>
+                      </p:stCondLst>
+                      <p:childTnLst>
+                        <p:par>
+                          <p:cTn id="4" fill="hold">
+                            <p:stCondLst>
+                              <p:cond delay="0"/>
+                            </p:stCondLst>
+                            <p:childTnLst>
+                              <p:par>
+                                <p:cTn id="5" presetID="10" presetClass="entr" presetSubtype="0" fill="hold" nodeType="clickEffect">
+                                  <p:stCondLst>
+                                    <p:cond delay="0"/>
+                                  </p:stCondLst>
+                                  <p:childTnLst>
+                                    <p:set>
+                                      <p:cBhvr>
+                                        <p:cTn id="6" dur="1" fill="hold">
+                                          <p:stCondLst>
+                                            <p:cond delay="0"/>
+                                          </p:stCondLst>
+                                        </p:cTn>
+                                        <p:tgtEl>
+                                          <p:spTgt spid="18"/>
+                                        </p:tgtEl>
+                                        <p:attrNameLst>
+                                          <p:attrName>style.visibility</p:attrName>
+                                        </p:attrNameLst>
+                                      </p:cBhvr>
+                                      <p:to>
+                                        <p:strVal val="visible"/>
+                                      </p:to>
+                                    </p:set>
+                                    <p:animEffect transition="in" filter="fade">
+                                      <p:cBhvr>
+                                        <p:cTn id="7" dur="500"/>
+                                        <p:tgtEl>
+                                          <p:spTgt spid="18"/>
+                                        </p:tgtEl>
+                                      </p:cBhvr>
+                                    </p:animEffect>
+                                  </p:childTnLst>
+                                </p:cTn>
+                              </p:par>
+                            </p:childTnLst>
+                          </p:cTn>
+                        </p:par>
+                      </p:childTnLst>
+                    </p:cTn>
+                  </p:par>
+                  <p:par>
+                    <p:cTn id="8" fill="hold">
+                      <p:stCondLst>
+                        <p:cond delay="indefinite"/>
+                      </p:stCondLst>
+                      <p:childTnLst>
+                        <p:par>
+                          <p:cTn id="9" fill="hold">
+                            <p:stCondLst>
+                              <p:cond delay="0"/>
+                            </p:stCondLst>
+                            <p:childTnLst>
+                              <p:par>
+                                <p:cTn id="10" presetID="10" presetClass="entr" presetSubtype="0" fill="hold" nodeType="clickEffect">
+                                  <p:stCondLst>
+                                    <p:cond delay="0"/>
+                                  </p:stCondLst>
+                                  <p:childTnLst>
+                                    <p:set>
+                                      <p:cBhvr>
+                                        <p:cTn id="11" dur="1" fill="hold">
+                                          <p:stCondLst>
+                                            <p:cond delay="0"/>
+                                          </p:stCondLst>
+                                        </p:cTn>
+                                        <p:tgtEl>
+                                          <p:spTgt spid="8"/>
+                                        </p:tgtEl>
+                                        <p:attrNameLst>
+                                          <p:attrName>style.visibility</p:attrName>
+                                        </p:attrNameLst>
+                                      </p:cBhvr>
+                                      <p:to>
+                                        <p:strVal val="visible"/>
+                                      </p:to>
+                                    </p:set>
+                                    <p:animEffect transition="in" filter="fade">
+                                      <p:cBhvr>
+                                        <p:cTn id="12" dur="500"/>
+                                        <p:tgtEl>
+                                          <p:spTgt spid="8"/>
+                                        </p:tgtEl>
+                                      </p:cBhvr>
+                                    </p:animEffect>
+                                  </p:childTnLst>
+                                </p:cTn>
+                              </p:par>
+                            </p:childTnLst>
+                          </p:cTn>
+                        </p:par>
+                      </p:childTnLst>
+                    </p:cTn>
+                  </p:par>
+                </p:childTnLst>
+              </p:cTn>
+              <p:prevCondLst>
+                <p:cond evt="onPrev" delay="0">
+                  <p:tgtEl>
+                    <p:sldTgt/>
+                  </p:tgtEl>
+                </p:cond>
+              </p:prevCondLst>
+              <p:nextCondLst>
+                <p:cond evt="onNext" delay="0">
+                  <p:tgtEl>
+                    <p:sldTgt/>
+                  </p:tgtEl>
+                </p:cond>
+              </p:nextCondLst>
+            </p:seq>
+          </p:childTnLst>
+        </p:cTn>
+      </p:par>
+    </p:tnLst>
+  </p:timing>
+</p:sld>
+</file>
+
+<file path=ppt/slides/slide7.xml><?xml version="1.0" encoding="utf-8"?>
+<p:sld xmlns:a="http://schemas.openxmlformats.org/drawingml/2006/main" xmlns:r="http://schemas.openxmlformats.org/officeDocument/2006/relationships" xmlns:p="http://schemas.openxmlformats.org/presentationml/2006/main">
+  <p:cSld>
+    <p:bg>
+      <p:bgPr>
+        <a:solidFill>
+          <a:srgbClr val="6600FF"/>
+        </a:solidFill>
+        <a:effectLst/>
+      </p:bgPr>
+    </p:bg>
+    <p:spTree>
+      <p:nvGrpSpPr>
+        <p:cNvPr id="1" name=""/>
+        <p:cNvGrpSpPr/>
+        <p:nvPr/>
+      </p:nvGrpSpPr>
+      <p:grpSpPr>
+        <a:xfrm>
+          <a:off x="0" y="0"/>
+          <a:ext cx="0" cy="0"/>
+          <a:chOff x="0" y="0"/>
+          <a:chExt cx="0" cy="0"/>
+        </a:xfrm>
+      </p:grpSpPr>
+      <p:sp>
+        <p:nvSpPr>
+          <p:cNvPr id="4" name="TextBox 3">
+            <a:extLst>
+              <a:ext uri="{FF2B5EF4-FFF2-40B4-BE49-F238E27FC236}">
+                <a16:creationId xmlns:a16="http://schemas.microsoft.com/office/drawing/2014/main" id="{F3DB4813-EA22-408F-9D6D-C171CF9CEFB0}"/>
+              </a:ext>
+            </a:extLst>
+          </p:cNvPr>
+          <p:cNvSpPr txBox="1"/>
+          <p:nvPr/>
+        </p:nvSpPr>
+        <p:spPr>
+          <a:xfrm>
+            <a:off x="12229639" y="982176"/>
+            <a:ext cx="4119459" cy="1015663"/>
+          </a:xfrm>
+          <a:prstGeom prst="rect">
+            <a:avLst/>
+          </a:prstGeom>
+          <a:noFill/>
+        </p:spPr>
+        <p:txBody>
+          <a:bodyPr wrap="square" rtlCol="0">
+            <a:spAutoFit/>
+          </a:bodyPr>
+          <a:lstStyle/>
+          <a:p>
+            <a:r>
+              <a:rPr lang="ko-KR" altLang="en-US" sz="6000" dirty="0" err="1">
+                <a:solidFill>
+                  <a:schemeClr val="bg1"/>
+                </a:solidFill>
+                <a:latin typeface="DX하얀토끼B" panose="02020600000000000000" pitchFamily="18" charset="-127"/>
+                <a:ea typeface="DX하얀토끼B" panose="02020600000000000000" pitchFamily="18" charset="-127"/>
+              </a:rPr>
+              <a:t>하얀토끼</a:t>
+            </a:r>
+            <a:r>
+              <a:rPr lang="ko-KR" altLang="en-US" sz="6000" dirty="0">
+                <a:solidFill>
+                  <a:schemeClr val="bg1"/>
+                </a:solidFill>
+                <a:latin typeface="DX하얀토끼B" panose="02020600000000000000" pitchFamily="18" charset="-127"/>
+                <a:ea typeface="DX하얀토끼B" panose="02020600000000000000" pitchFamily="18" charset="-127"/>
+              </a:rPr>
+              <a:t> </a:t>
+            </a:r>
+            <a:r>
+              <a:rPr lang="en-US" altLang="ko-KR" sz="6000" dirty="0">
+                <a:solidFill>
+                  <a:schemeClr val="bg1"/>
+                </a:solidFill>
+                <a:latin typeface="DX하얀토끼B" panose="02020600000000000000" pitchFamily="18" charset="-127"/>
+                <a:ea typeface="DX하얀토끼B" panose="02020600000000000000" pitchFamily="18" charset="-127"/>
+              </a:rPr>
+              <a:t>60</a:t>
+            </a:r>
+            <a:endParaRPr lang="ko-KR" altLang="en-US" sz="6000" dirty="0">
+              <a:solidFill>
+                <a:schemeClr val="bg1"/>
+              </a:solidFill>
+              <a:latin typeface="DX하얀토끼B" panose="02020600000000000000" pitchFamily="18" charset="-127"/>
+              <a:ea typeface="DX하얀토끼B" panose="02020600000000000000" pitchFamily="18" charset="-127"/>
+            </a:endParaRPr>
+          </a:p>
+        </p:txBody>
+      </p:sp>
+      <p:sp>
+        <p:nvSpPr>
+          <p:cNvPr id="5" name="TextBox 4">
+            <a:extLst>
+              <a:ext uri="{FF2B5EF4-FFF2-40B4-BE49-F238E27FC236}">
+                <a16:creationId xmlns:a16="http://schemas.microsoft.com/office/drawing/2014/main" id="{D99695FA-ACDD-4D6E-B888-A0CAE5DB5B55}"/>
+              </a:ext>
+            </a:extLst>
+          </p:cNvPr>
+          <p:cNvSpPr txBox="1"/>
+          <p:nvPr/>
+        </p:nvSpPr>
+        <p:spPr>
+          <a:xfrm>
+            <a:off x="12192000" y="58847"/>
+            <a:ext cx="4119459" cy="707886"/>
+          </a:xfrm>
+          <a:prstGeom prst="rect">
+            <a:avLst/>
+          </a:prstGeom>
+          <a:noFill/>
+        </p:spPr>
+        <p:txBody>
+          <a:bodyPr wrap="square" rtlCol="0">
+            <a:spAutoFit/>
+          </a:bodyPr>
+          <a:lstStyle/>
+          <a:p>
+            <a:r>
+              <a:rPr lang="ko-KR" altLang="en-US" sz="4000" dirty="0" err="1">
+                <a:solidFill>
+                  <a:schemeClr val="bg1"/>
+                </a:solidFill>
+                <a:latin typeface="DX하얀토끼B" panose="02020600000000000000" pitchFamily="18" charset="-127"/>
+                <a:ea typeface="DX하얀토끼B" panose="02020600000000000000" pitchFamily="18" charset="-127"/>
+              </a:rPr>
+              <a:t>하얀토끼</a:t>
+            </a:r>
+            <a:r>
+              <a:rPr lang="ko-KR" altLang="en-US" sz="4000" dirty="0">
+                <a:solidFill>
+                  <a:schemeClr val="bg1"/>
+                </a:solidFill>
+                <a:latin typeface="DX하얀토끼B" panose="02020600000000000000" pitchFamily="18" charset="-127"/>
+                <a:ea typeface="DX하얀토끼B" panose="02020600000000000000" pitchFamily="18" charset="-127"/>
+              </a:rPr>
+              <a:t> </a:t>
+            </a:r>
+            <a:r>
+              <a:rPr lang="en-US" altLang="ko-KR" sz="4000" dirty="0">
+                <a:solidFill>
+                  <a:schemeClr val="bg1"/>
+                </a:solidFill>
+                <a:latin typeface="DX하얀토끼B" panose="02020600000000000000" pitchFamily="18" charset="-127"/>
+                <a:ea typeface="DX하얀토끼B" panose="02020600000000000000" pitchFamily="18" charset="-127"/>
+              </a:rPr>
+              <a:t>40</a:t>
+            </a:r>
+            <a:endParaRPr lang="ko-KR" altLang="en-US" sz="4000" dirty="0">
+              <a:solidFill>
+                <a:schemeClr val="bg1"/>
+              </a:solidFill>
+              <a:latin typeface="DX하얀토끼B" panose="02020600000000000000" pitchFamily="18" charset="-127"/>
+              <a:ea typeface="DX하얀토끼B" panose="02020600000000000000" pitchFamily="18" charset="-127"/>
+            </a:endParaRPr>
+          </a:p>
+        </p:txBody>
+      </p:sp>
+      <p:sp>
+        <p:nvSpPr>
+          <p:cNvPr id="9" name="사각형: 둥근 모서리 8">
+            <a:extLst>
+              <a:ext uri="{FF2B5EF4-FFF2-40B4-BE49-F238E27FC236}">
+                <a16:creationId xmlns:a16="http://schemas.microsoft.com/office/drawing/2014/main" id="{360DA82F-D5EF-4C52-8906-58ACE0C99BAA}"/>
+              </a:ext>
+            </a:extLst>
+          </p:cNvPr>
+          <p:cNvSpPr/>
+          <p:nvPr/>
+        </p:nvSpPr>
+        <p:spPr>
+          <a:xfrm>
+            <a:off x="320161" y="305279"/>
+            <a:ext cx="11493620" cy="1353793"/>
+          </a:xfrm>
+          <a:prstGeom prst="roundRect">
+            <a:avLst/>
+          </a:prstGeom>
+          <a:solidFill>
+            <a:srgbClr val="6666FF"/>
+          </a:solidFill>
+          <a:ln>
+            <a:noFill/>
+          </a:ln>
+        </p:spPr>
+        <p:style>
+          <a:lnRef idx="2">
+            <a:schemeClr val="accent1">
+              <a:shade val="50000"/>
+            </a:schemeClr>
+          </a:lnRef>
+          <a:fillRef idx="1">
+            <a:schemeClr val="accent1"/>
+          </a:fillRef>
+          <a:effectRef idx="0">
+            <a:schemeClr val="accent1"/>
+          </a:effectRef>
+          <a:fontRef idx="minor">
+            <a:schemeClr val="lt1"/>
+          </a:fontRef>
+        </p:style>
+        <p:txBody>
+          <a:bodyPr rtlCol="0" anchor="ctr"/>
+          <a:lstStyle/>
+          <a:p>
+            <a:pPr algn="ctr"/>
+            <a:endParaRPr lang="ko-KR" altLang="en-US"/>
+          </a:p>
+        </p:txBody>
+      </p:sp>
+      <p:sp>
+        <p:nvSpPr>
+          <p:cNvPr id="35" name="TextBox 34">
+            <a:extLst>
+              <a:ext uri="{FF2B5EF4-FFF2-40B4-BE49-F238E27FC236}">
+                <a16:creationId xmlns:a16="http://schemas.microsoft.com/office/drawing/2014/main" id="{E96DE965-44DB-4D81-84E9-C2A0098DF4F8}"/>
+              </a:ext>
+            </a:extLst>
+          </p:cNvPr>
+          <p:cNvSpPr txBox="1"/>
+          <p:nvPr/>
+        </p:nvSpPr>
+        <p:spPr>
+          <a:xfrm>
+            <a:off x="1976541" y="628232"/>
+            <a:ext cx="4119459" cy="707886"/>
+          </a:xfrm>
+          <a:prstGeom prst="rect">
+            <a:avLst/>
+          </a:prstGeom>
+          <a:noFill/>
+        </p:spPr>
+        <p:txBody>
+          <a:bodyPr wrap="square" rtlCol="0">
+            <a:spAutoFit/>
+          </a:bodyPr>
+          <a:lstStyle/>
+          <a:p>
+            <a:r>
+              <a:rPr lang="ko-KR" altLang="en-US" sz="4000" dirty="0">
+                <a:solidFill>
+                  <a:schemeClr val="bg1"/>
+                </a:solidFill>
+                <a:latin typeface="DX하얀토끼B" panose="02020600000000000000" pitchFamily="18" charset="-127"/>
+                <a:ea typeface="DX하얀토끼B" panose="02020600000000000000" pitchFamily="18" charset="-127"/>
+              </a:rPr>
+              <a:t>작품소개 </a:t>
+            </a:r>
+            <a:r>
+              <a:rPr lang="en-US" altLang="ko-KR" sz="4000" dirty="0">
+                <a:solidFill>
+                  <a:schemeClr val="bg1"/>
+                </a:solidFill>
+                <a:latin typeface="DX하얀토끼B" panose="02020600000000000000" pitchFamily="18" charset="-127"/>
+                <a:ea typeface="DX하얀토끼B" panose="02020600000000000000" pitchFamily="18" charset="-127"/>
+              </a:rPr>
+              <a:t>- </a:t>
+            </a:r>
+            <a:r>
+              <a:rPr lang="ko-KR" altLang="en-US" sz="4000" dirty="0">
+                <a:solidFill>
+                  <a:schemeClr val="bg1"/>
+                </a:solidFill>
+                <a:latin typeface="DX하얀토끼B" panose="02020600000000000000" pitchFamily="18" charset="-127"/>
+                <a:ea typeface="DX하얀토끼B" panose="02020600000000000000" pitchFamily="18" charset="-127"/>
+              </a:rPr>
+              <a:t>수면시각</a:t>
+            </a:r>
+          </a:p>
+        </p:txBody>
+      </p:sp>
+      <p:sp>
+        <p:nvSpPr>
+          <p:cNvPr id="37" name="TextBox 36">
+            <a:extLst>
+              <a:ext uri="{FF2B5EF4-FFF2-40B4-BE49-F238E27FC236}">
+                <a16:creationId xmlns:a16="http://schemas.microsoft.com/office/drawing/2014/main" id="{1246D3AE-6768-4180-A45F-0ECB5646E618}"/>
+              </a:ext>
+            </a:extLst>
+          </p:cNvPr>
+          <p:cNvSpPr txBox="1"/>
+          <p:nvPr/>
+        </p:nvSpPr>
+        <p:spPr>
+          <a:xfrm>
+            <a:off x="7032172" y="2458514"/>
+            <a:ext cx="4781609" cy="707886"/>
+          </a:xfrm>
+          <a:prstGeom prst="rect">
+            <a:avLst/>
+          </a:prstGeom>
+          <a:noFill/>
+        </p:spPr>
+        <p:txBody>
+          <a:bodyPr wrap="square" rtlCol="0">
+            <a:spAutoFit/>
+          </a:bodyPr>
+          <a:lstStyle/>
+          <a:p>
+            <a:r>
+              <a:rPr lang="ko-KR" altLang="en-US" sz="4000" dirty="0">
+                <a:solidFill>
+                  <a:schemeClr val="bg1"/>
+                </a:solidFill>
+                <a:latin typeface="DX하얀토끼B" panose="02020600000000000000" pitchFamily="18" charset="-127"/>
+                <a:ea typeface="DX하얀토끼B" panose="02020600000000000000" pitchFamily="18" charset="-127"/>
+              </a:rPr>
+              <a:t>내가 잘 시간을 설정해준다</a:t>
+            </a:r>
+            <a:r>
+              <a:rPr lang="en-US" altLang="ko-KR" sz="4000" dirty="0">
+                <a:solidFill>
+                  <a:schemeClr val="bg1"/>
+                </a:solidFill>
+                <a:latin typeface="DX하얀토끼B" panose="02020600000000000000" pitchFamily="18" charset="-127"/>
+                <a:ea typeface="DX하얀토끼B" panose="02020600000000000000" pitchFamily="18" charset="-127"/>
+              </a:rPr>
+              <a:t>.</a:t>
+            </a:r>
+            <a:endParaRPr lang="ko-KR" altLang="en-US" sz="4000" dirty="0">
+              <a:solidFill>
+                <a:schemeClr val="bg1"/>
+              </a:solidFill>
+              <a:latin typeface="DX하얀토끼B" panose="02020600000000000000" pitchFamily="18" charset="-127"/>
+              <a:ea typeface="DX하얀토끼B" panose="02020600000000000000" pitchFamily="18" charset="-127"/>
+            </a:endParaRPr>
+          </a:p>
+        </p:txBody>
+      </p:sp>
+      <p:sp>
+        <p:nvSpPr>
+          <p:cNvPr id="2" name="순서도: 처리 1">
+            <a:extLst>
+              <a:ext uri="{FF2B5EF4-FFF2-40B4-BE49-F238E27FC236}">
+                <a16:creationId xmlns:a16="http://schemas.microsoft.com/office/drawing/2014/main" id="{B6FCF297-EA19-47C2-AD61-805B02D9BFAD}"/>
+              </a:ext>
+            </a:extLst>
+          </p:cNvPr>
+          <p:cNvSpPr/>
+          <p:nvPr/>
+        </p:nvSpPr>
+        <p:spPr>
+          <a:xfrm>
+            <a:off x="870858" y="2458514"/>
+            <a:ext cx="5762171" cy="3417311"/>
+          </a:xfrm>
+          <a:prstGeom prst="flowChartProcess">
+            <a:avLst/>
+          </a:prstGeom>
+        </p:spPr>
+        <p:style>
+          <a:lnRef idx="2">
+            <a:schemeClr val="accent1">
+              <a:shade val="50000"/>
+            </a:schemeClr>
+          </a:lnRef>
+          <a:fillRef idx="1">
+            <a:schemeClr val="accent1"/>
+          </a:fillRef>
+          <a:effectRef idx="0">
+            <a:schemeClr val="accent1"/>
+          </a:effectRef>
+          <a:fontRef idx="minor">
+            <a:schemeClr val="lt1"/>
+          </a:fontRef>
+        </p:style>
+        <p:txBody>
+          <a:bodyPr rtlCol="0" anchor="ctr"/>
+          <a:lstStyle/>
+          <a:p>
+            <a:pPr algn="ctr"/>
+            <a:endParaRPr lang="ko-KR" altLang="en-US"/>
+          </a:p>
+        </p:txBody>
+      </p:sp>
+      <p:pic>
+        <p:nvPicPr>
+          <p:cNvPr id="10" name="그래픽 9">
+            <a:extLst>
+              <a:ext uri="{FF2B5EF4-FFF2-40B4-BE49-F238E27FC236}">
+                <a16:creationId xmlns:a16="http://schemas.microsoft.com/office/drawing/2014/main" id="{797E7DBC-ADA4-4A11-A54A-0FE5B67369E2}"/>
+              </a:ext>
+            </a:extLst>
+          </p:cNvPr>
+          <p:cNvPicPr>
+            <a:picLocks noChangeAspect="1"/>
+          </p:cNvPicPr>
+          <p:nvPr/>
+        </p:nvPicPr>
+        <p:blipFill>
+          <a:blip r:embed="rId2">
+            <a:extLst>
+              <a:ext uri="{28A0092B-C50C-407E-A947-70E740481C1C}">
+                <a14:useLocalDpi xmlns:a14="http://schemas.microsoft.com/office/drawing/2010/main" val="0"/>
+              </a:ext>
+              <a:ext uri="{96DAC541-7B7A-43D3-8B79-37D633B846F1}">
+                <asvg:svgBlip xmlns:asvg="http://schemas.microsoft.com/office/drawing/2016/SVG/main" r:embed="rId3"/>
+              </a:ext>
+            </a:extLst>
+          </a:blip>
+          <a:stretch>
+            <a:fillRect/>
+          </a:stretch>
+        </p:blipFill>
+        <p:spPr>
+          <a:xfrm>
+            <a:off x="571408" y="412790"/>
+            <a:ext cx="1153886" cy="1153886"/>
+          </a:xfrm>
+          <a:prstGeom prst="rect">
+            <a:avLst/>
+          </a:prstGeom>
+        </p:spPr>
+      </p:pic>
+      <p:pic>
+        <p:nvPicPr>
+          <p:cNvPr id="6" name="그림 5">
+            <a:extLst>
+              <a:ext uri="{FF2B5EF4-FFF2-40B4-BE49-F238E27FC236}">
+                <a16:creationId xmlns:a16="http://schemas.microsoft.com/office/drawing/2014/main" id="{E9950E19-99FB-4B05-8F44-F4F5E81BD9A7}"/>
+              </a:ext>
+            </a:extLst>
+          </p:cNvPr>
+          <p:cNvPicPr>
+            <a:picLocks noChangeAspect="1"/>
+          </p:cNvPicPr>
+          <p:nvPr/>
+        </p:nvPicPr>
+        <p:blipFill>
+          <a:blip r:embed="rId4">
+            <a:extLst>
+              <a:ext uri="{28A0092B-C50C-407E-A947-70E740481C1C}">
+                <a14:useLocalDpi xmlns:a14="http://schemas.microsoft.com/office/drawing/2010/main" val="0"/>
+              </a:ext>
+            </a:extLst>
+          </a:blip>
+          <a:stretch>
+            <a:fillRect/>
+          </a:stretch>
+        </p:blipFill>
+        <p:spPr>
+          <a:xfrm>
+            <a:off x="928493" y="2625618"/>
+            <a:ext cx="5646900" cy="3083101"/>
+          </a:xfrm>
+          <a:prstGeom prst="rect">
+            <a:avLst/>
+          </a:prstGeom>
+        </p:spPr>
+      </p:pic>
+      <p:pic>
+        <p:nvPicPr>
+          <p:cNvPr id="8" name="그림 7">
+            <a:extLst>
+              <a:ext uri="{FF2B5EF4-FFF2-40B4-BE49-F238E27FC236}">
+                <a16:creationId xmlns:a16="http://schemas.microsoft.com/office/drawing/2014/main" id="{45CB8B76-77EE-49E9-A90D-8AEE296E727C}"/>
+              </a:ext>
+            </a:extLst>
+          </p:cNvPr>
+          <p:cNvPicPr>
+            <a:picLocks noChangeAspect="1"/>
+          </p:cNvPicPr>
+          <p:nvPr/>
+        </p:nvPicPr>
+        <p:blipFill>
+          <a:blip r:embed="rId5">
+            <a:extLst>
+              <a:ext uri="{28A0092B-C50C-407E-A947-70E740481C1C}">
+                <a14:useLocalDpi xmlns:a14="http://schemas.microsoft.com/office/drawing/2010/main" val="0"/>
+              </a:ext>
+            </a:extLst>
+          </a:blip>
+          <a:stretch>
+            <a:fillRect/>
+          </a:stretch>
+        </p:blipFill>
+        <p:spPr>
+          <a:xfrm>
+            <a:off x="928493" y="2625617"/>
+            <a:ext cx="5590907" cy="3083102"/>
+          </a:xfrm>
+          <a:prstGeom prst="rect">
+            <a:avLst/>
+          </a:prstGeom>
+        </p:spPr>
+      </p:pic>
+    </p:spTree>
+    <p:extLst>
+      <p:ext uri="{BB962C8B-B14F-4D97-AF65-F5344CB8AC3E}">
+        <p14:creationId xmlns:p14="http://schemas.microsoft.com/office/powerpoint/2010/main" val="1263016254"/>
+      </p:ext>
+    </p:extLst>
+  </p:cSld>
+  <p:clrMapOvr>
+    <a:masterClrMapping/>
+  </p:clrMapOvr>
+  <mc:AlternateContent xmlns:mc="http://schemas.openxmlformats.org/markup-compatibility/2006" xmlns:p14="http://schemas.microsoft.com/office/powerpoint/2010/main">
+    <mc:Choice Requires="p14">
+      <p:transition spd="slow" p14:dur="1500">
+        <p:cover dir="u"/>
+      </p:transition>
+    </mc:Choice>
+    <mc:Fallback xmlns="">
+      <p:transition spd="slow">
+        <p:cover dir="u"/>
+      </p:transition>
+    </mc:Fallback>
+  </mc:AlternateContent>
+  <p:timing>
+    <p:tnLst>
+      <p:par>
+        <p:cTn id="1" dur="indefinite" restart="never" nodeType="tmRoot">
+          <p:childTnLst>
+            <p:seq concurrent="1" nextAc="seek">
+              <p:cTn id="2" dur="indefinite" nodeType="mainSeq">
+                <p:childTnLst>
+                  <p:par>
+                    <p:cTn id="3" fill="hold">
+                      <p:stCondLst>
+                        <p:cond delay="indefinite"/>
+                      </p:stCondLst>
+                      <p:childTnLst>
+                        <p:par>
+                          <p:cTn id="4" fill="hold">
+                            <p:stCondLst>
+                              <p:cond delay="0"/>
+                            </p:stCondLst>
+                            <p:childTnLst>
+                              <p:par>
+                                <p:cTn id="5" presetID="10" presetClass="entr" presetSubtype="0" fill="hold" nodeType="clickEffect">
+                                  <p:stCondLst>
+                                    <p:cond delay="0"/>
+                                  </p:stCondLst>
+                                  <p:childTnLst>
+                                    <p:set>
+                                      <p:cBhvr>
+                                        <p:cTn id="6" dur="1" fill="hold">
+                                          <p:stCondLst>
+                                            <p:cond delay="0"/>
+                                          </p:stCondLst>
+                                        </p:cTn>
+                                        <p:tgtEl>
+                                          <p:spTgt spid="8"/>
+                                        </p:tgtEl>
+                                        <p:attrNameLst>
+                                          <p:attrName>style.visibility</p:attrName>
+                                        </p:attrNameLst>
+                                      </p:cBhvr>
+                                      <p:to>
+                                        <p:strVal val="visible"/>
+                                      </p:to>
+                                    </p:set>
+                                    <p:animEffect transition="in" filter="fade">
+                                      <p:cBhvr>
+                                        <p:cTn id="7" dur="500"/>
+                                        <p:tgtEl>
+                                          <p:spTgt spid="8"/>
+                                        </p:tgtEl>
+                                      </p:cBhvr>
+                                    </p:animEffect>
+                                  </p:childTnLst>
+                                </p:cTn>
+                              </p:par>
+                            </p:childTnLst>
+                          </p:cTn>
+                        </p:par>
+                      </p:childTnLst>
+                    </p:cTn>
+                  </p:par>
+                </p:childTnLst>
+              </p:cTn>
+              <p:prevCondLst>
+                <p:cond evt="onPrev" delay="0">
+                  <p:tgtEl>
+                    <p:sldTgt/>
+                  </p:tgtEl>
+                </p:cond>
+              </p:prevCondLst>
+              <p:nextCondLst>
+                <p:cond evt="onNext" delay="0">
+                  <p:tgtEl>
+                    <p:sldTgt/>
+                  </p:tgtEl>
+                </p:cond>
+              </p:nextCondLst>
+            </p:seq>
+          </p:childTnLst>
+        </p:cTn>
+      </p:par>
+    </p:tnLst>
+  </p:timing>
+</p:sld>
+</file>
+
+<file path=ppt/slides/slide8.xml><?xml version="1.0" encoding="utf-8"?>
+<p:sld xmlns:a="http://schemas.openxmlformats.org/drawingml/2006/main" xmlns:r="http://schemas.openxmlformats.org/officeDocument/2006/relationships" xmlns:p="http://schemas.openxmlformats.org/presentationml/2006/main">
+  <p:cSld>
+    <p:bg>
+      <p:bgPr>
+        <a:solidFill>
+          <a:srgbClr val="6600FF"/>
+        </a:solidFill>
+        <a:effectLst/>
+      </p:bgPr>
+    </p:bg>
+    <p:spTree>
+      <p:nvGrpSpPr>
+        <p:cNvPr id="1" name=""/>
+        <p:cNvGrpSpPr/>
+        <p:nvPr/>
+      </p:nvGrpSpPr>
+      <p:grpSpPr>
+        <a:xfrm>
+          <a:off x="0" y="0"/>
+          <a:ext cx="0" cy="0"/>
+          <a:chOff x="0" y="0"/>
+          <a:chExt cx="0" cy="0"/>
+        </a:xfrm>
+      </p:grpSpPr>
+      <p:sp>
+        <p:nvSpPr>
+          <p:cNvPr id="4" name="TextBox 3">
+            <a:extLst>
+              <a:ext uri="{FF2B5EF4-FFF2-40B4-BE49-F238E27FC236}">
+                <a16:creationId xmlns:a16="http://schemas.microsoft.com/office/drawing/2014/main" id="{F3DB4813-EA22-408F-9D6D-C171CF9CEFB0}"/>
+              </a:ext>
+            </a:extLst>
+          </p:cNvPr>
+          <p:cNvSpPr txBox="1"/>
+          <p:nvPr/>
+        </p:nvSpPr>
+        <p:spPr>
+          <a:xfrm>
+            <a:off x="12229639" y="982176"/>
+            <a:ext cx="4119459" cy="1015663"/>
+          </a:xfrm>
+          <a:prstGeom prst="rect">
+            <a:avLst/>
+          </a:prstGeom>
+          <a:noFill/>
+        </p:spPr>
+        <p:txBody>
+          <a:bodyPr wrap="square" rtlCol="0">
+            <a:spAutoFit/>
+          </a:bodyPr>
+          <a:lstStyle/>
+          <a:p>
+            <a:r>
+              <a:rPr lang="ko-KR" altLang="en-US" sz="6000" dirty="0" err="1">
+                <a:solidFill>
+                  <a:schemeClr val="bg1"/>
+                </a:solidFill>
+                <a:latin typeface="DX하얀토끼B" panose="02020600000000000000" pitchFamily="18" charset="-127"/>
+                <a:ea typeface="DX하얀토끼B" panose="02020600000000000000" pitchFamily="18" charset="-127"/>
+              </a:rPr>
+              <a:t>하얀토끼</a:t>
+            </a:r>
+            <a:r>
+              <a:rPr lang="ko-KR" altLang="en-US" sz="6000" dirty="0">
+                <a:solidFill>
+                  <a:schemeClr val="bg1"/>
+                </a:solidFill>
+                <a:latin typeface="DX하얀토끼B" panose="02020600000000000000" pitchFamily="18" charset="-127"/>
+                <a:ea typeface="DX하얀토끼B" panose="02020600000000000000" pitchFamily="18" charset="-127"/>
+              </a:rPr>
+              <a:t> </a:t>
+            </a:r>
+            <a:r>
+              <a:rPr lang="en-US" altLang="ko-KR" sz="6000" dirty="0">
+                <a:solidFill>
+                  <a:schemeClr val="bg1"/>
+                </a:solidFill>
+                <a:latin typeface="DX하얀토끼B" panose="02020600000000000000" pitchFamily="18" charset="-127"/>
+                <a:ea typeface="DX하얀토끼B" panose="02020600000000000000" pitchFamily="18" charset="-127"/>
+              </a:rPr>
+              <a:t>60</a:t>
+            </a:r>
+            <a:endParaRPr lang="ko-KR" altLang="en-US" sz="6000" dirty="0">
+              <a:solidFill>
+                <a:schemeClr val="bg1"/>
+              </a:solidFill>
+              <a:latin typeface="DX하얀토끼B" panose="02020600000000000000" pitchFamily="18" charset="-127"/>
+              <a:ea typeface="DX하얀토끼B" panose="02020600000000000000" pitchFamily="18" charset="-127"/>
+            </a:endParaRPr>
+          </a:p>
+        </p:txBody>
+      </p:sp>
+      <p:sp>
+        <p:nvSpPr>
+          <p:cNvPr id="5" name="TextBox 4">
+            <a:extLst>
+              <a:ext uri="{FF2B5EF4-FFF2-40B4-BE49-F238E27FC236}">
+                <a16:creationId xmlns:a16="http://schemas.microsoft.com/office/drawing/2014/main" id="{D99695FA-ACDD-4D6E-B888-A0CAE5DB5B55}"/>
+              </a:ext>
+            </a:extLst>
+          </p:cNvPr>
+          <p:cNvSpPr txBox="1"/>
+          <p:nvPr/>
+        </p:nvSpPr>
+        <p:spPr>
+          <a:xfrm>
+            <a:off x="12192000" y="58847"/>
+            <a:ext cx="4119459" cy="707886"/>
+          </a:xfrm>
+          <a:prstGeom prst="rect">
+            <a:avLst/>
+          </a:prstGeom>
+          <a:noFill/>
+        </p:spPr>
+        <p:txBody>
+          <a:bodyPr wrap="square" rtlCol="0">
+            <a:spAutoFit/>
+          </a:bodyPr>
+          <a:lstStyle/>
+          <a:p>
+            <a:r>
+              <a:rPr lang="ko-KR" altLang="en-US" sz="4000" dirty="0" err="1">
+                <a:solidFill>
+                  <a:schemeClr val="bg1"/>
+                </a:solidFill>
+                <a:latin typeface="DX하얀토끼B" panose="02020600000000000000" pitchFamily="18" charset="-127"/>
+                <a:ea typeface="DX하얀토끼B" panose="02020600000000000000" pitchFamily="18" charset="-127"/>
+              </a:rPr>
+              <a:t>하얀토끼</a:t>
+            </a:r>
+            <a:r>
+              <a:rPr lang="ko-KR" altLang="en-US" sz="4000" dirty="0">
+                <a:solidFill>
+                  <a:schemeClr val="bg1"/>
+                </a:solidFill>
+                <a:latin typeface="DX하얀토끼B" panose="02020600000000000000" pitchFamily="18" charset="-127"/>
+                <a:ea typeface="DX하얀토끼B" panose="02020600000000000000" pitchFamily="18" charset="-127"/>
+              </a:rPr>
+              <a:t> </a:t>
+            </a:r>
+            <a:r>
+              <a:rPr lang="en-US" altLang="ko-KR" sz="4000" dirty="0">
+                <a:solidFill>
+                  <a:schemeClr val="bg1"/>
+                </a:solidFill>
+                <a:latin typeface="DX하얀토끼B" panose="02020600000000000000" pitchFamily="18" charset="-127"/>
+                <a:ea typeface="DX하얀토끼B" panose="02020600000000000000" pitchFamily="18" charset="-127"/>
+              </a:rPr>
+              <a:t>40</a:t>
+            </a:r>
+            <a:endParaRPr lang="ko-KR" altLang="en-US" sz="4000" dirty="0">
+              <a:solidFill>
+                <a:schemeClr val="bg1"/>
+              </a:solidFill>
+              <a:latin typeface="DX하얀토끼B" panose="02020600000000000000" pitchFamily="18" charset="-127"/>
+              <a:ea typeface="DX하얀토끼B" panose="02020600000000000000" pitchFamily="18" charset="-127"/>
+            </a:endParaRPr>
+          </a:p>
+        </p:txBody>
+      </p:sp>
+      <p:sp>
+        <p:nvSpPr>
+          <p:cNvPr id="9" name="사각형: 둥근 모서리 8">
+            <a:extLst>
+              <a:ext uri="{FF2B5EF4-FFF2-40B4-BE49-F238E27FC236}">
+                <a16:creationId xmlns:a16="http://schemas.microsoft.com/office/drawing/2014/main" id="{360DA82F-D5EF-4C52-8906-58ACE0C99BAA}"/>
+              </a:ext>
+            </a:extLst>
+          </p:cNvPr>
+          <p:cNvSpPr/>
+          <p:nvPr/>
+        </p:nvSpPr>
+        <p:spPr>
+          <a:xfrm>
+            <a:off x="320161" y="305279"/>
+            <a:ext cx="11493620" cy="1353793"/>
+          </a:xfrm>
+          <a:prstGeom prst="roundRect">
+            <a:avLst/>
+          </a:prstGeom>
+          <a:solidFill>
+            <a:srgbClr val="6666FF"/>
+          </a:solidFill>
+          <a:ln>
+            <a:noFill/>
+          </a:ln>
+        </p:spPr>
+        <p:style>
+          <a:lnRef idx="2">
+            <a:schemeClr val="accent1">
+              <a:shade val="50000"/>
+            </a:schemeClr>
+          </a:lnRef>
+          <a:fillRef idx="1">
+            <a:schemeClr val="accent1"/>
+          </a:fillRef>
+          <a:effectRef idx="0">
+            <a:schemeClr val="accent1"/>
+          </a:effectRef>
+          <a:fontRef idx="minor">
+            <a:schemeClr val="lt1"/>
+          </a:fontRef>
+        </p:style>
+        <p:txBody>
+          <a:bodyPr rtlCol="0" anchor="ctr"/>
+          <a:lstStyle/>
+          <a:p>
+            <a:pPr algn="ctr"/>
+            <a:endParaRPr lang="ko-KR" altLang="en-US"/>
+          </a:p>
+        </p:txBody>
+      </p:sp>
+      <p:sp>
+        <p:nvSpPr>
+          <p:cNvPr id="35" name="TextBox 34">
+            <a:extLst>
+              <a:ext uri="{FF2B5EF4-FFF2-40B4-BE49-F238E27FC236}">
+                <a16:creationId xmlns:a16="http://schemas.microsoft.com/office/drawing/2014/main" id="{E96DE965-44DB-4D81-84E9-C2A0098DF4F8}"/>
+              </a:ext>
+            </a:extLst>
+          </p:cNvPr>
+          <p:cNvSpPr txBox="1"/>
+          <p:nvPr/>
+        </p:nvSpPr>
+        <p:spPr>
+          <a:xfrm>
+            <a:off x="1976541" y="628232"/>
+            <a:ext cx="4119459" cy="707886"/>
+          </a:xfrm>
+          <a:prstGeom prst="rect">
+            <a:avLst/>
+          </a:prstGeom>
+          <a:noFill/>
+        </p:spPr>
+        <p:txBody>
+          <a:bodyPr wrap="square" rtlCol="0">
+            <a:spAutoFit/>
+          </a:bodyPr>
+          <a:lstStyle/>
+          <a:p>
+            <a:r>
+              <a:rPr lang="ko-KR" altLang="en-US" sz="4000" dirty="0">
+                <a:solidFill>
+                  <a:schemeClr val="bg1"/>
+                </a:solidFill>
+                <a:latin typeface="DX하얀토끼B" panose="02020600000000000000" pitchFamily="18" charset="-127"/>
+                <a:ea typeface="DX하얀토끼B" panose="02020600000000000000" pitchFamily="18" charset="-127"/>
+              </a:rPr>
+              <a:t>끝</a:t>
+            </a:r>
+            <a:r>
+              <a:rPr lang="en-US" altLang="ko-KR" sz="4000" dirty="0">
+                <a:solidFill>
+                  <a:schemeClr val="bg1"/>
+                </a:solidFill>
+                <a:latin typeface="DX하얀토끼B" panose="02020600000000000000" pitchFamily="18" charset="-127"/>
+                <a:ea typeface="DX하얀토끼B" panose="02020600000000000000" pitchFamily="18" charset="-127"/>
+              </a:rPr>
+              <a:t>. </a:t>
+            </a:r>
+            <a:r>
+              <a:rPr lang="ko-KR" altLang="en-US" sz="4000" dirty="0">
+                <a:solidFill>
+                  <a:schemeClr val="bg1"/>
+                </a:solidFill>
+                <a:latin typeface="DX하얀토끼B" panose="02020600000000000000" pitchFamily="18" charset="-127"/>
+                <a:ea typeface="DX하얀토끼B" panose="02020600000000000000" pitchFamily="18" charset="-127"/>
+              </a:rPr>
+              <a:t>느낀 점</a:t>
+            </a:r>
+          </a:p>
+        </p:txBody>
+      </p:sp>
+      <p:sp>
+        <p:nvSpPr>
+          <p:cNvPr id="37" name="TextBox 36">
+            <a:extLst>
+              <a:ext uri="{FF2B5EF4-FFF2-40B4-BE49-F238E27FC236}">
+                <a16:creationId xmlns:a16="http://schemas.microsoft.com/office/drawing/2014/main" id="{1246D3AE-6768-4180-A45F-0ECB5646E618}"/>
+              </a:ext>
+            </a:extLst>
+          </p:cNvPr>
+          <p:cNvSpPr txBox="1"/>
+          <p:nvPr/>
+        </p:nvSpPr>
+        <p:spPr>
+          <a:xfrm>
+            <a:off x="758963" y="1997839"/>
+            <a:ext cx="10054349" cy="1323439"/>
+          </a:xfrm>
+          <a:prstGeom prst="rect">
+            <a:avLst/>
+          </a:prstGeom>
+          <a:noFill/>
+        </p:spPr>
+        <p:txBody>
+          <a:bodyPr wrap="square" rtlCol="0">
+            <a:spAutoFit/>
+          </a:bodyPr>
+          <a:lstStyle/>
+          <a:p>
+            <a:r>
+              <a:rPr lang="en-US" altLang="ko-KR" sz="4000" dirty="0">
+                <a:solidFill>
+                  <a:schemeClr val="bg1"/>
+                </a:solidFill>
+                <a:latin typeface="DX하얀토끼B" panose="02020600000000000000" pitchFamily="18" charset="-127"/>
+                <a:ea typeface="DX하얀토끼B" panose="02020600000000000000" pitchFamily="18" charset="-127"/>
+              </a:rPr>
+              <a:t> - </a:t>
+            </a:r>
+            <a:r>
+              <a:rPr lang="ko-KR" altLang="en-US" sz="4000" dirty="0">
+                <a:solidFill>
+                  <a:schemeClr val="bg1"/>
+                </a:solidFill>
+                <a:latin typeface="DX하얀토끼B" panose="02020600000000000000" pitchFamily="18" charset="-127"/>
+                <a:ea typeface="DX하얀토끼B" panose="02020600000000000000" pitchFamily="18" charset="-127"/>
+              </a:rPr>
+              <a:t>내가 이번 프로젝트에서 기여한 것은 거의 없긴 하지만 이번 계기로 </a:t>
+            </a:r>
+            <a:r>
+              <a:rPr lang="en-US" altLang="ko-KR" sz="4000" dirty="0">
+                <a:solidFill>
+                  <a:schemeClr val="bg1"/>
+                </a:solidFill>
+                <a:latin typeface="DX하얀토끼B" panose="02020600000000000000" pitchFamily="18" charset="-127"/>
+                <a:ea typeface="DX하얀토끼B" panose="02020600000000000000" pitchFamily="18" charset="-127"/>
+              </a:rPr>
+              <a:t>JS</a:t>
+            </a:r>
+            <a:r>
+              <a:rPr lang="ko-KR" altLang="en-US" sz="4000" dirty="0">
+                <a:solidFill>
+                  <a:schemeClr val="bg1"/>
+                </a:solidFill>
+                <a:latin typeface="DX하얀토끼B" panose="02020600000000000000" pitchFamily="18" charset="-127"/>
+                <a:ea typeface="DX하얀토끼B" panose="02020600000000000000" pitchFamily="18" charset="-127"/>
+              </a:rPr>
+              <a:t>에 대한 학구열을 느낄 수 있었다</a:t>
+            </a:r>
+            <a:r>
+              <a:rPr lang="en-US" altLang="ko-KR" sz="4000" dirty="0">
+                <a:solidFill>
+                  <a:schemeClr val="bg1"/>
+                </a:solidFill>
+                <a:latin typeface="DX하얀토끼B" panose="02020600000000000000" pitchFamily="18" charset="-127"/>
+                <a:ea typeface="DX하얀토끼B" panose="02020600000000000000" pitchFamily="18" charset="-127"/>
+              </a:rPr>
+              <a:t>.</a:t>
+            </a:r>
+            <a:endParaRPr lang="ko-KR" altLang="en-US" sz="4000" dirty="0">
+              <a:solidFill>
+                <a:schemeClr val="bg1"/>
+              </a:solidFill>
+              <a:latin typeface="DX하얀토끼B" panose="02020600000000000000" pitchFamily="18" charset="-127"/>
+              <a:ea typeface="DX하얀토끼B" panose="02020600000000000000" pitchFamily="18" charset="-127"/>
+            </a:endParaRPr>
+          </a:p>
+        </p:txBody>
+      </p:sp>
+      <p:pic>
+        <p:nvPicPr>
+          <p:cNvPr id="11" name="그래픽 10">
+            <a:extLst>
+              <a:ext uri="{FF2B5EF4-FFF2-40B4-BE49-F238E27FC236}">
+                <a16:creationId xmlns:a16="http://schemas.microsoft.com/office/drawing/2014/main" id="{11D11AD5-037A-4C2B-A121-FF195345660C}"/>
+              </a:ext>
+            </a:extLst>
+          </p:cNvPr>
+          <p:cNvPicPr>
+            <a:picLocks noChangeAspect="1"/>
+          </p:cNvPicPr>
+          <p:nvPr/>
+        </p:nvPicPr>
+        <p:blipFill>
+          <a:blip r:embed="rId2">
+            <a:extLst>
+              <a:ext uri="{28A0092B-C50C-407E-A947-70E740481C1C}">
+                <a14:useLocalDpi xmlns:a14="http://schemas.microsoft.com/office/drawing/2010/main" val="0"/>
+              </a:ext>
+              <a:ext uri="{96DAC541-7B7A-43D3-8B79-37D633B846F1}">
+                <asvg:svgBlip xmlns:asvg="http://schemas.microsoft.com/office/drawing/2016/SVG/main" r:embed="rId3"/>
+              </a:ext>
+            </a:extLst>
+          </a:blip>
+          <a:stretch>
+            <a:fillRect/>
+          </a:stretch>
+        </p:blipFill>
+        <p:spPr>
+          <a:xfrm>
+            <a:off x="571408" y="412790"/>
+            <a:ext cx="1153886" cy="1153886"/>
+          </a:xfrm>
+          <a:prstGeom prst="rect">
+            <a:avLst/>
+          </a:prstGeom>
+        </p:spPr>
+      </p:pic>
+      <p:sp>
+        <p:nvSpPr>
+          <p:cNvPr id="12" name="TextBox 11">
+            <a:extLst>
+              <a:ext uri="{FF2B5EF4-FFF2-40B4-BE49-F238E27FC236}">
+                <a16:creationId xmlns:a16="http://schemas.microsoft.com/office/drawing/2014/main" id="{EE577D78-4718-493C-90E0-A5432B3AEF87}"/>
+              </a:ext>
+            </a:extLst>
+          </p:cNvPr>
+          <p:cNvSpPr txBox="1"/>
+          <p:nvPr/>
+        </p:nvSpPr>
+        <p:spPr>
+          <a:xfrm>
+            <a:off x="758963" y="3536723"/>
+            <a:ext cx="10054349" cy="3170099"/>
+          </a:xfrm>
+          <a:prstGeom prst="rect">
+            <a:avLst/>
+          </a:prstGeom>
+          <a:noFill/>
+        </p:spPr>
+        <p:txBody>
+          <a:bodyPr wrap="square" rtlCol="0">
+            <a:spAutoFit/>
+          </a:bodyPr>
+          <a:lstStyle/>
+          <a:p>
+            <a:r>
+              <a:rPr lang="en-US" altLang="ko-KR" sz="4000" dirty="0">
+                <a:solidFill>
+                  <a:schemeClr val="bg1"/>
+                </a:solidFill>
+                <a:latin typeface="DX하얀토끼B" panose="02020600000000000000" pitchFamily="18" charset="-127"/>
+                <a:ea typeface="DX하얀토끼B" panose="02020600000000000000" pitchFamily="18" charset="-127"/>
+              </a:rPr>
+              <a:t> - CSS</a:t>
+            </a:r>
+            <a:r>
+              <a:rPr lang="ko-KR" altLang="en-US" sz="4000" dirty="0">
+                <a:solidFill>
+                  <a:schemeClr val="bg1"/>
+                </a:solidFill>
+                <a:latin typeface="DX하얀토끼B" panose="02020600000000000000" pitchFamily="18" charset="-127"/>
+                <a:ea typeface="DX하얀토끼B" panose="02020600000000000000" pitchFamily="18" charset="-127"/>
+              </a:rPr>
+              <a:t>작성에는 크게 적성에 맞지 않다고 느끼고 있었지만 이 기회를 통해 실력을 크게 늘렸다</a:t>
+            </a:r>
+            <a:r>
+              <a:rPr lang="en-US" altLang="ko-KR" sz="4000" dirty="0">
+                <a:solidFill>
+                  <a:schemeClr val="bg1"/>
+                </a:solidFill>
+                <a:latin typeface="DX하얀토끼B" panose="02020600000000000000" pitchFamily="18" charset="-127"/>
+                <a:ea typeface="DX하얀토끼B" panose="02020600000000000000" pitchFamily="18" charset="-127"/>
+              </a:rPr>
+              <a:t>. </a:t>
+            </a:r>
+            <a:r>
+              <a:rPr lang="ko-KR" altLang="en-US" sz="4000" dirty="0">
+                <a:solidFill>
+                  <a:schemeClr val="bg1"/>
+                </a:solidFill>
+                <a:latin typeface="DX하얀토끼B" panose="02020600000000000000" pitchFamily="18" charset="-127"/>
+                <a:ea typeface="DX하얀토끼B" panose="02020600000000000000" pitchFamily="18" charset="-127"/>
+              </a:rPr>
+              <a:t>또한 </a:t>
+            </a:r>
+            <a:r>
+              <a:rPr lang="en-US" altLang="ko-KR" sz="4000" dirty="0">
+                <a:solidFill>
+                  <a:schemeClr val="bg1"/>
+                </a:solidFill>
+                <a:latin typeface="DX하얀토끼B" panose="02020600000000000000" pitchFamily="18" charset="-127"/>
+                <a:ea typeface="DX하얀토끼B" panose="02020600000000000000" pitchFamily="18" charset="-127"/>
+              </a:rPr>
+              <a:t>JS</a:t>
+            </a:r>
+            <a:r>
+              <a:rPr lang="ko-KR" altLang="en-US" sz="4000" dirty="0">
+                <a:solidFill>
+                  <a:schemeClr val="bg1"/>
+                </a:solidFill>
+                <a:latin typeface="DX하얀토끼B" panose="02020600000000000000" pitchFamily="18" charset="-127"/>
+                <a:ea typeface="DX하얀토끼B" panose="02020600000000000000" pitchFamily="18" charset="-127"/>
+              </a:rPr>
+              <a:t>를 주로 다루면서 지금까지 학습해왔던 내용을 복습할 수 있었으며 완성도를 크게 올릴 수 있어서 꽤나 뿌듯했다</a:t>
+            </a:r>
+            <a:r>
+              <a:rPr lang="en-US" altLang="ko-KR" sz="4000" dirty="0">
+                <a:solidFill>
+                  <a:schemeClr val="bg1"/>
+                </a:solidFill>
+                <a:latin typeface="DX하얀토끼B" panose="02020600000000000000" pitchFamily="18" charset="-127"/>
+                <a:ea typeface="DX하얀토끼B" panose="02020600000000000000" pitchFamily="18" charset="-127"/>
+              </a:rPr>
+              <a:t>. </a:t>
+            </a:r>
+            <a:r>
+              <a:rPr lang="ko-KR" altLang="en-US" sz="4000" dirty="0">
+                <a:solidFill>
+                  <a:schemeClr val="bg1"/>
+                </a:solidFill>
+                <a:latin typeface="DX하얀토끼B" panose="02020600000000000000" pitchFamily="18" charset="-127"/>
+                <a:ea typeface="DX하얀토끼B" panose="02020600000000000000" pitchFamily="18" charset="-127"/>
+              </a:rPr>
+              <a:t>앞으로도 내가 만들고 싶은  웹페이지를 제작해보고 싶다</a:t>
+            </a:r>
+            <a:r>
+              <a:rPr lang="en-US" altLang="ko-KR" sz="4000">
+                <a:solidFill>
+                  <a:schemeClr val="bg1"/>
+                </a:solidFill>
+                <a:latin typeface="DX하얀토끼B" panose="02020600000000000000" pitchFamily="18" charset="-127"/>
+                <a:ea typeface="DX하얀토끼B" panose="02020600000000000000" pitchFamily="18" charset="-127"/>
+              </a:rPr>
+              <a:t>.</a:t>
+            </a:r>
+            <a:endParaRPr lang="ko-KR" altLang="en-US" sz="4000" dirty="0">
+              <a:solidFill>
+                <a:schemeClr val="bg1"/>
+              </a:solidFill>
+              <a:latin typeface="DX하얀토끼B" panose="02020600000000000000" pitchFamily="18" charset="-127"/>
+              <a:ea typeface="DX하얀토끼B" panose="02020600000000000000" pitchFamily="18" charset="-127"/>
+            </a:endParaRPr>
+          </a:p>
+        </p:txBody>
+      </p:sp>
+    </p:spTree>
+    <p:extLst>
+      <p:ext uri="{BB962C8B-B14F-4D97-AF65-F5344CB8AC3E}">
+        <p14:creationId xmlns:p14="http://schemas.microsoft.com/office/powerpoint/2010/main" val="3507054929"/>
+      </p:ext>
+    </p:extLst>
+  </p:cSld>
+  <p:clrMapOvr>
+    <a:masterClrMapping/>
+  </p:clrMapOvr>
+  <mc:AlternateContent xmlns:mc="http://schemas.openxmlformats.org/markup-compatibility/2006" xmlns:p14="http://schemas.microsoft.com/office/powerpoint/2010/main">
+    <mc:Choice Requires="p14">
+      <p:transition spd="slow" p14:dur="1500">
+        <p:cover dir="u"/>
+      </p:transition>
+    </mc:Choice>
+    <mc:Fallback xmlns="">
+      <p:transition spd="slow">
+        <p:cover dir="u"/>
+      </p:transition>
+    </mc:Fallback>
+  </mc:AlternateContent>
+</p:sld>
+</file>
+
+<file path=ppt/slides/slide9.xml><?xml version="1.0" encoding="utf-8"?>
 <p:sld xmlns:a="http://schemas.openxmlformats.org/drawingml/2006/main" xmlns:r="http://schemas.openxmlformats.org/officeDocument/2006/relationships" xmlns:p="http://schemas.openxmlformats.org/presentationml/2006/main">
   <p:cSld>
     <p:bg>

--- a/선린 수면 도우미 발표자료.pptx
+++ b/선린 수면 도우미 발표자료.pptx
@@ -3970,10 +3970,10 @@
         </p:nvGrpSpPr>
         <p:grpSpPr>
           <a:xfrm>
-            <a:off x="1781944" y="2071185"/>
-            <a:ext cx="10563230" cy="2728686"/>
-            <a:chOff x="3203920" y="2064657"/>
-            <a:chExt cx="10563230" cy="2728686"/>
+            <a:off x="1652554" y="2071185"/>
+            <a:ext cx="10822010" cy="2728686"/>
+            <a:chOff x="3074530" y="2064657"/>
+            <a:chExt cx="10822010" cy="2728686"/>
           </a:xfrm>
         </p:grpSpPr>
         <p:grpSp>
@@ -4164,9 +4164,9 @@
           </p:nvGrpSpPr>
           <p:grpSpPr>
             <a:xfrm>
-              <a:off x="3203920" y="2064657"/>
+              <a:off x="3074530" y="2064657"/>
               <a:ext cx="4695988" cy="2728686"/>
-              <a:chOff x="319314" y="1640114"/>
+              <a:chOff x="189924" y="1640114"/>
               <a:chExt cx="4695988" cy="2728686"/>
             </a:xfrm>
           </p:grpSpPr>
@@ -4184,9 +4184,9 @@
             </p:nvGrpSpPr>
             <p:grpSpPr>
               <a:xfrm>
-                <a:off x="319314" y="1640114"/>
+                <a:off x="189924" y="1640114"/>
                 <a:ext cx="4695988" cy="2728686"/>
-                <a:chOff x="319314" y="1640114"/>
+                <a:chOff x="189924" y="1640114"/>
                 <a:chExt cx="4695988" cy="2728686"/>
               </a:xfrm>
             </p:grpSpPr>
@@ -4204,7 +4204,7 @@
               </p:nvSpPr>
               <p:spPr>
                 <a:xfrm>
-                  <a:off x="319314" y="1640114"/>
+                  <a:off x="189924" y="1640114"/>
                   <a:ext cx="2728686" cy="2728686"/>
                 </a:xfrm>
                 <a:prstGeom prst="ellipse">
@@ -4256,7 +4256,7 @@
               </p:nvSpPr>
               <p:spPr>
                 <a:xfrm>
-                  <a:off x="895843" y="3429000"/>
+                  <a:off x="766453" y="3429000"/>
                   <a:ext cx="4119459" cy="707886"/>
                 </a:xfrm>
                 <a:prstGeom prst="rect">
@@ -4315,7 +4315,7 @@
             </p:blipFill>
             <p:spPr>
               <a:xfrm>
-                <a:off x="1106714" y="2118543"/>
+                <a:off x="977324" y="2118543"/>
                 <a:ext cx="1153886" cy="1153886"/>
               </a:xfrm>
               <a:prstGeom prst="rect">
@@ -4338,9 +4338,9 @@
           </p:nvGrpSpPr>
           <p:grpSpPr>
             <a:xfrm>
-              <a:off x="9210923" y="2064657"/>
+              <a:off x="9340313" y="2064657"/>
               <a:ext cx="4556227" cy="2728686"/>
-              <a:chOff x="319314" y="1640114"/>
+              <a:chOff x="448704" y="1640114"/>
               <a:chExt cx="4556227" cy="2728686"/>
             </a:xfrm>
           </p:grpSpPr>
@@ -4358,9 +4358,9 @@
             </p:nvGrpSpPr>
             <p:grpSpPr>
               <a:xfrm>
-                <a:off x="319314" y="1640114"/>
+                <a:off x="448704" y="1640114"/>
                 <a:ext cx="4556227" cy="2728686"/>
-                <a:chOff x="319314" y="1640114"/>
+                <a:chOff x="448704" y="1640114"/>
                 <a:chExt cx="4556227" cy="2728686"/>
               </a:xfrm>
             </p:grpSpPr>
@@ -4378,7 +4378,7 @@
               </p:nvSpPr>
               <p:spPr>
                 <a:xfrm>
-                  <a:off x="319314" y="1640114"/>
+                  <a:off x="448704" y="1640114"/>
                   <a:ext cx="2728686" cy="2728686"/>
                 </a:xfrm>
                 <a:prstGeom prst="ellipse">
@@ -4430,7 +4430,7 @@
               </p:nvSpPr>
               <p:spPr>
                 <a:xfrm>
-                  <a:off x="756082" y="3429000"/>
+                  <a:off x="885472" y="3429000"/>
                   <a:ext cx="4119459" cy="707886"/>
                 </a:xfrm>
                 <a:prstGeom prst="rect">
@@ -4509,7 +4509,7 @@
             </p:blipFill>
             <p:spPr>
               <a:xfrm>
-                <a:off x="1106714" y="2118543"/>
+                <a:off x="1236104" y="2118543"/>
                 <a:ext cx="1153886" cy="1153886"/>
               </a:xfrm>
               <a:prstGeom prst="rect">
@@ -5517,6 +5517,474 @@
           </a:prstGeom>
         </p:spPr>
       </p:pic>
+      <p:sp>
+        <p:nvSpPr>
+          <p:cNvPr id="3" name="타원 2">
+            <a:extLst>
+              <a:ext uri="{FF2B5EF4-FFF2-40B4-BE49-F238E27FC236}">
+                <a16:creationId xmlns:a16="http://schemas.microsoft.com/office/drawing/2014/main" id="{40D2C310-83D3-4D36-9348-7D1CC76DEFD6}"/>
+              </a:ext>
+            </a:extLst>
+          </p:cNvPr>
+          <p:cNvSpPr/>
+          <p:nvPr/>
+        </p:nvSpPr>
+        <p:spPr>
+          <a:xfrm>
+            <a:off x="2165230" y="3856008"/>
+            <a:ext cx="793630" cy="793630"/>
+          </a:xfrm>
+          <a:prstGeom prst="ellipse">
+            <a:avLst/>
+          </a:prstGeom>
+          <a:noFill/>
+          <a:ln w="38100">
+            <a:solidFill>
+              <a:srgbClr val="FF0000"/>
+            </a:solidFill>
+          </a:ln>
+        </p:spPr>
+        <p:style>
+          <a:lnRef idx="2">
+            <a:schemeClr val="accent1">
+              <a:shade val="50000"/>
+            </a:schemeClr>
+          </a:lnRef>
+          <a:fillRef idx="1">
+            <a:schemeClr val="accent1"/>
+          </a:fillRef>
+          <a:effectRef idx="0">
+            <a:schemeClr val="accent1"/>
+          </a:effectRef>
+          <a:fontRef idx="minor">
+            <a:schemeClr val="lt1"/>
+          </a:fontRef>
+        </p:style>
+        <p:txBody>
+          <a:bodyPr rtlCol="0" anchor="ctr"/>
+          <a:lstStyle/>
+          <a:p>
+            <a:pPr algn="ctr"/>
+            <a:endParaRPr lang="ko-KR" altLang="en-US"/>
+          </a:p>
+        </p:txBody>
+      </p:sp>
+      <p:sp>
+        <p:nvSpPr>
+          <p:cNvPr id="11" name="TextBox 10">
+            <a:extLst>
+              <a:ext uri="{FF2B5EF4-FFF2-40B4-BE49-F238E27FC236}">
+                <a16:creationId xmlns:a16="http://schemas.microsoft.com/office/drawing/2014/main" id="{8D045F29-F940-4449-90DC-49CBDCED9E72}"/>
+              </a:ext>
+            </a:extLst>
+          </p:cNvPr>
+          <p:cNvSpPr txBox="1"/>
+          <p:nvPr/>
+        </p:nvSpPr>
+        <p:spPr>
+          <a:xfrm>
+            <a:off x="571408" y="5875824"/>
+            <a:ext cx="2154960" cy="923330"/>
+          </a:xfrm>
+          <a:prstGeom prst="rect">
+            <a:avLst/>
+          </a:prstGeom>
+          <a:noFill/>
+        </p:spPr>
+        <p:txBody>
+          <a:bodyPr wrap="square" rtlCol="0">
+            <a:spAutoFit/>
+          </a:bodyPr>
+          <a:lstStyle/>
+          <a:p>
+            <a:r>
+              <a:rPr lang="ko-KR" altLang="en-US" dirty="0">
+                <a:solidFill>
+                  <a:schemeClr val="bg1"/>
+                </a:solidFill>
+                <a:latin typeface="DX하얀토끼B" panose="02020600000000000000" pitchFamily="18" charset="-127"/>
+                <a:ea typeface="DX하얀토끼B" panose="02020600000000000000" pitchFamily="18" charset="-127"/>
+              </a:rPr>
+              <a:t>현재시각을 기준으로 쾌적하게 기상할 수 있는 시각을 알려줍니다</a:t>
+            </a:r>
+            <a:r>
+              <a:rPr lang="en-US" altLang="ko-KR" dirty="0">
+                <a:solidFill>
+                  <a:schemeClr val="bg1"/>
+                </a:solidFill>
+                <a:latin typeface="DX하얀토끼B" panose="02020600000000000000" pitchFamily="18" charset="-127"/>
+                <a:ea typeface="DX하얀토끼B" panose="02020600000000000000" pitchFamily="18" charset="-127"/>
+              </a:rPr>
+              <a:t>.</a:t>
+            </a:r>
+            <a:endParaRPr lang="ko-KR" altLang="en-US" dirty="0">
+              <a:solidFill>
+                <a:schemeClr val="bg1"/>
+              </a:solidFill>
+              <a:latin typeface="DX하얀토끼B" panose="02020600000000000000" pitchFamily="18" charset="-127"/>
+              <a:ea typeface="DX하얀토끼B" panose="02020600000000000000" pitchFamily="18" charset="-127"/>
+            </a:endParaRPr>
+          </a:p>
+        </p:txBody>
+      </p:sp>
+      <p:sp>
+        <p:nvSpPr>
+          <p:cNvPr id="15" name="타원 14">
+            <a:extLst>
+              <a:ext uri="{FF2B5EF4-FFF2-40B4-BE49-F238E27FC236}">
+                <a16:creationId xmlns:a16="http://schemas.microsoft.com/office/drawing/2014/main" id="{2BBDDB92-8656-496D-95F7-AE495EE40E6A}"/>
+              </a:ext>
+            </a:extLst>
+          </p:cNvPr>
+          <p:cNvSpPr/>
+          <p:nvPr/>
+        </p:nvSpPr>
+        <p:spPr>
+          <a:xfrm>
+            <a:off x="3355128" y="3856008"/>
+            <a:ext cx="793630" cy="793630"/>
+          </a:xfrm>
+          <a:prstGeom prst="ellipse">
+            <a:avLst/>
+          </a:prstGeom>
+          <a:noFill/>
+          <a:ln w="38100">
+            <a:solidFill>
+              <a:srgbClr val="FF0000"/>
+            </a:solidFill>
+          </a:ln>
+        </p:spPr>
+        <p:style>
+          <a:lnRef idx="2">
+            <a:schemeClr val="accent1">
+              <a:shade val="50000"/>
+            </a:schemeClr>
+          </a:lnRef>
+          <a:fillRef idx="1">
+            <a:schemeClr val="accent1"/>
+          </a:fillRef>
+          <a:effectRef idx="0">
+            <a:schemeClr val="accent1"/>
+          </a:effectRef>
+          <a:fontRef idx="minor">
+            <a:schemeClr val="lt1"/>
+          </a:fontRef>
+        </p:style>
+        <p:txBody>
+          <a:bodyPr rtlCol="0" anchor="ctr"/>
+          <a:lstStyle/>
+          <a:p>
+            <a:pPr algn="ctr"/>
+            <a:endParaRPr lang="ko-KR" altLang="en-US"/>
+          </a:p>
+        </p:txBody>
+      </p:sp>
+      <p:sp>
+        <p:nvSpPr>
+          <p:cNvPr id="16" name="TextBox 15">
+            <a:extLst>
+              <a:ext uri="{FF2B5EF4-FFF2-40B4-BE49-F238E27FC236}">
+                <a16:creationId xmlns:a16="http://schemas.microsoft.com/office/drawing/2014/main" id="{97AFB271-AE16-452B-933B-3D1E09747773}"/>
+              </a:ext>
+            </a:extLst>
+          </p:cNvPr>
+          <p:cNvSpPr txBox="1"/>
+          <p:nvPr/>
+        </p:nvSpPr>
+        <p:spPr>
+          <a:xfrm>
+            <a:off x="3071278" y="5875824"/>
+            <a:ext cx="2154960" cy="923330"/>
+          </a:xfrm>
+          <a:prstGeom prst="rect">
+            <a:avLst/>
+          </a:prstGeom>
+          <a:noFill/>
+        </p:spPr>
+        <p:txBody>
+          <a:bodyPr wrap="square" rtlCol="0">
+            <a:spAutoFit/>
+          </a:bodyPr>
+          <a:lstStyle/>
+          <a:p>
+            <a:r>
+              <a:rPr lang="ko-KR" altLang="en-US" dirty="0">
+                <a:solidFill>
+                  <a:schemeClr val="bg1"/>
+                </a:solidFill>
+                <a:latin typeface="DX하얀토끼B" panose="02020600000000000000" pitchFamily="18" charset="-127"/>
+                <a:ea typeface="DX하얀토끼B" panose="02020600000000000000" pitchFamily="18" charset="-127"/>
+              </a:rPr>
+              <a:t>기상시각을 입력 받아 쾌적하게 일어 일어날 수 있는 시각을 알려줍니다</a:t>
+            </a:r>
+            <a:r>
+              <a:rPr lang="en-US" altLang="ko-KR" dirty="0">
+                <a:solidFill>
+                  <a:schemeClr val="bg1"/>
+                </a:solidFill>
+                <a:latin typeface="DX하얀토끼B" panose="02020600000000000000" pitchFamily="18" charset="-127"/>
+                <a:ea typeface="DX하얀토끼B" panose="02020600000000000000" pitchFamily="18" charset="-127"/>
+              </a:rPr>
+              <a:t>.</a:t>
+            </a:r>
+            <a:endParaRPr lang="ko-KR" altLang="en-US" dirty="0">
+              <a:solidFill>
+                <a:schemeClr val="bg1"/>
+              </a:solidFill>
+              <a:latin typeface="DX하얀토끼B" panose="02020600000000000000" pitchFamily="18" charset="-127"/>
+              <a:ea typeface="DX하얀토끼B" panose="02020600000000000000" pitchFamily="18" charset="-127"/>
+            </a:endParaRPr>
+          </a:p>
+        </p:txBody>
+      </p:sp>
+      <p:cxnSp>
+        <p:nvCxnSpPr>
+          <p:cNvPr id="8" name="연결선: 꺾임 7">
+            <a:extLst>
+              <a:ext uri="{FF2B5EF4-FFF2-40B4-BE49-F238E27FC236}">
+                <a16:creationId xmlns:a16="http://schemas.microsoft.com/office/drawing/2014/main" id="{F26BA487-E1DD-433C-AB16-51DCD9E08576}"/>
+              </a:ext>
+            </a:extLst>
+          </p:cNvPr>
+          <p:cNvCxnSpPr>
+            <a:stCxn id="3" idx="2"/>
+            <a:endCxn id="11" idx="0"/>
+          </p:cNvCxnSpPr>
+          <p:nvPr/>
+        </p:nvCxnSpPr>
+        <p:spPr>
+          <a:xfrm rot="10800000" flipV="1">
+            <a:off x="1648888" y="4252822"/>
+            <a:ext cx="516342" cy="1623001"/>
+          </a:xfrm>
+          <a:prstGeom prst="bentConnector2">
+            <a:avLst/>
+          </a:prstGeom>
+          <a:ln w="38100">
+            <a:solidFill>
+              <a:srgbClr val="FF0000"/>
+            </a:solidFill>
+          </a:ln>
+        </p:spPr>
+        <p:style>
+          <a:lnRef idx="1">
+            <a:schemeClr val="accent1"/>
+          </a:lnRef>
+          <a:fillRef idx="0">
+            <a:schemeClr val="accent1"/>
+          </a:fillRef>
+          <a:effectRef idx="0">
+            <a:schemeClr val="accent1"/>
+          </a:effectRef>
+          <a:fontRef idx="minor">
+            <a:schemeClr val="tx1"/>
+          </a:fontRef>
+        </p:style>
+      </p:cxnSp>
+      <p:cxnSp>
+        <p:nvCxnSpPr>
+          <p:cNvPr id="19" name="연결선: 꺾임 18">
+            <a:extLst>
+              <a:ext uri="{FF2B5EF4-FFF2-40B4-BE49-F238E27FC236}">
+                <a16:creationId xmlns:a16="http://schemas.microsoft.com/office/drawing/2014/main" id="{6BEB360D-F13C-43A4-B27D-8913D65F2EC3}"/>
+              </a:ext>
+            </a:extLst>
+          </p:cNvPr>
+          <p:cNvCxnSpPr>
+            <a:cxnSpLocks/>
+            <a:stCxn id="15" idx="4"/>
+            <a:endCxn id="16" idx="0"/>
+          </p:cNvCxnSpPr>
+          <p:nvPr/>
+        </p:nvCxnSpPr>
+        <p:spPr>
+          <a:xfrm rot="16200000" flipH="1">
+            <a:off x="3337257" y="5064323"/>
+            <a:ext cx="1226186" cy="396815"/>
+          </a:xfrm>
+          <a:prstGeom prst="bentConnector3">
+            <a:avLst>
+              <a:gd name="adj1" fmla="val 50000"/>
+            </a:avLst>
+          </a:prstGeom>
+          <a:ln w="38100">
+            <a:solidFill>
+              <a:srgbClr val="FF0000"/>
+            </a:solidFill>
+          </a:ln>
+        </p:spPr>
+        <p:style>
+          <a:lnRef idx="1">
+            <a:schemeClr val="accent1"/>
+          </a:lnRef>
+          <a:fillRef idx="0">
+            <a:schemeClr val="accent1"/>
+          </a:fillRef>
+          <a:effectRef idx="0">
+            <a:schemeClr val="accent1"/>
+          </a:effectRef>
+          <a:fontRef idx="minor">
+            <a:schemeClr val="tx1"/>
+          </a:fontRef>
+        </p:style>
+      </p:cxnSp>
+      <p:sp>
+        <p:nvSpPr>
+          <p:cNvPr id="22" name="타원 21">
+            <a:extLst>
+              <a:ext uri="{FF2B5EF4-FFF2-40B4-BE49-F238E27FC236}">
+                <a16:creationId xmlns:a16="http://schemas.microsoft.com/office/drawing/2014/main" id="{007C7712-3938-4BA6-92CC-C96E919C3189}"/>
+              </a:ext>
+            </a:extLst>
+          </p:cNvPr>
+          <p:cNvSpPr/>
+          <p:nvPr/>
+        </p:nvSpPr>
+        <p:spPr>
+          <a:xfrm>
+            <a:off x="4545026" y="3856008"/>
+            <a:ext cx="793630" cy="793630"/>
+          </a:xfrm>
+          <a:prstGeom prst="ellipse">
+            <a:avLst/>
+          </a:prstGeom>
+          <a:noFill/>
+          <a:ln w="38100">
+            <a:solidFill>
+              <a:srgbClr val="FF0000"/>
+            </a:solidFill>
+          </a:ln>
+        </p:spPr>
+        <p:style>
+          <a:lnRef idx="2">
+            <a:schemeClr val="accent1">
+              <a:shade val="50000"/>
+            </a:schemeClr>
+          </a:lnRef>
+          <a:fillRef idx="1">
+            <a:schemeClr val="accent1"/>
+          </a:fillRef>
+          <a:effectRef idx="0">
+            <a:schemeClr val="accent1"/>
+          </a:effectRef>
+          <a:fontRef idx="minor">
+            <a:schemeClr val="lt1"/>
+          </a:fontRef>
+        </p:style>
+        <p:txBody>
+          <a:bodyPr rtlCol="0" anchor="ctr"/>
+          <a:lstStyle/>
+          <a:p>
+            <a:pPr algn="ctr"/>
+            <a:endParaRPr lang="ko-KR" altLang="en-US"/>
+          </a:p>
+        </p:txBody>
+      </p:sp>
+      <p:cxnSp>
+        <p:nvCxnSpPr>
+          <p:cNvPr id="23" name="연결선: 꺾임 22">
+            <a:extLst>
+              <a:ext uri="{FF2B5EF4-FFF2-40B4-BE49-F238E27FC236}">
+                <a16:creationId xmlns:a16="http://schemas.microsoft.com/office/drawing/2014/main" id="{6D82A1F4-1E58-403B-A5E3-E3D7875DA62A}"/>
+              </a:ext>
+            </a:extLst>
+          </p:cNvPr>
+          <p:cNvCxnSpPr>
+            <a:cxnSpLocks/>
+            <a:stCxn id="22" idx="4"/>
+            <a:endCxn id="28" idx="0"/>
+          </p:cNvCxnSpPr>
+          <p:nvPr/>
+        </p:nvCxnSpPr>
+        <p:spPr>
+          <a:xfrm rot="16200000" flipH="1">
+            <a:off x="5080809" y="4510669"/>
+            <a:ext cx="1226185" cy="1504121"/>
+          </a:xfrm>
+          <a:prstGeom prst="bentConnector3">
+            <a:avLst>
+              <a:gd name="adj1" fmla="val 50000"/>
+            </a:avLst>
+          </a:prstGeom>
+          <a:ln w="38100">
+            <a:solidFill>
+              <a:srgbClr val="FF0000"/>
+            </a:solidFill>
+          </a:ln>
+        </p:spPr>
+        <p:style>
+          <a:lnRef idx="1">
+            <a:schemeClr val="accent1"/>
+          </a:lnRef>
+          <a:fillRef idx="0">
+            <a:schemeClr val="accent1"/>
+          </a:fillRef>
+          <a:effectRef idx="0">
+            <a:schemeClr val="accent1"/>
+          </a:effectRef>
+          <a:fontRef idx="minor">
+            <a:schemeClr val="tx1"/>
+          </a:fontRef>
+        </p:style>
+      </p:cxnSp>
+      <p:sp>
+        <p:nvSpPr>
+          <p:cNvPr id="28" name="TextBox 27">
+            <a:extLst>
+              <a:ext uri="{FF2B5EF4-FFF2-40B4-BE49-F238E27FC236}">
+                <a16:creationId xmlns:a16="http://schemas.microsoft.com/office/drawing/2014/main" id="{D1204964-7C06-4085-A740-16039006D4C4}"/>
+              </a:ext>
+            </a:extLst>
+          </p:cNvPr>
+          <p:cNvSpPr txBox="1"/>
+          <p:nvPr/>
+        </p:nvSpPr>
+        <p:spPr>
+          <a:xfrm>
+            <a:off x="5368482" y="5875823"/>
+            <a:ext cx="2154960" cy="923330"/>
+          </a:xfrm>
+          <a:prstGeom prst="rect">
+            <a:avLst/>
+          </a:prstGeom>
+          <a:noFill/>
+        </p:spPr>
+        <p:txBody>
+          <a:bodyPr wrap="square" rtlCol="0">
+            <a:spAutoFit/>
+          </a:bodyPr>
+          <a:lstStyle/>
+          <a:p>
+            <a:r>
+              <a:rPr lang="ko-KR" altLang="en-US" dirty="0">
+                <a:solidFill>
+                  <a:schemeClr val="bg1"/>
+                </a:solidFill>
+                <a:latin typeface="DX하얀토끼B" panose="02020600000000000000" pitchFamily="18" charset="-127"/>
+                <a:ea typeface="DX하얀토끼B" panose="02020600000000000000" pitchFamily="18" charset="-127"/>
+              </a:rPr>
+              <a:t>수면을 취할 시간을 입력하면 쾌적하게 일어날 수 있는 시각을 알려줍니다</a:t>
+            </a:r>
+            <a:r>
+              <a:rPr lang="en-US" altLang="ko-KR" dirty="0">
+                <a:solidFill>
+                  <a:schemeClr val="bg1"/>
+                </a:solidFill>
+                <a:latin typeface="DX하얀토끼B" panose="02020600000000000000" pitchFamily="18" charset="-127"/>
+                <a:ea typeface="DX하얀토끼B" panose="02020600000000000000" pitchFamily="18" charset="-127"/>
+              </a:rPr>
+              <a:t>.</a:t>
+            </a:r>
+            <a:endParaRPr lang="ko-KR" altLang="en-US" dirty="0">
+              <a:solidFill>
+                <a:schemeClr val="bg1"/>
+              </a:solidFill>
+              <a:latin typeface="DX하얀토끼B" panose="02020600000000000000" pitchFamily="18" charset="-127"/>
+              <a:ea typeface="DX하얀토끼B" panose="02020600000000000000" pitchFamily="18" charset="-127"/>
+            </a:endParaRPr>
+          </a:p>
+        </p:txBody>
+      </p:sp>
     </p:spTree>
     <p:extLst>
       <p:ext uri="{BB962C8B-B14F-4D97-AF65-F5344CB8AC3E}">
@@ -5961,10 +6429,10 @@
       </p:pic>
       <p:pic>
         <p:nvPicPr>
-          <p:cNvPr id="6" name="그림 5">
-            <a:extLst>
-              <a:ext uri="{FF2B5EF4-FFF2-40B4-BE49-F238E27FC236}">
-                <a16:creationId xmlns:a16="http://schemas.microsoft.com/office/drawing/2014/main" id="{89DE7150-E8CC-4F4E-824F-EFE292B9B499}"/>
+          <p:cNvPr id="32" name="그림 31">
+            <a:extLst>
+              <a:ext uri="{FF2B5EF4-FFF2-40B4-BE49-F238E27FC236}">
+                <a16:creationId xmlns:a16="http://schemas.microsoft.com/office/drawing/2014/main" id="{DC5A892B-2A9D-4BAD-B108-D490888072AB}"/>
               </a:ext>
             </a:extLst>
           </p:cNvPr>
@@ -5987,50 +6455,485 @@
         </p:blipFill>
         <p:spPr>
           <a:xfrm>
-            <a:off x="888535" y="2599656"/>
-            <a:ext cx="5726815" cy="3135026"/>
+            <a:off x="906644" y="2611335"/>
+            <a:ext cx="5690598" cy="3111667"/>
           </a:xfrm>
           <a:prstGeom prst="rect">
             <a:avLst/>
           </a:prstGeom>
         </p:spPr>
       </p:pic>
-      <p:pic>
-        <p:nvPicPr>
-          <p:cNvPr id="8" name="그림 7">
-            <a:extLst>
-              <a:ext uri="{FF2B5EF4-FFF2-40B4-BE49-F238E27FC236}">
-                <a16:creationId xmlns:a16="http://schemas.microsoft.com/office/drawing/2014/main" id="{31CF33E8-3DC9-4716-A82E-5CDA9253A0AF}"/>
-              </a:ext>
-            </a:extLst>
-          </p:cNvPr>
-          <p:cNvPicPr>
-            <a:picLocks noChangeAspect="1"/>
-          </p:cNvPicPr>
+      <p:sp>
+        <p:nvSpPr>
+          <p:cNvPr id="11" name="타원 10">
+            <a:extLst>
+              <a:ext uri="{FF2B5EF4-FFF2-40B4-BE49-F238E27FC236}">
+                <a16:creationId xmlns:a16="http://schemas.microsoft.com/office/drawing/2014/main" id="{886CE218-9092-4C7B-9BC0-ED6E1626F0A3}"/>
+              </a:ext>
+            </a:extLst>
+          </p:cNvPr>
+          <p:cNvSpPr/>
           <p:nvPr/>
-        </p:nvPicPr>
-        <p:blipFill>
-          <a:blip r:embed="rId5">
-            <a:extLst>
-              <a:ext uri="{28A0092B-C50C-407E-A947-70E740481C1C}">
-                <a14:useLocalDpi xmlns:a14="http://schemas.microsoft.com/office/drawing/2010/main" val="0"/>
-              </a:ext>
-            </a:extLst>
-          </a:blip>
-          <a:stretch>
-            <a:fillRect/>
-          </a:stretch>
-        </p:blipFill>
+        </p:nvSpPr>
         <p:spPr>
           <a:xfrm>
-            <a:off x="925876" y="2599656"/>
-            <a:ext cx="5650488" cy="3108179"/>
+            <a:off x="1001449" y="2625399"/>
+            <a:ext cx="497227" cy="497227"/>
+          </a:xfrm>
+          <a:prstGeom prst="ellipse">
+            <a:avLst/>
+          </a:prstGeom>
+          <a:noFill/>
+          <a:ln w="38100">
+            <a:solidFill>
+              <a:srgbClr val="FF0000"/>
+            </a:solidFill>
+          </a:ln>
+        </p:spPr>
+        <p:style>
+          <a:lnRef idx="2">
+            <a:schemeClr val="accent1">
+              <a:shade val="50000"/>
+            </a:schemeClr>
+          </a:lnRef>
+          <a:fillRef idx="1">
+            <a:schemeClr val="accent1"/>
+          </a:fillRef>
+          <a:effectRef idx="0">
+            <a:schemeClr val="accent1"/>
+          </a:effectRef>
+          <a:fontRef idx="minor">
+            <a:schemeClr val="lt1"/>
+          </a:fontRef>
+        </p:style>
+        <p:txBody>
+          <a:bodyPr rtlCol="0" anchor="ctr"/>
+          <a:lstStyle/>
+          <a:p>
+            <a:pPr algn="ctr"/>
+            <a:endParaRPr lang="ko-KR" altLang="en-US"/>
+          </a:p>
+        </p:txBody>
+      </p:sp>
+      <p:sp>
+        <p:nvSpPr>
+          <p:cNvPr id="12" name="TextBox 11">
+            <a:extLst>
+              <a:ext uri="{FF2B5EF4-FFF2-40B4-BE49-F238E27FC236}">
+                <a16:creationId xmlns:a16="http://schemas.microsoft.com/office/drawing/2014/main" id="{C414F469-A628-4DB7-90A0-5E1D4A3F01AA}"/>
+              </a:ext>
+            </a:extLst>
+          </p:cNvPr>
+          <p:cNvSpPr txBox="1"/>
+          <p:nvPr/>
+        </p:nvSpPr>
+        <p:spPr>
+          <a:xfrm>
+            <a:off x="839200" y="3322681"/>
+            <a:ext cx="2154960" cy="646331"/>
           </a:xfrm>
           <a:prstGeom prst="rect">
             <a:avLst/>
           </a:prstGeom>
+          <a:noFill/>
         </p:spPr>
-      </p:pic>
+        <p:txBody>
+          <a:bodyPr wrap="square" rtlCol="0">
+            <a:spAutoFit/>
+          </a:bodyPr>
+          <a:lstStyle/>
+          <a:p>
+            <a:r>
+              <a:rPr lang="ko-KR" altLang="en-US" dirty="0">
+                <a:solidFill>
+                  <a:schemeClr val="bg1"/>
+                </a:solidFill>
+                <a:latin typeface="DX하얀토끼B" panose="02020600000000000000" pitchFamily="18" charset="-127"/>
+                <a:ea typeface="DX하얀토끼B" panose="02020600000000000000" pitchFamily="18" charset="-127"/>
+              </a:rPr>
+              <a:t>현재 메뉴에서 한 칸 뒤로 갑니다</a:t>
+            </a:r>
+            <a:r>
+              <a:rPr lang="en-US" altLang="ko-KR" dirty="0">
+                <a:solidFill>
+                  <a:schemeClr val="bg1"/>
+                </a:solidFill>
+                <a:latin typeface="DX하얀토끼B" panose="02020600000000000000" pitchFamily="18" charset="-127"/>
+                <a:ea typeface="DX하얀토끼B" panose="02020600000000000000" pitchFamily="18" charset="-127"/>
+              </a:rPr>
+              <a:t>.</a:t>
+            </a:r>
+            <a:endParaRPr lang="ko-KR" altLang="en-US" dirty="0">
+              <a:solidFill>
+                <a:schemeClr val="bg1"/>
+              </a:solidFill>
+              <a:latin typeface="DX하얀토끼B" panose="02020600000000000000" pitchFamily="18" charset="-127"/>
+              <a:ea typeface="DX하얀토끼B" panose="02020600000000000000" pitchFamily="18" charset="-127"/>
+            </a:endParaRPr>
+          </a:p>
+        </p:txBody>
+      </p:sp>
+      <p:cxnSp>
+        <p:nvCxnSpPr>
+          <p:cNvPr id="13" name="연결선: 꺾임 12">
+            <a:extLst>
+              <a:ext uri="{FF2B5EF4-FFF2-40B4-BE49-F238E27FC236}">
+                <a16:creationId xmlns:a16="http://schemas.microsoft.com/office/drawing/2014/main" id="{D50CAE6E-26CF-420D-A847-92013AC90A9D}"/>
+              </a:ext>
+            </a:extLst>
+          </p:cNvPr>
+          <p:cNvCxnSpPr>
+            <a:cxnSpLocks/>
+            <a:stCxn id="11" idx="2"/>
+            <a:endCxn id="12" idx="0"/>
+          </p:cNvCxnSpPr>
+          <p:nvPr/>
+        </p:nvCxnSpPr>
+        <p:spPr>
+          <a:xfrm rot="10800000" flipH="1" flipV="1">
+            <a:off x="1001448" y="2874013"/>
+            <a:ext cx="915231" cy="448668"/>
+          </a:xfrm>
+          <a:prstGeom prst="bentConnector4">
+            <a:avLst>
+              <a:gd name="adj1" fmla="val -24977"/>
+              <a:gd name="adj2" fmla="val 77706"/>
+            </a:avLst>
+          </a:prstGeom>
+          <a:ln w="38100">
+            <a:solidFill>
+              <a:srgbClr val="FF0000"/>
+            </a:solidFill>
+          </a:ln>
+        </p:spPr>
+        <p:style>
+          <a:lnRef idx="1">
+            <a:schemeClr val="accent1"/>
+          </a:lnRef>
+          <a:fillRef idx="0">
+            <a:schemeClr val="accent1"/>
+          </a:fillRef>
+          <a:effectRef idx="0">
+            <a:schemeClr val="accent1"/>
+          </a:effectRef>
+          <a:fontRef idx="minor">
+            <a:schemeClr val="tx1"/>
+          </a:fontRef>
+        </p:style>
+      </p:cxnSp>
+      <p:sp>
+        <p:nvSpPr>
+          <p:cNvPr id="20" name="타원 19">
+            <a:extLst>
+              <a:ext uri="{FF2B5EF4-FFF2-40B4-BE49-F238E27FC236}">
+                <a16:creationId xmlns:a16="http://schemas.microsoft.com/office/drawing/2014/main" id="{1EE34915-67D8-4F55-86C7-3B205845FC97}"/>
+              </a:ext>
+            </a:extLst>
+          </p:cNvPr>
+          <p:cNvSpPr/>
+          <p:nvPr/>
+        </p:nvSpPr>
+        <p:spPr>
+          <a:xfrm>
+            <a:off x="925876" y="4371639"/>
+            <a:ext cx="497482" cy="497482"/>
+          </a:xfrm>
+          <a:prstGeom prst="ellipse">
+            <a:avLst/>
+          </a:prstGeom>
+          <a:noFill/>
+          <a:ln w="38100">
+            <a:solidFill>
+              <a:srgbClr val="FF0000"/>
+            </a:solidFill>
+          </a:ln>
+        </p:spPr>
+        <p:style>
+          <a:lnRef idx="2">
+            <a:schemeClr val="accent1">
+              <a:shade val="50000"/>
+            </a:schemeClr>
+          </a:lnRef>
+          <a:fillRef idx="1">
+            <a:schemeClr val="accent1"/>
+          </a:fillRef>
+          <a:effectRef idx="0">
+            <a:schemeClr val="accent1"/>
+          </a:effectRef>
+          <a:fontRef idx="minor">
+            <a:schemeClr val="lt1"/>
+          </a:fontRef>
+        </p:style>
+        <p:txBody>
+          <a:bodyPr rtlCol="0" anchor="ctr"/>
+          <a:lstStyle/>
+          <a:p>
+            <a:pPr algn="ctr"/>
+            <a:endParaRPr lang="ko-KR" altLang="en-US"/>
+          </a:p>
+        </p:txBody>
+      </p:sp>
+      <p:sp>
+        <p:nvSpPr>
+          <p:cNvPr id="21" name="TextBox 20">
+            <a:extLst>
+              <a:ext uri="{FF2B5EF4-FFF2-40B4-BE49-F238E27FC236}">
+                <a16:creationId xmlns:a16="http://schemas.microsoft.com/office/drawing/2014/main" id="{53F0A889-361B-45A0-8D51-EF89094EC239}"/>
+              </a:ext>
+            </a:extLst>
+          </p:cNvPr>
+          <p:cNvSpPr txBox="1"/>
+          <p:nvPr/>
+        </p:nvSpPr>
+        <p:spPr>
+          <a:xfrm>
+            <a:off x="421196" y="5569335"/>
+            <a:ext cx="2154960" cy="923330"/>
+          </a:xfrm>
+          <a:prstGeom prst="rect">
+            <a:avLst/>
+          </a:prstGeom>
+          <a:noFill/>
+        </p:spPr>
+        <p:txBody>
+          <a:bodyPr wrap="square" rtlCol="0">
+            <a:spAutoFit/>
+          </a:bodyPr>
+          <a:lstStyle/>
+          <a:p>
+            <a:r>
+              <a:rPr lang="ko-KR" altLang="en-US" dirty="0">
+                <a:solidFill>
+                  <a:schemeClr val="bg1"/>
+                </a:solidFill>
+                <a:latin typeface="DX하얀토끼B" panose="02020600000000000000" pitchFamily="18" charset="-127"/>
+                <a:ea typeface="DX하얀토끼B" panose="02020600000000000000" pitchFamily="18" charset="-127"/>
+              </a:rPr>
+              <a:t>현재 시각에 조금 더 가깝고 쾌적하게 일어날 수 있는 시각을 표시합니다</a:t>
+            </a:r>
+            <a:r>
+              <a:rPr lang="en-US" altLang="ko-KR" dirty="0">
+                <a:solidFill>
+                  <a:schemeClr val="bg1"/>
+                </a:solidFill>
+                <a:latin typeface="DX하얀토끼B" panose="02020600000000000000" pitchFamily="18" charset="-127"/>
+                <a:ea typeface="DX하얀토끼B" panose="02020600000000000000" pitchFamily="18" charset="-127"/>
+              </a:rPr>
+              <a:t>.</a:t>
+            </a:r>
+            <a:endParaRPr lang="ko-KR" altLang="en-US" dirty="0">
+              <a:solidFill>
+                <a:schemeClr val="bg1"/>
+              </a:solidFill>
+              <a:latin typeface="DX하얀토끼B" panose="02020600000000000000" pitchFamily="18" charset="-127"/>
+              <a:ea typeface="DX하얀토끼B" panose="02020600000000000000" pitchFamily="18" charset="-127"/>
+            </a:endParaRPr>
+          </a:p>
+        </p:txBody>
+      </p:sp>
+      <p:cxnSp>
+        <p:nvCxnSpPr>
+          <p:cNvPr id="22" name="연결선: 꺾임 21">
+            <a:extLst>
+              <a:ext uri="{FF2B5EF4-FFF2-40B4-BE49-F238E27FC236}">
+                <a16:creationId xmlns:a16="http://schemas.microsoft.com/office/drawing/2014/main" id="{187721A9-2C67-48A3-B4C3-34953A02647F}"/>
+              </a:ext>
+            </a:extLst>
+          </p:cNvPr>
+          <p:cNvCxnSpPr>
+            <a:cxnSpLocks/>
+            <a:stCxn id="20" idx="2"/>
+            <a:endCxn id="21" idx="0"/>
+          </p:cNvCxnSpPr>
+          <p:nvPr/>
+        </p:nvCxnSpPr>
+        <p:spPr>
+          <a:xfrm rot="10800000" flipH="1" flipV="1">
+            <a:off x="925876" y="4620379"/>
+            <a:ext cx="572800" cy="948955"/>
+          </a:xfrm>
+          <a:prstGeom prst="bentConnector4">
+            <a:avLst>
+              <a:gd name="adj1" fmla="val -39909"/>
+              <a:gd name="adj2" fmla="val 63106"/>
+            </a:avLst>
+          </a:prstGeom>
+          <a:ln w="38100">
+            <a:solidFill>
+              <a:srgbClr val="FF0000"/>
+            </a:solidFill>
+          </a:ln>
+        </p:spPr>
+        <p:style>
+          <a:lnRef idx="1">
+            <a:schemeClr val="accent1"/>
+          </a:lnRef>
+          <a:fillRef idx="0">
+            <a:schemeClr val="accent1"/>
+          </a:fillRef>
+          <a:effectRef idx="0">
+            <a:schemeClr val="accent1"/>
+          </a:effectRef>
+          <a:fontRef idx="minor">
+            <a:schemeClr val="tx1"/>
+          </a:fontRef>
+        </p:style>
+      </p:cxnSp>
+      <p:sp>
+        <p:nvSpPr>
+          <p:cNvPr id="26" name="타원 25">
+            <a:extLst>
+              <a:ext uri="{FF2B5EF4-FFF2-40B4-BE49-F238E27FC236}">
+                <a16:creationId xmlns:a16="http://schemas.microsoft.com/office/drawing/2014/main" id="{5BA15896-73A4-45A7-B1CE-3EDEF21E031E}"/>
+              </a:ext>
+            </a:extLst>
+          </p:cNvPr>
+          <p:cNvSpPr/>
+          <p:nvPr/>
+        </p:nvSpPr>
+        <p:spPr>
+          <a:xfrm>
+            <a:off x="6096000" y="4371639"/>
+            <a:ext cx="497482" cy="497482"/>
+          </a:xfrm>
+          <a:prstGeom prst="ellipse">
+            <a:avLst/>
+          </a:prstGeom>
+          <a:noFill/>
+          <a:ln w="38100">
+            <a:solidFill>
+              <a:srgbClr val="FF0000"/>
+            </a:solidFill>
+          </a:ln>
+        </p:spPr>
+        <p:style>
+          <a:lnRef idx="2">
+            <a:schemeClr val="accent1">
+              <a:shade val="50000"/>
+            </a:schemeClr>
+          </a:lnRef>
+          <a:fillRef idx="1">
+            <a:schemeClr val="accent1"/>
+          </a:fillRef>
+          <a:effectRef idx="0">
+            <a:schemeClr val="accent1"/>
+          </a:effectRef>
+          <a:fontRef idx="minor">
+            <a:schemeClr val="lt1"/>
+          </a:fontRef>
+        </p:style>
+        <p:txBody>
+          <a:bodyPr rtlCol="0" anchor="ctr"/>
+          <a:lstStyle/>
+          <a:p>
+            <a:pPr algn="ctr"/>
+            <a:endParaRPr lang="ko-KR" altLang="en-US"/>
+          </a:p>
+        </p:txBody>
+      </p:sp>
+      <p:sp>
+        <p:nvSpPr>
+          <p:cNvPr id="27" name="TextBox 26">
+            <a:extLst>
+              <a:ext uri="{FF2B5EF4-FFF2-40B4-BE49-F238E27FC236}">
+                <a16:creationId xmlns:a16="http://schemas.microsoft.com/office/drawing/2014/main" id="{1E9FFB51-4B1E-40D9-8DDE-C8413CDFA58C}"/>
+              </a:ext>
+            </a:extLst>
+          </p:cNvPr>
+          <p:cNvSpPr txBox="1"/>
+          <p:nvPr/>
+        </p:nvSpPr>
+        <p:spPr>
+          <a:xfrm>
+            <a:off x="4036270" y="5833517"/>
+            <a:ext cx="2154960" cy="923330"/>
+          </a:xfrm>
+          <a:prstGeom prst="rect">
+            <a:avLst/>
+          </a:prstGeom>
+          <a:noFill/>
+        </p:spPr>
+        <p:txBody>
+          <a:bodyPr wrap="square" rtlCol="0">
+            <a:spAutoFit/>
+          </a:bodyPr>
+          <a:lstStyle/>
+          <a:p>
+            <a:r>
+              <a:rPr lang="ko-KR" altLang="en-US" dirty="0">
+                <a:solidFill>
+                  <a:schemeClr val="bg1"/>
+                </a:solidFill>
+                <a:latin typeface="DX하얀토끼B" panose="02020600000000000000" pitchFamily="18" charset="-127"/>
+                <a:ea typeface="DX하얀토끼B" panose="02020600000000000000" pitchFamily="18" charset="-127"/>
+              </a:rPr>
+              <a:t>현재 시각보다 조금 더 멀고 쾌적하게 일어날 수 있는 시각을 표시합니다</a:t>
+            </a:r>
+            <a:r>
+              <a:rPr lang="en-US" altLang="ko-KR" dirty="0">
+                <a:solidFill>
+                  <a:schemeClr val="bg1"/>
+                </a:solidFill>
+                <a:latin typeface="DX하얀토끼B" panose="02020600000000000000" pitchFamily="18" charset="-127"/>
+                <a:ea typeface="DX하얀토끼B" panose="02020600000000000000" pitchFamily="18" charset="-127"/>
+              </a:rPr>
+              <a:t>.</a:t>
+            </a:r>
+            <a:endParaRPr lang="ko-KR" altLang="en-US" dirty="0">
+              <a:solidFill>
+                <a:schemeClr val="bg1"/>
+              </a:solidFill>
+              <a:latin typeface="DX하얀토끼B" panose="02020600000000000000" pitchFamily="18" charset="-127"/>
+              <a:ea typeface="DX하얀토끼B" panose="02020600000000000000" pitchFamily="18" charset="-127"/>
+            </a:endParaRPr>
+          </a:p>
+        </p:txBody>
+      </p:sp>
+      <p:cxnSp>
+        <p:nvCxnSpPr>
+          <p:cNvPr id="28" name="연결선: 꺾임 27">
+            <a:extLst>
+              <a:ext uri="{FF2B5EF4-FFF2-40B4-BE49-F238E27FC236}">
+                <a16:creationId xmlns:a16="http://schemas.microsoft.com/office/drawing/2014/main" id="{3AEE586F-6D9B-40F4-8046-5F355AABD326}"/>
+              </a:ext>
+            </a:extLst>
+          </p:cNvPr>
+          <p:cNvCxnSpPr>
+            <a:cxnSpLocks/>
+            <a:stCxn id="26" idx="2"/>
+            <a:endCxn id="27" idx="0"/>
+          </p:cNvCxnSpPr>
+          <p:nvPr/>
+        </p:nvCxnSpPr>
+        <p:spPr>
+          <a:xfrm rot="10800000" flipV="1">
+            <a:off x="5113750" y="4620379"/>
+            <a:ext cx="982250" cy="1213137"/>
+          </a:xfrm>
+          <a:prstGeom prst="bentConnector2">
+            <a:avLst/>
+          </a:prstGeom>
+          <a:ln w="38100">
+            <a:solidFill>
+              <a:srgbClr val="FF0000"/>
+            </a:solidFill>
+          </a:ln>
+        </p:spPr>
+        <p:style>
+          <a:lnRef idx="1">
+            <a:schemeClr val="accent1"/>
+          </a:lnRef>
+          <a:fillRef idx="0">
+            <a:schemeClr val="accent1"/>
+          </a:fillRef>
+          <a:effectRef idx="0">
+            <a:schemeClr val="accent1"/>
+          </a:effectRef>
+          <a:fontRef idx="minor">
+            <a:schemeClr val="tx1"/>
+          </a:fontRef>
+        </p:style>
+      </p:cxnSp>
     </p:spTree>
     <p:extLst>
       <p:ext uri="{BB962C8B-B14F-4D97-AF65-F5344CB8AC3E}">
@@ -6053,89 +6956,6 @@
       </p:transition>
     </mc:Fallback>
   </mc:AlternateContent>
-  <p:timing>
-    <p:tnLst>
-      <p:par>
-        <p:cTn id="1" dur="indefinite" restart="never" nodeType="tmRoot">
-          <p:childTnLst>
-            <p:seq concurrent="1" nextAc="seek">
-              <p:cTn id="2" dur="indefinite" nodeType="mainSeq">
-                <p:childTnLst>
-                  <p:par>
-                    <p:cTn id="3" fill="hold">
-                      <p:stCondLst>
-                        <p:cond delay="indefinite"/>
-                      </p:stCondLst>
-                      <p:childTnLst>
-                        <p:par>
-                          <p:cTn id="4" fill="hold">
-                            <p:stCondLst>
-                              <p:cond delay="0"/>
-                            </p:stCondLst>
-                            <p:childTnLst>
-                              <p:par>
-                                <p:cTn id="5" presetID="10" presetClass="entr" presetSubtype="0" fill="hold" nodeType="clickEffect">
-                                  <p:stCondLst>
-                                    <p:cond delay="0"/>
-                                  </p:stCondLst>
-                                  <p:childTnLst>
-                                    <p:set>
-                                      <p:cBhvr>
-                                        <p:cTn id="6" dur="1" fill="hold">
-                                          <p:stCondLst>
-                                            <p:cond delay="0"/>
-                                          </p:stCondLst>
-                                        </p:cTn>
-                                        <p:tgtEl>
-                                          <p:spTgt spid="8"/>
-                                        </p:tgtEl>
-                                        <p:attrNameLst>
-                                          <p:attrName>style.visibility</p:attrName>
-                                        </p:attrNameLst>
-                                      </p:cBhvr>
-                                      <p:to>
-                                        <p:strVal val="visible"/>
-                                      </p:to>
-                                    </p:set>
-                                    <p:animEffect transition="in" filter="fade">
-                                      <p:cBhvr>
-                                        <p:cTn id="7" dur="500"/>
-                                        <p:tgtEl>
-                                          <p:spTgt spid="8"/>
-                                        </p:tgtEl>
-                                      </p:cBhvr>
-                                    </p:animEffect>
-                                  </p:childTnLst>
-                                </p:cTn>
-                              </p:par>
-                            </p:childTnLst>
-                          </p:cTn>
-                        </p:par>
-                      </p:childTnLst>
-                    </p:cTn>
-                  </p:par>
-                </p:childTnLst>
-              </p:cTn>
-              <p:prevCondLst>
-                <p:cond evt="onPrev" delay="0">
-                  <p:tgtEl>
-                    <p:sldTgt/>
-                  </p:tgtEl>
-                </p:cond>
-              </p:prevCondLst>
-              <p:nextCondLst>
-                <p:cond evt="onNext" delay="0">
-                  <p:tgtEl>
-                    <p:sldTgt/>
-                  </p:tgtEl>
-                </p:cond>
-              </p:nextCondLst>
-            </p:seq>
-          </p:childTnLst>
-        </p:cTn>
-      </p:par>
-    </p:tnLst>
-  </p:timing>
 </p:sld>
 </file>
 
@@ -6664,6 +7484,719 @@
           </a:prstGeom>
         </p:spPr>
       </p:pic>
+      <p:grpSp>
+        <p:nvGrpSpPr>
+          <p:cNvPr id="36" name="그룹 35">
+            <a:extLst>
+              <a:ext uri="{FF2B5EF4-FFF2-40B4-BE49-F238E27FC236}">
+                <a16:creationId xmlns:a16="http://schemas.microsoft.com/office/drawing/2014/main" id="{5AA040DF-FC9A-4020-97EC-C7BA7A9A2A78}"/>
+              </a:ext>
+            </a:extLst>
+          </p:cNvPr>
+          <p:cNvGrpSpPr/>
+          <p:nvPr/>
+        </p:nvGrpSpPr>
+        <p:grpSpPr>
+          <a:xfrm>
+            <a:off x="839200" y="2625399"/>
+            <a:ext cx="2154960" cy="1343613"/>
+            <a:chOff x="839200" y="2625399"/>
+            <a:chExt cx="2154960" cy="1343613"/>
+          </a:xfrm>
+        </p:grpSpPr>
+        <p:sp>
+          <p:nvSpPr>
+            <p:cNvPr id="12" name="타원 11">
+              <a:extLst>
+                <a:ext uri="{FF2B5EF4-FFF2-40B4-BE49-F238E27FC236}">
+                  <a16:creationId xmlns:a16="http://schemas.microsoft.com/office/drawing/2014/main" id="{6781DED4-0475-447C-B24C-01DD6049FD1C}"/>
+                </a:ext>
+              </a:extLst>
+            </p:cNvPr>
+            <p:cNvSpPr/>
+            <p:nvPr/>
+          </p:nvSpPr>
+          <p:spPr>
+            <a:xfrm>
+              <a:off x="1001449" y="2625399"/>
+              <a:ext cx="497227" cy="497227"/>
+            </a:xfrm>
+            <a:prstGeom prst="ellipse">
+              <a:avLst/>
+            </a:prstGeom>
+            <a:noFill/>
+            <a:ln w="38100">
+              <a:solidFill>
+                <a:srgbClr val="FF0000"/>
+              </a:solidFill>
+            </a:ln>
+          </p:spPr>
+          <p:style>
+            <a:lnRef idx="2">
+              <a:schemeClr val="accent1">
+                <a:shade val="50000"/>
+              </a:schemeClr>
+            </a:lnRef>
+            <a:fillRef idx="1">
+              <a:schemeClr val="accent1"/>
+            </a:fillRef>
+            <a:effectRef idx="0">
+              <a:schemeClr val="accent1"/>
+            </a:effectRef>
+            <a:fontRef idx="minor">
+              <a:schemeClr val="lt1"/>
+            </a:fontRef>
+          </p:style>
+          <p:txBody>
+            <a:bodyPr rtlCol="0" anchor="ctr"/>
+            <a:lstStyle/>
+            <a:p>
+              <a:pPr algn="ctr"/>
+              <a:endParaRPr lang="ko-KR" altLang="en-US"/>
+            </a:p>
+          </p:txBody>
+        </p:sp>
+        <p:sp>
+          <p:nvSpPr>
+            <p:cNvPr id="13" name="TextBox 12">
+              <a:extLst>
+                <a:ext uri="{FF2B5EF4-FFF2-40B4-BE49-F238E27FC236}">
+                  <a16:creationId xmlns:a16="http://schemas.microsoft.com/office/drawing/2014/main" id="{1CFCA397-9872-4F28-AD33-AA2908FF5814}"/>
+                </a:ext>
+              </a:extLst>
+            </p:cNvPr>
+            <p:cNvSpPr txBox="1"/>
+            <p:nvPr/>
+          </p:nvSpPr>
+          <p:spPr>
+            <a:xfrm>
+              <a:off x="839200" y="3322681"/>
+              <a:ext cx="2154960" cy="646331"/>
+            </a:xfrm>
+            <a:prstGeom prst="rect">
+              <a:avLst/>
+            </a:prstGeom>
+            <a:noFill/>
+          </p:spPr>
+          <p:txBody>
+            <a:bodyPr wrap="square" rtlCol="0">
+              <a:spAutoFit/>
+            </a:bodyPr>
+            <a:lstStyle/>
+            <a:p>
+              <a:r>
+                <a:rPr lang="ko-KR" altLang="en-US" dirty="0">
+                  <a:solidFill>
+                    <a:schemeClr val="bg1"/>
+                  </a:solidFill>
+                  <a:latin typeface="DX하얀토끼B" panose="02020600000000000000" pitchFamily="18" charset="-127"/>
+                  <a:ea typeface="DX하얀토끼B" panose="02020600000000000000" pitchFamily="18" charset="-127"/>
+                </a:rPr>
+                <a:t>현재 메뉴에서 한 칸 뒤로 갑니다</a:t>
+              </a:r>
+              <a:r>
+                <a:rPr lang="en-US" altLang="ko-KR" dirty="0">
+                  <a:solidFill>
+                    <a:schemeClr val="bg1"/>
+                  </a:solidFill>
+                  <a:latin typeface="DX하얀토끼B" panose="02020600000000000000" pitchFamily="18" charset="-127"/>
+                  <a:ea typeface="DX하얀토끼B" panose="02020600000000000000" pitchFamily="18" charset="-127"/>
+                </a:rPr>
+                <a:t>.</a:t>
+              </a:r>
+              <a:endParaRPr lang="ko-KR" altLang="en-US" dirty="0">
+                <a:solidFill>
+                  <a:schemeClr val="bg1"/>
+                </a:solidFill>
+                <a:latin typeface="DX하얀토끼B" panose="02020600000000000000" pitchFamily="18" charset="-127"/>
+                <a:ea typeface="DX하얀토끼B" panose="02020600000000000000" pitchFamily="18" charset="-127"/>
+              </a:endParaRPr>
+            </a:p>
+          </p:txBody>
+        </p:sp>
+        <p:cxnSp>
+          <p:nvCxnSpPr>
+            <p:cNvPr id="14" name="연결선: 꺾임 13">
+              <a:extLst>
+                <a:ext uri="{FF2B5EF4-FFF2-40B4-BE49-F238E27FC236}">
+                  <a16:creationId xmlns:a16="http://schemas.microsoft.com/office/drawing/2014/main" id="{E54E68D1-A2BE-417B-82F0-FBABE3246989}"/>
+                </a:ext>
+              </a:extLst>
+            </p:cNvPr>
+            <p:cNvCxnSpPr>
+              <a:cxnSpLocks/>
+              <a:stCxn id="12" idx="2"/>
+              <a:endCxn id="13" idx="0"/>
+            </p:cNvCxnSpPr>
+            <p:nvPr/>
+          </p:nvCxnSpPr>
+          <p:spPr>
+            <a:xfrm rot="10800000" flipH="1" flipV="1">
+              <a:off x="1001448" y="2874013"/>
+              <a:ext cx="915231" cy="448668"/>
+            </a:xfrm>
+            <a:prstGeom prst="bentConnector4">
+              <a:avLst>
+                <a:gd name="adj1" fmla="val -24977"/>
+                <a:gd name="adj2" fmla="val 77706"/>
+              </a:avLst>
+            </a:prstGeom>
+            <a:ln w="38100">
+              <a:solidFill>
+                <a:srgbClr val="FF0000"/>
+              </a:solidFill>
+            </a:ln>
+          </p:spPr>
+          <p:style>
+            <a:lnRef idx="1">
+              <a:schemeClr val="accent1"/>
+            </a:lnRef>
+            <a:fillRef idx="0">
+              <a:schemeClr val="accent1"/>
+            </a:fillRef>
+            <a:effectRef idx="0">
+              <a:schemeClr val="accent1"/>
+            </a:effectRef>
+            <a:fontRef idx="minor">
+              <a:schemeClr val="tx1"/>
+            </a:fontRef>
+          </p:style>
+        </p:cxnSp>
+      </p:grpSp>
+      <p:grpSp>
+        <p:nvGrpSpPr>
+          <p:cNvPr id="34" name="그룹 33">
+            <a:extLst>
+              <a:ext uri="{FF2B5EF4-FFF2-40B4-BE49-F238E27FC236}">
+                <a16:creationId xmlns:a16="http://schemas.microsoft.com/office/drawing/2014/main" id="{6313551E-98BA-425B-9F9E-93678AE49873}"/>
+              </a:ext>
+            </a:extLst>
+          </p:cNvPr>
+          <p:cNvGrpSpPr/>
+          <p:nvPr/>
+        </p:nvGrpSpPr>
+        <p:grpSpPr>
+          <a:xfrm>
+            <a:off x="421196" y="4371639"/>
+            <a:ext cx="2154960" cy="2121026"/>
+            <a:chOff x="421196" y="4371639"/>
+            <a:chExt cx="2154960" cy="2121026"/>
+          </a:xfrm>
+        </p:grpSpPr>
+        <p:sp>
+          <p:nvSpPr>
+            <p:cNvPr id="15" name="타원 14">
+              <a:extLst>
+                <a:ext uri="{FF2B5EF4-FFF2-40B4-BE49-F238E27FC236}">
+                  <a16:creationId xmlns:a16="http://schemas.microsoft.com/office/drawing/2014/main" id="{96B3C292-CE9F-4C82-984F-1FFA2BB3BF03}"/>
+                </a:ext>
+              </a:extLst>
+            </p:cNvPr>
+            <p:cNvSpPr/>
+            <p:nvPr/>
+          </p:nvSpPr>
+          <p:spPr>
+            <a:xfrm>
+              <a:off x="925876" y="4371639"/>
+              <a:ext cx="497482" cy="497482"/>
+            </a:xfrm>
+            <a:prstGeom prst="ellipse">
+              <a:avLst/>
+            </a:prstGeom>
+            <a:noFill/>
+            <a:ln w="38100">
+              <a:solidFill>
+                <a:srgbClr val="FF0000"/>
+              </a:solidFill>
+            </a:ln>
+          </p:spPr>
+          <p:style>
+            <a:lnRef idx="2">
+              <a:schemeClr val="accent1">
+                <a:shade val="50000"/>
+              </a:schemeClr>
+            </a:lnRef>
+            <a:fillRef idx="1">
+              <a:schemeClr val="accent1"/>
+            </a:fillRef>
+            <a:effectRef idx="0">
+              <a:schemeClr val="accent1"/>
+            </a:effectRef>
+            <a:fontRef idx="minor">
+              <a:schemeClr val="lt1"/>
+            </a:fontRef>
+          </p:style>
+          <p:txBody>
+            <a:bodyPr rtlCol="0" anchor="ctr"/>
+            <a:lstStyle/>
+            <a:p>
+              <a:pPr algn="ctr"/>
+              <a:endParaRPr lang="ko-KR" altLang="en-US"/>
+            </a:p>
+          </p:txBody>
+        </p:sp>
+        <p:sp>
+          <p:nvSpPr>
+            <p:cNvPr id="16" name="TextBox 15">
+              <a:extLst>
+                <a:ext uri="{FF2B5EF4-FFF2-40B4-BE49-F238E27FC236}">
+                  <a16:creationId xmlns:a16="http://schemas.microsoft.com/office/drawing/2014/main" id="{8C366E37-EA7A-4E98-A6EA-FFEB6ED3F700}"/>
+                </a:ext>
+              </a:extLst>
+            </p:cNvPr>
+            <p:cNvSpPr txBox="1"/>
+            <p:nvPr/>
+          </p:nvSpPr>
+          <p:spPr>
+            <a:xfrm>
+              <a:off x="421196" y="5569335"/>
+              <a:ext cx="2154960" cy="923330"/>
+            </a:xfrm>
+            <a:prstGeom prst="rect">
+              <a:avLst/>
+            </a:prstGeom>
+            <a:noFill/>
+          </p:spPr>
+          <p:txBody>
+            <a:bodyPr wrap="square" rtlCol="0">
+              <a:spAutoFit/>
+            </a:bodyPr>
+            <a:lstStyle/>
+            <a:p>
+              <a:r>
+                <a:rPr lang="ko-KR" altLang="en-US" dirty="0">
+                  <a:solidFill>
+                    <a:schemeClr val="bg1"/>
+                  </a:solidFill>
+                  <a:latin typeface="DX하얀토끼B" panose="02020600000000000000" pitchFamily="18" charset="-127"/>
+                  <a:ea typeface="DX하얀토끼B" panose="02020600000000000000" pitchFamily="18" charset="-127"/>
+                </a:rPr>
+                <a:t>현재 시각에 조금 더 가깝고 쾌적하게 일어날 수 있는 시각을 표시합니다</a:t>
+              </a:r>
+              <a:r>
+                <a:rPr lang="en-US" altLang="ko-KR" dirty="0">
+                  <a:solidFill>
+                    <a:schemeClr val="bg1"/>
+                  </a:solidFill>
+                  <a:latin typeface="DX하얀토끼B" panose="02020600000000000000" pitchFamily="18" charset="-127"/>
+                  <a:ea typeface="DX하얀토끼B" panose="02020600000000000000" pitchFamily="18" charset="-127"/>
+                </a:rPr>
+                <a:t>.</a:t>
+              </a:r>
+              <a:endParaRPr lang="ko-KR" altLang="en-US" dirty="0">
+                <a:solidFill>
+                  <a:schemeClr val="bg1"/>
+                </a:solidFill>
+                <a:latin typeface="DX하얀토끼B" panose="02020600000000000000" pitchFamily="18" charset="-127"/>
+                <a:ea typeface="DX하얀토끼B" panose="02020600000000000000" pitchFamily="18" charset="-127"/>
+              </a:endParaRPr>
+            </a:p>
+          </p:txBody>
+        </p:sp>
+        <p:cxnSp>
+          <p:nvCxnSpPr>
+            <p:cNvPr id="17" name="연결선: 꺾임 16">
+              <a:extLst>
+                <a:ext uri="{FF2B5EF4-FFF2-40B4-BE49-F238E27FC236}">
+                  <a16:creationId xmlns:a16="http://schemas.microsoft.com/office/drawing/2014/main" id="{5F582FC0-7DBA-4867-89FD-E6E3BDD12311}"/>
+                </a:ext>
+              </a:extLst>
+            </p:cNvPr>
+            <p:cNvCxnSpPr>
+              <a:cxnSpLocks/>
+              <a:stCxn id="15" idx="2"/>
+              <a:endCxn id="16" idx="0"/>
+            </p:cNvCxnSpPr>
+            <p:nvPr/>
+          </p:nvCxnSpPr>
+          <p:spPr>
+            <a:xfrm rot="10800000" flipH="1" flipV="1">
+              <a:off x="925876" y="4620379"/>
+              <a:ext cx="572800" cy="948955"/>
+            </a:xfrm>
+            <a:prstGeom prst="bentConnector4">
+              <a:avLst>
+                <a:gd name="adj1" fmla="val -39909"/>
+                <a:gd name="adj2" fmla="val 63106"/>
+              </a:avLst>
+            </a:prstGeom>
+            <a:ln w="38100">
+              <a:solidFill>
+                <a:srgbClr val="FF0000"/>
+              </a:solidFill>
+            </a:ln>
+          </p:spPr>
+          <p:style>
+            <a:lnRef idx="1">
+              <a:schemeClr val="accent1"/>
+            </a:lnRef>
+            <a:fillRef idx="0">
+              <a:schemeClr val="accent1"/>
+            </a:fillRef>
+            <a:effectRef idx="0">
+              <a:schemeClr val="accent1"/>
+            </a:effectRef>
+            <a:fontRef idx="minor">
+              <a:schemeClr val="tx1"/>
+            </a:fontRef>
+          </p:style>
+        </p:cxnSp>
+      </p:grpSp>
+      <p:grpSp>
+        <p:nvGrpSpPr>
+          <p:cNvPr id="33" name="그룹 32">
+            <a:extLst>
+              <a:ext uri="{FF2B5EF4-FFF2-40B4-BE49-F238E27FC236}">
+                <a16:creationId xmlns:a16="http://schemas.microsoft.com/office/drawing/2014/main" id="{B0C23DDD-4501-40F8-8B19-3C5274AB5627}"/>
+              </a:ext>
+            </a:extLst>
+          </p:cNvPr>
+          <p:cNvGrpSpPr/>
+          <p:nvPr/>
+        </p:nvGrpSpPr>
+        <p:grpSpPr>
+          <a:xfrm>
+            <a:off x="4036270" y="4371639"/>
+            <a:ext cx="2557212" cy="2385208"/>
+            <a:chOff x="4036270" y="4371639"/>
+            <a:chExt cx="2557212" cy="2385208"/>
+          </a:xfrm>
+        </p:grpSpPr>
+        <p:sp>
+          <p:nvSpPr>
+            <p:cNvPr id="19" name="타원 18">
+              <a:extLst>
+                <a:ext uri="{FF2B5EF4-FFF2-40B4-BE49-F238E27FC236}">
+                  <a16:creationId xmlns:a16="http://schemas.microsoft.com/office/drawing/2014/main" id="{FBC52C76-961C-4A66-A13B-3EA823C74D71}"/>
+                </a:ext>
+              </a:extLst>
+            </p:cNvPr>
+            <p:cNvSpPr/>
+            <p:nvPr/>
+          </p:nvSpPr>
+          <p:spPr>
+            <a:xfrm>
+              <a:off x="6096000" y="4371639"/>
+              <a:ext cx="497482" cy="497482"/>
+            </a:xfrm>
+            <a:prstGeom prst="ellipse">
+              <a:avLst/>
+            </a:prstGeom>
+            <a:noFill/>
+            <a:ln w="38100">
+              <a:solidFill>
+                <a:srgbClr val="FF0000"/>
+              </a:solidFill>
+            </a:ln>
+          </p:spPr>
+          <p:style>
+            <a:lnRef idx="2">
+              <a:schemeClr val="accent1">
+                <a:shade val="50000"/>
+              </a:schemeClr>
+            </a:lnRef>
+            <a:fillRef idx="1">
+              <a:schemeClr val="accent1"/>
+            </a:fillRef>
+            <a:effectRef idx="0">
+              <a:schemeClr val="accent1"/>
+            </a:effectRef>
+            <a:fontRef idx="minor">
+              <a:schemeClr val="lt1"/>
+            </a:fontRef>
+          </p:style>
+          <p:txBody>
+            <a:bodyPr rtlCol="0" anchor="ctr"/>
+            <a:lstStyle/>
+            <a:p>
+              <a:pPr algn="ctr"/>
+              <a:endParaRPr lang="ko-KR" altLang="en-US"/>
+            </a:p>
+          </p:txBody>
+        </p:sp>
+        <p:sp>
+          <p:nvSpPr>
+            <p:cNvPr id="20" name="TextBox 19">
+              <a:extLst>
+                <a:ext uri="{FF2B5EF4-FFF2-40B4-BE49-F238E27FC236}">
+                  <a16:creationId xmlns:a16="http://schemas.microsoft.com/office/drawing/2014/main" id="{91E7314E-E1FF-441C-A90B-962BA236534D}"/>
+                </a:ext>
+              </a:extLst>
+            </p:cNvPr>
+            <p:cNvSpPr txBox="1"/>
+            <p:nvPr/>
+          </p:nvSpPr>
+          <p:spPr>
+            <a:xfrm>
+              <a:off x="4036270" y="5833517"/>
+              <a:ext cx="2154960" cy="923330"/>
+            </a:xfrm>
+            <a:prstGeom prst="rect">
+              <a:avLst/>
+            </a:prstGeom>
+            <a:noFill/>
+          </p:spPr>
+          <p:txBody>
+            <a:bodyPr wrap="square" rtlCol="0">
+              <a:spAutoFit/>
+            </a:bodyPr>
+            <a:lstStyle/>
+            <a:p>
+              <a:r>
+                <a:rPr lang="ko-KR" altLang="en-US" dirty="0">
+                  <a:solidFill>
+                    <a:schemeClr val="bg1"/>
+                  </a:solidFill>
+                  <a:latin typeface="DX하얀토끼B" panose="02020600000000000000" pitchFamily="18" charset="-127"/>
+                  <a:ea typeface="DX하얀토끼B" panose="02020600000000000000" pitchFamily="18" charset="-127"/>
+                </a:rPr>
+                <a:t>현재 시각보다 조금 더 멀고 쾌적하게 일어날 수 있는 시각을 표시합니다</a:t>
+              </a:r>
+              <a:r>
+                <a:rPr lang="en-US" altLang="ko-KR" dirty="0">
+                  <a:solidFill>
+                    <a:schemeClr val="bg1"/>
+                  </a:solidFill>
+                  <a:latin typeface="DX하얀토끼B" panose="02020600000000000000" pitchFamily="18" charset="-127"/>
+                  <a:ea typeface="DX하얀토끼B" panose="02020600000000000000" pitchFamily="18" charset="-127"/>
+                </a:rPr>
+                <a:t>.</a:t>
+              </a:r>
+              <a:endParaRPr lang="ko-KR" altLang="en-US" dirty="0">
+                <a:solidFill>
+                  <a:schemeClr val="bg1"/>
+                </a:solidFill>
+                <a:latin typeface="DX하얀토끼B" panose="02020600000000000000" pitchFamily="18" charset="-127"/>
+                <a:ea typeface="DX하얀토끼B" panose="02020600000000000000" pitchFamily="18" charset="-127"/>
+              </a:endParaRPr>
+            </a:p>
+          </p:txBody>
+        </p:sp>
+        <p:cxnSp>
+          <p:nvCxnSpPr>
+            <p:cNvPr id="21" name="연결선: 꺾임 20">
+              <a:extLst>
+                <a:ext uri="{FF2B5EF4-FFF2-40B4-BE49-F238E27FC236}">
+                  <a16:creationId xmlns:a16="http://schemas.microsoft.com/office/drawing/2014/main" id="{7EB1961B-9571-4675-B949-7BFD96090DD9}"/>
+                </a:ext>
+              </a:extLst>
+            </p:cNvPr>
+            <p:cNvCxnSpPr>
+              <a:cxnSpLocks/>
+              <a:stCxn id="19" idx="2"/>
+              <a:endCxn id="20" idx="0"/>
+            </p:cNvCxnSpPr>
+            <p:nvPr/>
+          </p:nvCxnSpPr>
+          <p:spPr>
+            <a:xfrm rot="10800000" flipV="1">
+              <a:off x="5113750" y="4620379"/>
+              <a:ext cx="982250" cy="1213137"/>
+            </a:xfrm>
+            <a:prstGeom prst="bentConnector2">
+              <a:avLst/>
+            </a:prstGeom>
+            <a:ln w="38100">
+              <a:solidFill>
+                <a:srgbClr val="FF0000"/>
+              </a:solidFill>
+            </a:ln>
+          </p:spPr>
+          <p:style>
+            <a:lnRef idx="1">
+              <a:schemeClr val="accent1"/>
+            </a:lnRef>
+            <a:fillRef idx="0">
+              <a:schemeClr val="accent1"/>
+            </a:fillRef>
+            <a:effectRef idx="0">
+              <a:schemeClr val="accent1"/>
+            </a:effectRef>
+            <a:fontRef idx="minor">
+              <a:schemeClr val="tx1"/>
+            </a:fontRef>
+          </p:style>
+        </p:cxnSp>
+      </p:grpSp>
+      <p:grpSp>
+        <p:nvGrpSpPr>
+          <p:cNvPr id="32" name="그룹 31">
+            <a:extLst>
+              <a:ext uri="{FF2B5EF4-FFF2-40B4-BE49-F238E27FC236}">
+                <a16:creationId xmlns:a16="http://schemas.microsoft.com/office/drawing/2014/main" id="{6DE8F186-1553-4E70-8422-91E88811AA9C}"/>
+              </a:ext>
+            </a:extLst>
+          </p:cNvPr>
+          <p:cNvGrpSpPr/>
+          <p:nvPr/>
+        </p:nvGrpSpPr>
+        <p:grpSpPr>
+          <a:xfrm>
+            <a:off x="3260817" y="3969012"/>
+            <a:ext cx="5756294" cy="2406061"/>
+            <a:chOff x="3260817" y="3969012"/>
+            <a:chExt cx="5756294" cy="2406061"/>
+          </a:xfrm>
+        </p:grpSpPr>
+        <p:sp>
+          <p:nvSpPr>
+            <p:cNvPr id="26" name="타원 25">
+              <a:extLst>
+                <a:ext uri="{FF2B5EF4-FFF2-40B4-BE49-F238E27FC236}">
+                  <a16:creationId xmlns:a16="http://schemas.microsoft.com/office/drawing/2014/main" id="{71FE3169-0CE7-4436-8DAC-7D44FF27E61F}"/>
+                </a:ext>
+              </a:extLst>
+            </p:cNvPr>
+            <p:cNvSpPr/>
+            <p:nvPr/>
+          </p:nvSpPr>
+          <p:spPr>
+            <a:xfrm>
+              <a:off x="3260817" y="3969012"/>
+              <a:ext cx="982250" cy="497482"/>
+            </a:xfrm>
+            <a:prstGeom prst="ellipse">
+              <a:avLst/>
+            </a:prstGeom>
+            <a:noFill/>
+            <a:ln w="38100">
+              <a:solidFill>
+                <a:srgbClr val="FF0000"/>
+              </a:solidFill>
+            </a:ln>
+          </p:spPr>
+          <p:style>
+            <a:lnRef idx="2">
+              <a:schemeClr val="accent1">
+                <a:shade val="50000"/>
+              </a:schemeClr>
+            </a:lnRef>
+            <a:fillRef idx="1">
+              <a:schemeClr val="accent1"/>
+            </a:fillRef>
+            <a:effectRef idx="0">
+              <a:schemeClr val="accent1"/>
+            </a:effectRef>
+            <a:fontRef idx="minor">
+              <a:schemeClr val="lt1"/>
+            </a:fontRef>
+          </p:style>
+          <p:txBody>
+            <a:bodyPr rtlCol="0" anchor="ctr"/>
+            <a:lstStyle/>
+            <a:p>
+              <a:pPr algn="ctr"/>
+              <a:endParaRPr lang="ko-KR" altLang="en-US"/>
+            </a:p>
+          </p:txBody>
+        </p:sp>
+        <p:sp>
+          <p:nvSpPr>
+            <p:cNvPr id="27" name="TextBox 26">
+              <a:extLst>
+                <a:ext uri="{FF2B5EF4-FFF2-40B4-BE49-F238E27FC236}">
+                  <a16:creationId xmlns:a16="http://schemas.microsoft.com/office/drawing/2014/main" id="{54C4393B-9B10-423F-B2C7-15E46126DB23}"/>
+                </a:ext>
+              </a:extLst>
+            </p:cNvPr>
+            <p:cNvSpPr txBox="1"/>
+            <p:nvPr/>
+          </p:nvSpPr>
+          <p:spPr>
+            <a:xfrm>
+              <a:off x="6862151" y="5728742"/>
+              <a:ext cx="2154960" cy="646331"/>
+            </a:xfrm>
+            <a:prstGeom prst="rect">
+              <a:avLst/>
+            </a:prstGeom>
+            <a:noFill/>
+          </p:spPr>
+          <p:txBody>
+            <a:bodyPr wrap="square" rtlCol="0">
+              <a:spAutoFit/>
+            </a:bodyPr>
+            <a:lstStyle/>
+            <a:p>
+              <a:r>
+                <a:rPr lang="ko-KR" altLang="en-US" dirty="0">
+                  <a:solidFill>
+                    <a:schemeClr val="bg1"/>
+                  </a:solidFill>
+                  <a:latin typeface="DX하얀토끼B" panose="02020600000000000000" pitchFamily="18" charset="-127"/>
+                  <a:ea typeface="DX하얀토끼B" panose="02020600000000000000" pitchFamily="18" charset="-127"/>
+                </a:rPr>
+                <a:t>입력 받은 시간을 계산을 합니다</a:t>
+              </a:r>
+              <a:r>
+                <a:rPr lang="en-US" altLang="ko-KR" dirty="0">
+                  <a:solidFill>
+                    <a:schemeClr val="bg1"/>
+                  </a:solidFill>
+                  <a:latin typeface="DX하얀토끼B" panose="02020600000000000000" pitchFamily="18" charset="-127"/>
+                  <a:ea typeface="DX하얀토끼B" panose="02020600000000000000" pitchFamily="18" charset="-127"/>
+                </a:rPr>
+                <a:t>.</a:t>
+              </a:r>
+              <a:endParaRPr lang="ko-KR" altLang="en-US" dirty="0">
+                <a:solidFill>
+                  <a:schemeClr val="bg1"/>
+                </a:solidFill>
+                <a:latin typeface="DX하얀토끼B" panose="02020600000000000000" pitchFamily="18" charset="-127"/>
+                <a:ea typeface="DX하얀토끼B" panose="02020600000000000000" pitchFamily="18" charset="-127"/>
+              </a:endParaRPr>
+            </a:p>
+          </p:txBody>
+        </p:sp>
+        <p:cxnSp>
+          <p:nvCxnSpPr>
+            <p:cNvPr id="28" name="연결선: 꺾임 27">
+              <a:extLst>
+                <a:ext uri="{FF2B5EF4-FFF2-40B4-BE49-F238E27FC236}">
+                  <a16:creationId xmlns:a16="http://schemas.microsoft.com/office/drawing/2014/main" id="{998A1A6A-534C-4270-BDB0-7F761AF5A5D7}"/>
+                </a:ext>
+              </a:extLst>
+            </p:cNvPr>
+            <p:cNvCxnSpPr>
+              <a:cxnSpLocks/>
+              <a:stCxn id="26" idx="2"/>
+              <a:endCxn id="27" idx="0"/>
+            </p:cNvCxnSpPr>
+            <p:nvPr/>
+          </p:nvCxnSpPr>
+          <p:spPr>
+            <a:xfrm rot="10800000" flipH="1" flipV="1">
+              <a:off x="3260817" y="4217752"/>
+              <a:ext cx="4678814" cy="1510989"/>
+            </a:xfrm>
+            <a:prstGeom prst="bentConnector4">
+              <a:avLst>
+                <a:gd name="adj1" fmla="val -4886"/>
+                <a:gd name="adj2" fmla="val 58231"/>
+              </a:avLst>
+            </a:prstGeom>
+            <a:ln w="38100">
+              <a:solidFill>
+                <a:srgbClr val="FF0000"/>
+              </a:solidFill>
+            </a:ln>
+          </p:spPr>
+          <p:style>
+            <a:lnRef idx="1">
+              <a:schemeClr val="accent1"/>
+            </a:lnRef>
+            <a:fillRef idx="0">
+              <a:schemeClr val="accent1"/>
+            </a:fillRef>
+            <a:effectRef idx="0">
+              <a:schemeClr val="accent1"/>
+            </a:effectRef>
+            <a:fontRef idx="minor">
+              <a:schemeClr val="tx1"/>
+            </a:fontRef>
+          </p:style>
+        </p:cxnSp>
+      </p:grpSp>
     </p:spTree>
     <p:extLst>
       <p:ext uri="{BB962C8B-B14F-4D97-AF65-F5344CB8AC3E}">
@@ -6707,7 +8240,7 @@
                             </p:stCondLst>
                             <p:childTnLst>
                               <p:par>
-                                <p:cTn id="5" presetID="10" presetClass="entr" presetSubtype="0" fill="hold" nodeType="clickEffect">
+                                <p:cTn id="5" presetID="1" presetClass="exit" presetSubtype="0" fill="hold" nodeType="clickEffect">
                                   <p:stCondLst>
                                     <p:cond delay="0"/>
                                   </p:stCondLst>
@@ -6715,6 +8248,33 @@
                                     <p:set>
                                       <p:cBhvr>
                                         <p:cTn id="6" dur="1" fill="hold">
+                                          <p:stCondLst>
+                                            <p:cond delay="0"/>
+                                          </p:stCondLst>
+                                        </p:cTn>
+                                        <p:tgtEl>
+                                          <p:spTgt spid="32"/>
+                                        </p:tgtEl>
+                                        <p:attrNameLst>
+                                          <p:attrName>style.visibility</p:attrName>
+                                        </p:attrNameLst>
+                                      </p:cBhvr>
+                                      <p:to>
+                                        <p:strVal val="hidden"/>
+                                      </p:to>
+                                    </p:set>
+                                  </p:childTnLst>
+                                </p:cTn>
+                              </p:par>
+                              <p:par>
+                                <p:cTn id="7" presetID="10" presetClass="entr" presetSubtype="0" fill="hold" nodeType="withEffect">
+                                  <p:stCondLst>
+                                    <p:cond delay="0"/>
+                                  </p:stCondLst>
+                                  <p:childTnLst>
+                                    <p:set>
+                                      <p:cBhvr>
+                                        <p:cTn id="8" dur="1" fill="hold">
                                           <p:stCondLst>
                                             <p:cond delay="0"/>
                                           </p:stCondLst>
@@ -6732,7 +8292,7 @@
                                     </p:set>
                                     <p:animEffect transition="in" filter="fade">
                                       <p:cBhvr>
-                                        <p:cTn id="7" dur="500"/>
+                                        <p:cTn id="9" dur="500"/>
                                         <p:tgtEl>
                                           <p:spTgt spid="18"/>
                                         </p:tgtEl>
@@ -6748,26 +8308,26 @@
                     </p:cTn>
                   </p:par>
                   <p:par>
-                    <p:cTn id="8" fill="hold">
+                    <p:cTn id="10" fill="hold">
                       <p:stCondLst>
                         <p:cond delay="indefinite"/>
                       </p:stCondLst>
                       <p:childTnLst>
                         <p:par>
-                          <p:cTn id="9" fill="hold">
+                          <p:cTn id="11" fill="hold">
                             <p:stCondLst>
                               <p:cond delay="0"/>
                             </p:stCondLst>
                             <p:childTnLst>
                               <p:par>
-                                <p:cTn id="10" presetID="10" presetClass="entr" presetSubtype="0" fill="hold" nodeType="clickEffect">
+                                <p:cTn id="12" presetID="10" presetClass="entr" presetSubtype="0" fill="hold" nodeType="clickEffect">
                                   <p:stCondLst>
                                     <p:cond delay="0"/>
                                   </p:stCondLst>
                                   <p:childTnLst>
                                     <p:set>
                                       <p:cBhvr>
-                                        <p:cTn id="11" dur="1" fill="hold">
+                                        <p:cTn id="13" dur="1" fill="hold">
                                           <p:stCondLst>
                                             <p:cond delay="0"/>
                                           </p:stCondLst>
@@ -6785,12 +8345,93 @@
                                     </p:set>
                                     <p:animEffect transition="in" filter="fade">
                                       <p:cBhvr>
-                                        <p:cTn id="12" dur="500"/>
+                                        <p:cTn id="14" dur="500"/>
                                         <p:tgtEl>
                                           <p:spTgt spid="8"/>
                                         </p:tgtEl>
                                       </p:cBhvr>
                                     </p:animEffect>
+                                  </p:childTnLst>
+                                </p:cTn>
+                              </p:par>
+                              <p:par>
+                                <p:cTn id="15" presetID="1" presetClass="entr" presetSubtype="0" fill="hold" nodeType="withEffect">
+                                  <p:stCondLst>
+                                    <p:cond delay="0"/>
+                                  </p:stCondLst>
+                                  <p:childTnLst>
+                                    <p:set>
+                                      <p:cBhvr>
+                                        <p:cTn id="16" dur="1" fill="hold">
+                                          <p:stCondLst>
+                                            <p:cond delay="0"/>
+                                          </p:stCondLst>
+                                        </p:cTn>
+                                        <p:tgtEl>
+                                          <p:spTgt spid="33"/>
+                                        </p:tgtEl>
+                                        <p:attrNameLst>
+                                          <p:attrName>style.visibility</p:attrName>
+                                        </p:attrNameLst>
+                                      </p:cBhvr>
+                                      <p:to>
+                                        <p:strVal val="visible"/>
+                                      </p:to>
+                                    </p:set>
+                                  </p:childTnLst>
+                                </p:cTn>
+                              </p:par>
+                              <p:par>
+                                <p:cTn id="17" presetID="1" presetClass="entr" presetSubtype="0" fill="hold" nodeType="withEffect">
+                                  <p:stCondLst>
+                                    <p:cond delay="0"/>
+                                  </p:stCondLst>
+                                  <p:childTnLst>
+                                    <p:set>
+                                      <p:cBhvr>
+                                        <p:cTn id="18" dur="1" fill="hold">
+                                          <p:stCondLst>
+                                            <p:cond delay="0"/>
+                                          </p:stCondLst>
+                                        </p:cTn>
+                                        <p:tgtEl>
+                                          <p:spTgt spid="34"/>
+                                        </p:tgtEl>
+                                        <p:attrNameLst>
+                                          <p:attrName>style.visibility</p:attrName>
+                                        </p:attrNameLst>
+                                      </p:cBhvr>
+                                      <p:to>
+                                        <p:strVal val="visible"/>
+                                      </p:to>
+                                    </p:set>
+                                  </p:childTnLst>
+                                </p:cTn>
+                              </p:par>
+                              <p:par>
+                                <p:cTn id="19" presetID="1" presetClass="entr" presetSubtype="0" fill="hold" nodeType="withEffect">
+                                  <p:stCondLst>
+                                    <p:cond delay="0"/>
+                                  </p:stCondLst>
+                                  <p:childTnLst>
+                                    <p:set>
+                                      <p:cBhvr>
+                                        <p:cTn id="20" dur="1" fill="hold">
+                                          <p:stCondLst>
+                                            <p:cond delay="0"/>
+                                          </p:stCondLst>
+                                        </p:cTn>
+                                        <p:tgtEl>
+                                          <p:spTgt spid="36"/>
+                                        </p:tgtEl>
+                                        <p:attrNameLst>
+                                          <p:attrName>style.visibility</p:attrName>
+                                        </p:attrNameLst>
+                                      </p:cBhvr>
+                                      <p:to>
+                                        <p:strVal val="visible"/>
+                                      </p:to>
+                                    </p:set>
                                   </p:childTnLst>
                                 </p:cTn>
                               </p:par>
@@ -7314,6 +8955,719 @@
           </a:prstGeom>
         </p:spPr>
       </p:pic>
+      <p:grpSp>
+        <p:nvGrpSpPr>
+          <p:cNvPr id="3" name="그룹 2">
+            <a:extLst>
+              <a:ext uri="{FF2B5EF4-FFF2-40B4-BE49-F238E27FC236}">
+                <a16:creationId xmlns:a16="http://schemas.microsoft.com/office/drawing/2014/main" id="{C289EF46-283F-4765-8F81-168C3F02D0EA}"/>
+              </a:ext>
+            </a:extLst>
+          </p:cNvPr>
+          <p:cNvGrpSpPr/>
+          <p:nvPr/>
+        </p:nvGrpSpPr>
+        <p:grpSpPr>
+          <a:xfrm>
+            <a:off x="839200" y="2625399"/>
+            <a:ext cx="2154960" cy="1343613"/>
+            <a:chOff x="839200" y="2625399"/>
+            <a:chExt cx="2154960" cy="1343613"/>
+          </a:xfrm>
+        </p:grpSpPr>
+        <p:sp>
+          <p:nvSpPr>
+            <p:cNvPr id="11" name="타원 10">
+              <a:extLst>
+                <a:ext uri="{FF2B5EF4-FFF2-40B4-BE49-F238E27FC236}">
+                  <a16:creationId xmlns:a16="http://schemas.microsoft.com/office/drawing/2014/main" id="{66942D53-F256-43A8-8813-D6778AFB9337}"/>
+                </a:ext>
+              </a:extLst>
+            </p:cNvPr>
+            <p:cNvSpPr/>
+            <p:nvPr/>
+          </p:nvSpPr>
+          <p:spPr>
+            <a:xfrm>
+              <a:off x="1001449" y="2625399"/>
+              <a:ext cx="497227" cy="497227"/>
+            </a:xfrm>
+            <a:prstGeom prst="ellipse">
+              <a:avLst/>
+            </a:prstGeom>
+            <a:noFill/>
+            <a:ln w="38100">
+              <a:solidFill>
+                <a:srgbClr val="FF0000"/>
+              </a:solidFill>
+            </a:ln>
+          </p:spPr>
+          <p:style>
+            <a:lnRef idx="2">
+              <a:schemeClr val="accent1">
+                <a:shade val="50000"/>
+              </a:schemeClr>
+            </a:lnRef>
+            <a:fillRef idx="1">
+              <a:schemeClr val="accent1"/>
+            </a:fillRef>
+            <a:effectRef idx="0">
+              <a:schemeClr val="accent1"/>
+            </a:effectRef>
+            <a:fontRef idx="minor">
+              <a:schemeClr val="lt1"/>
+            </a:fontRef>
+          </p:style>
+          <p:txBody>
+            <a:bodyPr rtlCol="0" anchor="ctr"/>
+            <a:lstStyle/>
+            <a:p>
+              <a:pPr algn="ctr"/>
+              <a:endParaRPr lang="ko-KR" altLang="en-US"/>
+            </a:p>
+          </p:txBody>
+        </p:sp>
+        <p:sp>
+          <p:nvSpPr>
+            <p:cNvPr id="12" name="TextBox 11">
+              <a:extLst>
+                <a:ext uri="{FF2B5EF4-FFF2-40B4-BE49-F238E27FC236}">
+                  <a16:creationId xmlns:a16="http://schemas.microsoft.com/office/drawing/2014/main" id="{0114DDE8-6D16-4AA4-A116-5144970E278F}"/>
+                </a:ext>
+              </a:extLst>
+            </p:cNvPr>
+            <p:cNvSpPr txBox="1"/>
+            <p:nvPr/>
+          </p:nvSpPr>
+          <p:spPr>
+            <a:xfrm>
+              <a:off x="839200" y="3322681"/>
+              <a:ext cx="2154960" cy="646331"/>
+            </a:xfrm>
+            <a:prstGeom prst="rect">
+              <a:avLst/>
+            </a:prstGeom>
+            <a:noFill/>
+          </p:spPr>
+          <p:txBody>
+            <a:bodyPr wrap="square" rtlCol="0">
+              <a:spAutoFit/>
+            </a:bodyPr>
+            <a:lstStyle/>
+            <a:p>
+              <a:r>
+                <a:rPr lang="ko-KR" altLang="en-US" dirty="0">
+                  <a:solidFill>
+                    <a:schemeClr val="bg1"/>
+                  </a:solidFill>
+                  <a:latin typeface="DX하얀토끼B" panose="02020600000000000000" pitchFamily="18" charset="-127"/>
+                  <a:ea typeface="DX하얀토끼B" panose="02020600000000000000" pitchFamily="18" charset="-127"/>
+                </a:rPr>
+                <a:t>현재 메뉴에서 한 칸 뒤로 갑니다</a:t>
+              </a:r>
+              <a:r>
+                <a:rPr lang="en-US" altLang="ko-KR" dirty="0">
+                  <a:solidFill>
+                    <a:schemeClr val="bg1"/>
+                  </a:solidFill>
+                  <a:latin typeface="DX하얀토끼B" panose="02020600000000000000" pitchFamily="18" charset="-127"/>
+                  <a:ea typeface="DX하얀토끼B" panose="02020600000000000000" pitchFamily="18" charset="-127"/>
+                </a:rPr>
+                <a:t>.</a:t>
+              </a:r>
+              <a:endParaRPr lang="ko-KR" altLang="en-US" dirty="0">
+                <a:solidFill>
+                  <a:schemeClr val="bg1"/>
+                </a:solidFill>
+                <a:latin typeface="DX하얀토끼B" panose="02020600000000000000" pitchFamily="18" charset="-127"/>
+                <a:ea typeface="DX하얀토끼B" panose="02020600000000000000" pitchFamily="18" charset="-127"/>
+              </a:endParaRPr>
+            </a:p>
+          </p:txBody>
+        </p:sp>
+        <p:cxnSp>
+          <p:nvCxnSpPr>
+            <p:cNvPr id="13" name="연결선: 꺾임 12">
+              <a:extLst>
+                <a:ext uri="{FF2B5EF4-FFF2-40B4-BE49-F238E27FC236}">
+                  <a16:creationId xmlns:a16="http://schemas.microsoft.com/office/drawing/2014/main" id="{75AF5923-2EA8-4165-A292-92A244A8A2C6}"/>
+                </a:ext>
+              </a:extLst>
+            </p:cNvPr>
+            <p:cNvCxnSpPr>
+              <a:cxnSpLocks/>
+              <a:stCxn id="11" idx="2"/>
+              <a:endCxn id="12" idx="0"/>
+            </p:cNvCxnSpPr>
+            <p:nvPr/>
+          </p:nvCxnSpPr>
+          <p:spPr>
+            <a:xfrm rot="10800000" flipH="1" flipV="1">
+              <a:off x="1001448" y="2874013"/>
+              <a:ext cx="915231" cy="448668"/>
+            </a:xfrm>
+            <a:prstGeom prst="bentConnector4">
+              <a:avLst>
+                <a:gd name="adj1" fmla="val -24977"/>
+                <a:gd name="adj2" fmla="val 77706"/>
+              </a:avLst>
+            </a:prstGeom>
+            <a:ln w="38100">
+              <a:solidFill>
+                <a:srgbClr val="FF0000"/>
+              </a:solidFill>
+            </a:ln>
+          </p:spPr>
+          <p:style>
+            <a:lnRef idx="1">
+              <a:schemeClr val="accent1"/>
+            </a:lnRef>
+            <a:fillRef idx="0">
+              <a:schemeClr val="accent1"/>
+            </a:fillRef>
+            <a:effectRef idx="0">
+              <a:schemeClr val="accent1"/>
+            </a:effectRef>
+            <a:fontRef idx="minor">
+              <a:schemeClr val="tx1"/>
+            </a:fontRef>
+          </p:style>
+        </p:cxnSp>
+      </p:grpSp>
+      <p:grpSp>
+        <p:nvGrpSpPr>
+          <p:cNvPr id="7" name="그룹 6">
+            <a:extLst>
+              <a:ext uri="{FF2B5EF4-FFF2-40B4-BE49-F238E27FC236}">
+                <a16:creationId xmlns:a16="http://schemas.microsoft.com/office/drawing/2014/main" id="{604A75BB-9D6D-49ED-95DD-BA967FB08112}"/>
+              </a:ext>
+            </a:extLst>
+          </p:cNvPr>
+          <p:cNvGrpSpPr/>
+          <p:nvPr/>
+        </p:nvGrpSpPr>
+        <p:grpSpPr>
+          <a:xfrm>
+            <a:off x="421196" y="4371639"/>
+            <a:ext cx="2154960" cy="2121026"/>
+            <a:chOff x="421196" y="4371639"/>
+            <a:chExt cx="2154960" cy="2121026"/>
+          </a:xfrm>
+        </p:grpSpPr>
+        <p:sp>
+          <p:nvSpPr>
+            <p:cNvPr id="14" name="타원 13">
+              <a:extLst>
+                <a:ext uri="{FF2B5EF4-FFF2-40B4-BE49-F238E27FC236}">
+                  <a16:creationId xmlns:a16="http://schemas.microsoft.com/office/drawing/2014/main" id="{89A87558-0AEA-480F-B6E3-C1B040CBE47E}"/>
+                </a:ext>
+              </a:extLst>
+            </p:cNvPr>
+            <p:cNvSpPr/>
+            <p:nvPr/>
+          </p:nvSpPr>
+          <p:spPr>
+            <a:xfrm>
+              <a:off x="925876" y="4371639"/>
+              <a:ext cx="497482" cy="497482"/>
+            </a:xfrm>
+            <a:prstGeom prst="ellipse">
+              <a:avLst/>
+            </a:prstGeom>
+            <a:noFill/>
+            <a:ln w="38100">
+              <a:solidFill>
+                <a:srgbClr val="FF0000"/>
+              </a:solidFill>
+            </a:ln>
+          </p:spPr>
+          <p:style>
+            <a:lnRef idx="2">
+              <a:schemeClr val="accent1">
+                <a:shade val="50000"/>
+              </a:schemeClr>
+            </a:lnRef>
+            <a:fillRef idx="1">
+              <a:schemeClr val="accent1"/>
+            </a:fillRef>
+            <a:effectRef idx="0">
+              <a:schemeClr val="accent1"/>
+            </a:effectRef>
+            <a:fontRef idx="minor">
+              <a:schemeClr val="lt1"/>
+            </a:fontRef>
+          </p:style>
+          <p:txBody>
+            <a:bodyPr rtlCol="0" anchor="ctr"/>
+            <a:lstStyle/>
+            <a:p>
+              <a:pPr algn="ctr"/>
+              <a:endParaRPr lang="ko-KR" altLang="en-US"/>
+            </a:p>
+          </p:txBody>
+        </p:sp>
+        <p:sp>
+          <p:nvSpPr>
+            <p:cNvPr id="15" name="TextBox 14">
+              <a:extLst>
+                <a:ext uri="{FF2B5EF4-FFF2-40B4-BE49-F238E27FC236}">
+                  <a16:creationId xmlns:a16="http://schemas.microsoft.com/office/drawing/2014/main" id="{AE8E0EC7-7944-4E8F-AA05-51456DA3D2B5}"/>
+                </a:ext>
+              </a:extLst>
+            </p:cNvPr>
+            <p:cNvSpPr txBox="1"/>
+            <p:nvPr/>
+          </p:nvSpPr>
+          <p:spPr>
+            <a:xfrm>
+              <a:off x="421196" y="5569335"/>
+              <a:ext cx="2154960" cy="923330"/>
+            </a:xfrm>
+            <a:prstGeom prst="rect">
+              <a:avLst/>
+            </a:prstGeom>
+            <a:noFill/>
+          </p:spPr>
+          <p:txBody>
+            <a:bodyPr wrap="square" rtlCol="0">
+              <a:spAutoFit/>
+            </a:bodyPr>
+            <a:lstStyle/>
+            <a:p>
+              <a:r>
+                <a:rPr lang="ko-KR" altLang="en-US" dirty="0">
+                  <a:solidFill>
+                    <a:schemeClr val="bg1"/>
+                  </a:solidFill>
+                  <a:latin typeface="DX하얀토끼B" panose="02020600000000000000" pitchFamily="18" charset="-127"/>
+                  <a:ea typeface="DX하얀토끼B" panose="02020600000000000000" pitchFamily="18" charset="-127"/>
+                </a:rPr>
+                <a:t>현재 시각에 조금 더 가깝고 쾌적하게 일어날 수 있는 시각을 표시합니다</a:t>
+              </a:r>
+              <a:r>
+                <a:rPr lang="en-US" altLang="ko-KR" dirty="0">
+                  <a:solidFill>
+                    <a:schemeClr val="bg1"/>
+                  </a:solidFill>
+                  <a:latin typeface="DX하얀토끼B" panose="02020600000000000000" pitchFamily="18" charset="-127"/>
+                  <a:ea typeface="DX하얀토끼B" panose="02020600000000000000" pitchFamily="18" charset="-127"/>
+                </a:rPr>
+                <a:t>.</a:t>
+              </a:r>
+              <a:endParaRPr lang="ko-KR" altLang="en-US" dirty="0">
+                <a:solidFill>
+                  <a:schemeClr val="bg1"/>
+                </a:solidFill>
+                <a:latin typeface="DX하얀토끼B" panose="02020600000000000000" pitchFamily="18" charset="-127"/>
+                <a:ea typeface="DX하얀토끼B" panose="02020600000000000000" pitchFamily="18" charset="-127"/>
+              </a:endParaRPr>
+            </a:p>
+          </p:txBody>
+        </p:sp>
+        <p:cxnSp>
+          <p:nvCxnSpPr>
+            <p:cNvPr id="16" name="연결선: 꺾임 15">
+              <a:extLst>
+                <a:ext uri="{FF2B5EF4-FFF2-40B4-BE49-F238E27FC236}">
+                  <a16:creationId xmlns:a16="http://schemas.microsoft.com/office/drawing/2014/main" id="{754B84FE-16A1-4E56-9229-4AD3F8ECB484}"/>
+                </a:ext>
+              </a:extLst>
+            </p:cNvPr>
+            <p:cNvCxnSpPr>
+              <a:cxnSpLocks/>
+              <a:stCxn id="14" idx="2"/>
+              <a:endCxn id="15" idx="0"/>
+            </p:cNvCxnSpPr>
+            <p:nvPr/>
+          </p:nvCxnSpPr>
+          <p:spPr>
+            <a:xfrm rot="10800000" flipH="1" flipV="1">
+              <a:off x="925876" y="4620379"/>
+              <a:ext cx="572800" cy="948955"/>
+            </a:xfrm>
+            <a:prstGeom prst="bentConnector4">
+              <a:avLst>
+                <a:gd name="adj1" fmla="val -39909"/>
+                <a:gd name="adj2" fmla="val 63106"/>
+              </a:avLst>
+            </a:prstGeom>
+            <a:ln w="38100">
+              <a:solidFill>
+                <a:srgbClr val="FF0000"/>
+              </a:solidFill>
+            </a:ln>
+          </p:spPr>
+          <p:style>
+            <a:lnRef idx="1">
+              <a:schemeClr val="accent1"/>
+            </a:lnRef>
+            <a:fillRef idx="0">
+              <a:schemeClr val="accent1"/>
+            </a:fillRef>
+            <a:effectRef idx="0">
+              <a:schemeClr val="accent1"/>
+            </a:effectRef>
+            <a:fontRef idx="minor">
+              <a:schemeClr val="tx1"/>
+            </a:fontRef>
+          </p:style>
+        </p:cxnSp>
+      </p:grpSp>
+      <p:grpSp>
+        <p:nvGrpSpPr>
+          <p:cNvPr id="20" name="그룹 19">
+            <a:extLst>
+              <a:ext uri="{FF2B5EF4-FFF2-40B4-BE49-F238E27FC236}">
+                <a16:creationId xmlns:a16="http://schemas.microsoft.com/office/drawing/2014/main" id="{5AC9F1AD-852D-4BE9-96E3-B0D95E6B73E2}"/>
+              </a:ext>
+            </a:extLst>
+          </p:cNvPr>
+          <p:cNvGrpSpPr/>
+          <p:nvPr/>
+        </p:nvGrpSpPr>
+        <p:grpSpPr>
+          <a:xfrm>
+            <a:off x="4036270" y="4371639"/>
+            <a:ext cx="2557212" cy="2385208"/>
+            <a:chOff x="4036270" y="4371639"/>
+            <a:chExt cx="2557212" cy="2385208"/>
+          </a:xfrm>
+        </p:grpSpPr>
+        <p:sp>
+          <p:nvSpPr>
+            <p:cNvPr id="17" name="타원 16">
+              <a:extLst>
+                <a:ext uri="{FF2B5EF4-FFF2-40B4-BE49-F238E27FC236}">
+                  <a16:creationId xmlns:a16="http://schemas.microsoft.com/office/drawing/2014/main" id="{939B8FB3-A132-4D19-B895-3E106CE46467}"/>
+                </a:ext>
+              </a:extLst>
+            </p:cNvPr>
+            <p:cNvSpPr/>
+            <p:nvPr/>
+          </p:nvSpPr>
+          <p:spPr>
+            <a:xfrm>
+              <a:off x="6096000" y="4371639"/>
+              <a:ext cx="497482" cy="497482"/>
+            </a:xfrm>
+            <a:prstGeom prst="ellipse">
+              <a:avLst/>
+            </a:prstGeom>
+            <a:noFill/>
+            <a:ln w="38100">
+              <a:solidFill>
+                <a:srgbClr val="FF0000"/>
+              </a:solidFill>
+            </a:ln>
+          </p:spPr>
+          <p:style>
+            <a:lnRef idx="2">
+              <a:schemeClr val="accent1">
+                <a:shade val="50000"/>
+              </a:schemeClr>
+            </a:lnRef>
+            <a:fillRef idx="1">
+              <a:schemeClr val="accent1"/>
+            </a:fillRef>
+            <a:effectRef idx="0">
+              <a:schemeClr val="accent1"/>
+            </a:effectRef>
+            <a:fontRef idx="minor">
+              <a:schemeClr val="lt1"/>
+            </a:fontRef>
+          </p:style>
+          <p:txBody>
+            <a:bodyPr rtlCol="0" anchor="ctr"/>
+            <a:lstStyle/>
+            <a:p>
+              <a:pPr algn="ctr"/>
+              <a:endParaRPr lang="ko-KR" altLang="en-US"/>
+            </a:p>
+          </p:txBody>
+        </p:sp>
+        <p:sp>
+          <p:nvSpPr>
+            <p:cNvPr id="18" name="TextBox 17">
+              <a:extLst>
+                <a:ext uri="{FF2B5EF4-FFF2-40B4-BE49-F238E27FC236}">
+                  <a16:creationId xmlns:a16="http://schemas.microsoft.com/office/drawing/2014/main" id="{716895B4-D04D-4E61-BC4F-33CBAC8FEE4E}"/>
+                </a:ext>
+              </a:extLst>
+            </p:cNvPr>
+            <p:cNvSpPr txBox="1"/>
+            <p:nvPr/>
+          </p:nvSpPr>
+          <p:spPr>
+            <a:xfrm>
+              <a:off x="4036270" y="5833517"/>
+              <a:ext cx="2154960" cy="923330"/>
+            </a:xfrm>
+            <a:prstGeom prst="rect">
+              <a:avLst/>
+            </a:prstGeom>
+            <a:noFill/>
+          </p:spPr>
+          <p:txBody>
+            <a:bodyPr wrap="square" rtlCol="0">
+              <a:spAutoFit/>
+            </a:bodyPr>
+            <a:lstStyle/>
+            <a:p>
+              <a:r>
+                <a:rPr lang="ko-KR" altLang="en-US" dirty="0">
+                  <a:solidFill>
+                    <a:schemeClr val="bg1"/>
+                  </a:solidFill>
+                  <a:latin typeface="DX하얀토끼B" panose="02020600000000000000" pitchFamily="18" charset="-127"/>
+                  <a:ea typeface="DX하얀토끼B" panose="02020600000000000000" pitchFamily="18" charset="-127"/>
+                </a:rPr>
+                <a:t>현재 시각보다 조금 더 멀고 쾌적하게 일어날 수 있는 시각을 표시합니다</a:t>
+              </a:r>
+              <a:r>
+                <a:rPr lang="en-US" altLang="ko-KR" dirty="0">
+                  <a:solidFill>
+                    <a:schemeClr val="bg1"/>
+                  </a:solidFill>
+                  <a:latin typeface="DX하얀토끼B" panose="02020600000000000000" pitchFamily="18" charset="-127"/>
+                  <a:ea typeface="DX하얀토끼B" panose="02020600000000000000" pitchFamily="18" charset="-127"/>
+                </a:rPr>
+                <a:t>.</a:t>
+              </a:r>
+              <a:endParaRPr lang="ko-KR" altLang="en-US" dirty="0">
+                <a:solidFill>
+                  <a:schemeClr val="bg1"/>
+                </a:solidFill>
+                <a:latin typeface="DX하얀토끼B" panose="02020600000000000000" pitchFamily="18" charset="-127"/>
+                <a:ea typeface="DX하얀토끼B" panose="02020600000000000000" pitchFamily="18" charset="-127"/>
+              </a:endParaRPr>
+            </a:p>
+          </p:txBody>
+        </p:sp>
+        <p:cxnSp>
+          <p:nvCxnSpPr>
+            <p:cNvPr id="19" name="연결선: 꺾임 18">
+              <a:extLst>
+                <a:ext uri="{FF2B5EF4-FFF2-40B4-BE49-F238E27FC236}">
+                  <a16:creationId xmlns:a16="http://schemas.microsoft.com/office/drawing/2014/main" id="{5F0ED44F-2A3F-407B-8B98-95308181AF45}"/>
+                </a:ext>
+              </a:extLst>
+            </p:cNvPr>
+            <p:cNvCxnSpPr>
+              <a:cxnSpLocks/>
+              <a:stCxn id="17" idx="2"/>
+              <a:endCxn id="18" idx="0"/>
+            </p:cNvCxnSpPr>
+            <p:nvPr/>
+          </p:nvCxnSpPr>
+          <p:spPr>
+            <a:xfrm rot="10800000" flipV="1">
+              <a:off x="5113750" y="4620379"/>
+              <a:ext cx="982250" cy="1213137"/>
+            </a:xfrm>
+            <a:prstGeom prst="bentConnector2">
+              <a:avLst/>
+            </a:prstGeom>
+            <a:ln w="38100">
+              <a:solidFill>
+                <a:srgbClr val="FF0000"/>
+              </a:solidFill>
+            </a:ln>
+          </p:spPr>
+          <p:style>
+            <a:lnRef idx="1">
+              <a:schemeClr val="accent1"/>
+            </a:lnRef>
+            <a:fillRef idx="0">
+              <a:schemeClr val="accent1"/>
+            </a:fillRef>
+            <a:effectRef idx="0">
+              <a:schemeClr val="accent1"/>
+            </a:effectRef>
+            <a:fontRef idx="minor">
+              <a:schemeClr val="tx1"/>
+            </a:fontRef>
+          </p:style>
+        </p:cxnSp>
+      </p:grpSp>
+      <p:grpSp>
+        <p:nvGrpSpPr>
+          <p:cNvPr id="23" name="그룹 22">
+            <a:extLst>
+              <a:ext uri="{FF2B5EF4-FFF2-40B4-BE49-F238E27FC236}">
+                <a16:creationId xmlns:a16="http://schemas.microsoft.com/office/drawing/2014/main" id="{505DBA1A-A9E6-4DE6-BA96-983D7A79AE39}"/>
+              </a:ext>
+            </a:extLst>
+          </p:cNvPr>
+          <p:cNvGrpSpPr/>
+          <p:nvPr/>
+        </p:nvGrpSpPr>
+        <p:grpSpPr>
+          <a:xfrm>
+            <a:off x="3260817" y="3969012"/>
+            <a:ext cx="5756294" cy="2406061"/>
+            <a:chOff x="3260817" y="3969012"/>
+            <a:chExt cx="5756294" cy="2406061"/>
+          </a:xfrm>
+        </p:grpSpPr>
+        <p:sp>
+          <p:nvSpPr>
+            <p:cNvPr id="24" name="타원 23">
+              <a:extLst>
+                <a:ext uri="{FF2B5EF4-FFF2-40B4-BE49-F238E27FC236}">
+                  <a16:creationId xmlns:a16="http://schemas.microsoft.com/office/drawing/2014/main" id="{F86ECF3E-08B1-4F1F-8438-1983EE125F3A}"/>
+                </a:ext>
+              </a:extLst>
+            </p:cNvPr>
+            <p:cNvSpPr/>
+            <p:nvPr/>
+          </p:nvSpPr>
+          <p:spPr>
+            <a:xfrm>
+              <a:off x="3260817" y="3969012"/>
+              <a:ext cx="982250" cy="497482"/>
+            </a:xfrm>
+            <a:prstGeom prst="ellipse">
+              <a:avLst/>
+            </a:prstGeom>
+            <a:noFill/>
+            <a:ln w="38100">
+              <a:solidFill>
+                <a:srgbClr val="FF0000"/>
+              </a:solidFill>
+            </a:ln>
+          </p:spPr>
+          <p:style>
+            <a:lnRef idx="2">
+              <a:schemeClr val="accent1">
+                <a:shade val="50000"/>
+              </a:schemeClr>
+            </a:lnRef>
+            <a:fillRef idx="1">
+              <a:schemeClr val="accent1"/>
+            </a:fillRef>
+            <a:effectRef idx="0">
+              <a:schemeClr val="accent1"/>
+            </a:effectRef>
+            <a:fontRef idx="minor">
+              <a:schemeClr val="lt1"/>
+            </a:fontRef>
+          </p:style>
+          <p:txBody>
+            <a:bodyPr rtlCol="0" anchor="ctr"/>
+            <a:lstStyle/>
+            <a:p>
+              <a:pPr algn="ctr"/>
+              <a:endParaRPr lang="ko-KR" altLang="en-US"/>
+            </a:p>
+          </p:txBody>
+        </p:sp>
+        <p:sp>
+          <p:nvSpPr>
+            <p:cNvPr id="25" name="TextBox 24">
+              <a:extLst>
+                <a:ext uri="{FF2B5EF4-FFF2-40B4-BE49-F238E27FC236}">
+                  <a16:creationId xmlns:a16="http://schemas.microsoft.com/office/drawing/2014/main" id="{49CEE2CA-AE1A-4BF7-BD11-155F60527420}"/>
+                </a:ext>
+              </a:extLst>
+            </p:cNvPr>
+            <p:cNvSpPr txBox="1"/>
+            <p:nvPr/>
+          </p:nvSpPr>
+          <p:spPr>
+            <a:xfrm>
+              <a:off x="6862151" y="5728742"/>
+              <a:ext cx="2154960" cy="646331"/>
+            </a:xfrm>
+            <a:prstGeom prst="rect">
+              <a:avLst/>
+            </a:prstGeom>
+            <a:noFill/>
+          </p:spPr>
+          <p:txBody>
+            <a:bodyPr wrap="square" rtlCol="0">
+              <a:spAutoFit/>
+            </a:bodyPr>
+            <a:lstStyle/>
+            <a:p>
+              <a:r>
+                <a:rPr lang="ko-KR" altLang="en-US" dirty="0">
+                  <a:solidFill>
+                    <a:schemeClr val="bg1"/>
+                  </a:solidFill>
+                  <a:latin typeface="DX하얀토끼B" panose="02020600000000000000" pitchFamily="18" charset="-127"/>
+                  <a:ea typeface="DX하얀토끼B" panose="02020600000000000000" pitchFamily="18" charset="-127"/>
+                </a:rPr>
+                <a:t>입력 받은 시간을 계산을 합니다</a:t>
+              </a:r>
+              <a:r>
+                <a:rPr lang="en-US" altLang="ko-KR" dirty="0">
+                  <a:solidFill>
+                    <a:schemeClr val="bg1"/>
+                  </a:solidFill>
+                  <a:latin typeface="DX하얀토끼B" panose="02020600000000000000" pitchFamily="18" charset="-127"/>
+                  <a:ea typeface="DX하얀토끼B" panose="02020600000000000000" pitchFamily="18" charset="-127"/>
+                </a:rPr>
+                <a:t>.</a:t>
+              </a:r>
+              <a:endParaRPr lang="ko-KR" altLang="en-US" dirty="0">
+                <a:solidFill>
+                  <a:schemeClr val="bg1"/>
+                </a:solidFill>
+                <a:latin typeface="DX하얀토끼B" panose="02020600000000000000" pitchFamily="18" charset="-127"/>
+                <a:ea typeface="DX하얀토끼B" panose="02020600000000000000" pitchFamily="18" charset="-127"/>
+              </a:endParaRPr>
+            </a:p>
+          </p:txBody>
+        </p:sp>
+        <p:cxnSp>
+          <p:nvCxnSpPr>
+            <p:cNvPr id="26" name="연결선: 꺾임 25">
+              <a:extLst>
+                <a:ext uri="{FF2B5EF4-FFF2-40B4-BE49-F238E27FC236}">
+                  <a16:creationId xmlns:a16="http://schemas.microsoft.com/office/drawing/2014/main" id="{57B049C8-0CF9-4831-8F8D-68D100DE0A4F}"/>
+                </a:ext>
+              </a:extLst>
+            </p:cNvPr>
+            <p:cNvCxnSpPr>
+              <a:cxnSpLocks/>
+              <a:stCxn id="24" idx="2"/>
+              <a:endCxn id="25" idx="0"/>
+            </p:cNvCxnSpPr>
+            <p:nvPr/>
+          </p:nvCxnSpPr>
+          <p:spPr>
+            <a:xfrm rot="10800000" flipH="1" flipV="1">
+              <a:off x="3260817" y="4217752"/>
+              <a:ext cx="4678814" cy="1510989"/>
+            </a:xfrm>
+            <a:prstGeom prst="bentConnector4">
+              <a:avLst>
+                <a:gd name="adj1" fmla="val -4886"/>
+                <a:gd name="adj2" fmla="val 58231"/>
+              </a:avLst>
+            </a:prstGeom>
+            <a:ln w="38100">
+              <a:solidFill>
+                <a:srgbClr val="FF0000"/>
+              </a:solidFill>
+            </a:ln>
+          </p:spPr>
+          <p:style>
+            <a:lnRef idx="1">
+              <a:schemeClr val="accent1"/>
+            </a:lnRef>
+            <a:fillRef idx="0">
+              <a:schemeClr val="accent1"/>
+            </a:fillRef>
+            <a:effectRef idx="0">
+              <a:schemeClr val="accent1"/>
+            </a:effectRef>
+            <a:fontRef idx="minor">
+              <a:schemeClr val="tx1"/>
+            </a:fontRef>
+          </p:style>
+        </p:cxnSp>
+      </p:grpSp>
     </p:spTree>
     <p:extLst>
       <p:ext uri="{BB962C8B-B14F-4D97-AF65-F5344CB8AC3E}">
@@ -7357,7 +9711,7 @@
                             </p:stCondLst>
                             <p:childTnLst>
                               <p:par>
-                                <p:cTn id="5" presetID="10" presetClass="entr" presetSubtype="0" fill="hold" nodeType="clickEffect">
+                                <p:cTn id="5" presetID="1" presetClass="exit" presetSubtype="0" fill="hold" nodeType="clickEffect">
                                   <p:stCondLst>
                                     <p:cond delay="0"/>
                                   </p:stCondLst>
@@ -7365,6 +9719,33 @@
                                     <p:set>
                                       <p:cBhvr>
                                         <p:cTn id="6" dur="1" fill="hold">
+                                          <p:stCondLst>
+                                            <p:cond delay="0"/>
+                                          </p:stCondLst>
+                                        </p:cTn>
+                                        <p:tgtEl>
+                                          <p:spTgt spid="23"/>
+                                        </p:tgtEl>
+                                        <p:attrNameLst>
+                                          <p:attrName>style.visibility</p:attrName>
+                                        </p:attrNameLst>
+                                      </p:cBhvr>
+                                      <p:to>
+                                        <p:strVal val="hidden"/>
+                                      </p:to>
+                                    </p:set>
+                                  </p:childTnLst>
+                                </p:cTn>
+                              </p:par>
+                              <p:par>
+                                <p:cTn id="7" presetID="10" presetClass="entr" presetSubtype="0" fill="hold" nodeType="withEffect">
+                                  <p:stCondLst>
+                                    <p:cond delay="0"/>
+                                  </p:stCondLst>
+                                  <p:childTnLst>
+                                    <p:set>
+                                      <p:cBhvr>
+                                        <p:cTn id="8" dur="1" fill="hold">
                                           <p:stCondLst>
                                             <p:cond delay="0"/>
                                           </p:stCondLst>
@@ -7382,12 +9763,93 @@
                                     </p:set>
                                     <p:animEffect transition="in" filter="fade">
                                       <p:cBhvr>
-                                        <p:cTn id="7" dur="500"/>
+                                        <p:cTn id="9" dur="500"/>
                                         <p:tgtEl>
                                           <p:spTgt spid="8"/>
                                         </p:tgtEl>
                                       </p:cBhvr>
                                     </p:animEffect>
+                                  </p:childTnLst>
+                                </p:cTn>
+                              </p:par>
+                              <p:par>
+                                <p:cTn id="10" presetID="1" presetClass="entr" presetSubtype="0" fill="hold" nodeType="withEffect">
+                                  <p:stCondLst>
+                                    <p:cond delay="0"/>
+                                  </p:stCondLst>
+                                  <p:childTnLst>
+                                    <p:set>
+                                      <p:cBhvr>
+                                        <p:cTn id="11" dur="1" fill="hold">
+                                          <p:stCondLst>
+                                            <p:cond delay="0"/>
+                                          </p:stCondLst>
+                                        </p:cTn>
+                                        <p:tgtEl>
+                                          <p:spTgt spid="3"/>
+                                        </p:tgtEl>
+                                        <p:attrNameLst>
+                                          <p:attrName>style.visibility</p:attrName>
+                                        </p:attrNameLst>
+                                      </p:cBhvr>
+                                      <p:to>
+                                        <p:strVal val="visible"/>
+                                      </p:to>
+                                    </p:set>
+                                  </p:childTnLst>
+                                </p:cTn>
+                              </p:par>
+                              <p:par>
+                                <p:cTn id="12" presetID="1" presetClass="entr" presetSubtype="0" fill="hold" nodeType="withEffect">
+                                  <p:stCondLst>
+                                    <p:cond delay="0"/>
+                                  </p:stCondLst>
+                                  <p:childTnLst>
+                                    <p:set>
+                                      <p:cBhvr>
+                                        <p:cTn id="13" dur="1" fill="hold">
+                                          <p:stCondLst>
+                                            <p:cond delay="0"/>
+                                          </p:stCondLst>
+                                        </p:cTn>
+                                        <p:tgtEl>
+                                          <p:spTgt spid="7"/>
+                                        </p:tgtEl>
+                                        <p:attrNameLst>
+                                          <p:attrName>style.visibility</p:attrName>
+                                        </p:attrNameLst>
+                                      </p:cBhvr>
+                                      <p:to>
+                                        <p:strVal val="visible"/>
+                                      </p:to>
+                                    </p:set>
+                                  </p:childTnLst>
+                                </p:cTn>
+                              </p:par>
+                              <p:par>
+                                <p:cTn id="14" presetID="1" presetClass="entr" presetSubtype="0" fill="hold" nodeType="withEffect">
+                                  <p:stCondLst>
+                                    <p:cond delay="0"/>
+                                  </p:stCondLst>
+                                  <p:childTnLst>
+                                    <p:set>
+                                      <p:cBhvr>
+                                        <p:cTn id="15" dur="1" fill="hold">
+                                          <p:stCondLst>
+                                            <p:cond delay="0"/>
+                                          </p:stCondLst>
+                                        </p:cTn>
+                                        <p:tgtEl>
+                                          <p:spTgt spid="20"/>
+                                        </p:tgtEl>
+                                        <p:attrNameLst>
+                                          <p:attrName>style.visibility</p:attrName>
+                                        </p:attrNameLst>
+                                      </p:cBhvr>
+                                      <p:to>
+                                        <p:strVal val="visible"/>
+                                      </p:to>
+                                    </p:set>
                                   </p:childTnLst>
                                 </p:cTn>
                               </p:par>
@@ -7932,7 +10394,7 @@
               <a:t>앞으로도 내가 만들고 싶은  웹페이지를 제작해보고 싶다</a:t>
             </a:r>
             <a:r>
-              <a:rPr lang="en-US" altLang="ko-KR" sz="4000">
+              <a:rPr lang="en-US" altLang="ko-KR" sz="4000" dirty="0">
                 <a:solidFill>
                   <a:schemeClr val="bg1"/>
                 </a:solidFill>

--- a/선린 수면 도우미 발표자료.pptx
+++ b/선린 수면 도우미 발표자료.pptx
@@ -7771,7 +7771,7 @@
                   <a:latin typeface="DX하얀토끼B" panose="02020600000000000000" pitchFamily="18" charset="-127"/>
                   <a:ea typeface="DX하얀토끼B" panose="02020600000000000000" pitchFamily="18" charset="-127"/>
                 </a:rPr>
-                <a:t>현재 시각에 조금 더 가깝고 쾌적하게 일어날 수 있는 시각을 표시합니다</a:t>
+                <a:t>입력 시각에 조금 더 가깝고 쾌적하게 일어날 수 있는 시각을 표시합니다</a:t>
               </a:r>
               <a:r>
                 <a:rPr lang="en-US" altLang="ko-KR" dirty="0">
@@ -7950,7 +7950,7 @@
                   <a:latin typeface="DX하얀토끼B" panose="02020600000000000000" pitchFamily="18" charset="-127"/>
                   <a:ea typeface="DX하얀토끼B" panose="02020600000000000000" pitchFamily="18" charset="-127"/>
                 </a:rPr>
-                <a:t>현재 시각보다 조금 더 멀고 쾌적하게 일어날 수 있는 시각을 표시합니다</a:t>
+                <a:t>입력 시각보다 조금 더 멀고 쾌적하게 일어날 수 있는 시각을 표시합니다</a:t>
               </a:r>
               <a:r>
                 <a:rPr lang="en-US" altLang="ko-KR" dirty="0">
@@ -9242,7 +9242,7 @@
                   <a:latin typeface="DX하얀토끼B" panose="02020600000000000000" pitchFamily="18" charset="-127"/>
                   <a:ea typeface="DX하얀토끼B" panose="02020600000000000000" pitchFamily="18" charset="-127"/>
                 </a:rPr>
-                <a:t>현재 시각에 조금 더 가깝고 쾌적하게 일어날 수 있는 시각을 표시합니다</a:t>
+                <a:t>입력 시각에 조금 더 가깝고 쾌적하게 일어날 수 있는 시각을 표시합니다</a:t>
               </a:r>
               <a:r>
                 <a:rPr lang="en-US" altLang="ko-KR" dirty="0">
@@ -9421,7 +9421,7 @@
                   <a:latin typeface="DX하얀토끼B" panose="02020600000000000000" pitchFamily="18" charset="-127"/>
                   <a:ea typeface="DX하얀토끼B" panose="02020600000000000000" pitchFamily="18" charset="-127"/>
                 </a:rPr>
-                <a:t>현재 시각보다 조금 더 멀고 쾌적하게 일어날 수 있는 시각을 표시합니다</a:t>
+                <a:t>입력 시각보다 조금 더 멀고 쾌적하게 일어날 수 있는 시각을 표시합니다</a:t>
               </a:r>
               <a:r>
                 <a:rPr lang="en-US" altLang="ko-KR" dirty="0">
